--- a/contents/fig;block-v1.pptx
+++ b/contents/fig;block-v1.pptx
@@ -2,12 +2,12 @@
 <file path=ppt/presentation.xml><?xml version="1.0" encoding="utf-8"?>
 <p:presentation xmlns:a="http://schemas.openxmlformats.org/drawingml/2006/main" xmlns:r="http://schemas.openxmlformats.org/officeDocument/2006/relationships" xmlns:p="http://schemas.openxmlformats.org/presentationml/2006/main" saveSubsetFonts="1">
   <p:sldMasterIdLst>
-    <p:sldMasterId id="2147483696" r:id="rId1"/>
+    <p:sldMasterId id="2147483708" r:id="rId1"/>
   </p:sldMasterIdLst>
   <p:sldIdLst>
     <p:sldId id="256" r:id="rId2"/>
   </p:sldIdLst>
-  <p:sldSz cx="13392150" cy="9223375"/>
+  <p:sldSz cx="13571538" cy="9431338"/>
   <p:notesSz cx="6858000" cy="9144000"/>
   <p:defaultTextStyle>
     <a:defPPr>
@@ -2492,15 +2492,15 @@
         </p:nvSpPr>
         <p:spPr>
           <a:xfrm>
-            <a:off x="1004411" y="1509474"/>
-            <a:ext cx="11383328" cy="3211101"/>
+            <a:off x="1017866" y="1543509"/>
+            <a:ext cx="11535807" cy="3283503"/>
           </a:xfrm>
         </p:spPr>
         <p:txBody>
           <a:bodyPr anchor="b"/>
           <a:lstStyle>
             <a:lvl1pPr algn="ctr">
-              <a:defRPr sz="8069"/>
+              <a:defRPr sz="8251"/>
             </a:lvl1pPr>
           </a:lstStyle>
           <a:p>
@@ -2524,8 +2524,8 @@
         </p:nvSpPr>
         <p:spPr>
           <a:xfrm>
-            <a:off x="1674019" y="4844407"/>
-            <a:ext cx="10044113" cy="2226847"/>
+            <a:off x="1696442" y="4953636"/>
+            <a:ext cx="10178654" cy="2277056"/>
           </a:xfrm>
         </p:spPr>
         <p:txBody>
@@ -2533,39 +2533,39 @@
           <a:lstStyle>
             <a:lvl1pPr marL="0" indent="0" algn="ctr">
               <a:buNone/>
-              <a:defRPr sz="3228"/>
+              <a:defRPr sz="3300"/>
             </a:lvl1pPr>
-            <a:lvl2pPr marL="614888" indent="0" algn="ctr">
+            <a:lvl2pPr marL="628741" indent="0" algn="ctr">
               <a:buNone/>
-              <a:defRPr sz="2690"/>
+              <a:defRPr sz="2750"/>
             </a:lvl2pPr>
-            <a:lvl3pPr marL="1229777" indent="0" algn="ctr">
+            <a:lvl3pPr marL="1257483" indent="0" algn="ctr">
               <a:buNone/>
-              <a:defRPr sz="2421"/>
+              <a:defRPr sz="2475"/>
             </a:lvl3pPr>
-            <a:lvl4pPr marL="1844665" indent="0" algn="ctr">
+            <a:lvl4pPr marL="1886224" indent="0" algn="ctr">
               <a:buNone/>
-              <a:defRPr sz="2152"/>
+              <a:defRPr sz="2200"/>
             </a:lvl4pPr>
-            <a:lvl5pPr marL="2459553" indent="0" algn="ctr">
+            <a:lvl5pPr marL="2514966" indent="0" algn="ctr">
               <a:buNone/>
-              <a:defRPr sz="2152"/>
+              <a:defRPr sz="2200"/>
             </a:lvl5pPr>
-            <a:lvl6pPr marL="3074441" indent="0" algn="ctr">
+            <a:lvl6pPr marL="3143707" indent="0" algn="ctr">
               <a:buNone/>
-              <a:defRPr sz="2152"/>
+              <a:defRPr sz="2200"/>
             </a:lvl6pPr>
-            <a:lvl7pPr marL="3689330" indent="0" algn="ctr">
+            <a:lvl7pPr marL="3772449" indent="0" algn="ctr">
               <a:buNone/>
-              <a:defRPr sz="2152"/>
+              <a:defRPr sz="2200"/>
             </a:lvl7pPr>
-            <a:lvl8pPr marL="4304218" indent="0" algn="ctr">
+            <a:lvl8pPr marL="4401190" indent="0" algn="ctr">
               <a:buNone/>
-              <a:defRPr sz="2152"/>
+              <a:defRPr sz="2200"/>
             </a:lvl8pPr>
-            <a:lvl9pPr marL="4919106" indent="0" algn="ctr">
+            <a:lvl9pPr marL="5029932" indent="0" algn="ctr">
               <a:buNone/>
-              <a:defRPr sz="2152"/>
+              <a:defRPr sz="2200"/>
             </a:lvl9pPr>
           </a:lstStyle>
           <a:p>
@@ -2645,7 +2645,7 @@
     </p:spTree>
     <p:extLst>
       <p:ext uri="{BB962C8B-B14F-4D97-AF65-F5344CB8AC3E}">
-        <p14:creationId xmlns:p14="http://schemas.microsoft.com/office/powerpoint/2010/main" val="4271251402"/>
+        <p14:creationId xmlns:p14="http://schemas.microsoft.com/office/powerpoint/2010/main" val="2487333055"/>
       </p:ext>
     </p:extLst>
   </p:cSld>
@@ -2815,7 +2815,7 @@
     </p:spTree>
     <p:extLst>
       <p:ext uri="{BB962C8B-B14F-4D97-AF65-F5344CB8AC3E}">
-        <p14:creationId xmlns:p14="http://schemas.microsoft.com/office/powerpoint/2010/main" val="2637805003"/>
+        <p14:creationId xmlns:p14="http://schemas.microsoft.com/office/powerpoint/2010/main" val="252488264"/>
       </p:ext>
     </p:extLst>
   </p:cSld>
@@ -2854,8 +2854,8 @@
         </p:nvSpPr>
         <p:spPr>
           <a:xfrm>
-            <a:off x="9583758" y="491059"/>
-            <a:ext cx="2887682" cy="7816384"/>
+            <a:off x="9712133" y="502131"/>
+            <a:ext cx="2926363" cy="7992623"/>
           </a:xfrm>
         </p:spPr>
         <p:txBody>
@@ -2882,8 +2882,8 @@
         </p:nvSpPr>
         <p:spPr>
           <a:xfrm>
-            <a:off x="920711" y="491059"/>
-            <a:ext cx="8495645" cy="7816384"/>
+            <a:off x="933044" y="502131"/>
+            <a:ext cx="8609444" cy="7992623"/>
           </a:xfrm>
         </p:spPr>
         <p:txBody>
@@ -2995,7 +2995,7 @@
     </p:spTree>
     <p:extLst>
       <p:ext uri="{BB962C8B-B14F-4D97-AF65-F5344CB8AC3E}">
-        <p14:creationId xmlns:p14="http://schemas.microsoft.com/office/powerpoint/2010/main" val="1626869575"/>
+        <p14:creationId xmlns:p14="http://schemas.microsoft.com/office/powerpoint/2010/main" val="3729544284"/>
       </p:ext>
     </p:extLst>
   </p:cSld>
@@ -3165,7 +3165,7 @@
     </p:spTree>
     <p:extLst>
       <p:ext uri="{BB962C8B-B14F-4D97-AF65-F5344CB8AC3E}">
-        <p14:creationId xmlns:p14="http://schemas.microsoft.com/office/powerpoint/2010/main" val="3098635015"/>
+        <p14:creationId xmlns:p14="http://schemas.microsoft.com/office/powerpoint/2010/main" val="4197903899"/>
       </p:ext>
     </p:extLst>
   </p:cSld>
@@ -3204,15 +3204,15 @@
         </p:nvSpPr>
         <p:spPr>
           <a:xfrm>
-            <a:off x="913736" y="2299441"/>
-            <a:ext cx="11550729" cy="3836667"/>
+            <a:off x="925975" y="2351288"/>
+            <a:ext cx="11705452" cy="3923174"/>
           </a:xfrm>
         </p:spPr>
         <p:txBody>
           <a:bodyPr anchor="b"/>
           <a:lstStyle>
             <a:lvl1pPr>
-              <a:defRPr sz="8069"/>
+              <a:defRPr sz="8251"/>
             </a:lvl1pPr>
           </a:lstStyle>
           <a:p>
@@ -3236,8 +3236,8 @@
         </p:nvSpPr>
         <p:spPr>
           <a:xfrm>
-            <a:off x="913736" y="6172405"/>
-            <a:ext cx="11550729" cy="2017613"/>
+            <a:off x="925975" y="6311577"/>
+            <a:ext cx="11705452" cy="2063104"/>
           </a:xfrm>
         </p:spPr>
         <p:txBody>
@@ -3245,15 +3245,15 @@
           <a:lstStyle>
             <a:lvl1pPr marL="0" indent="0">
               <a:buNone/>
-              <a:defRPr sz="3228">
+              <a:defRPr sz="3300">
                 <a:solidFill>
                   <a:schemeClr val="tx1"/>
                 </a:solidFill>
               </a:defRPr>
             </a:lvl1pPr>
-            <a:lvl2pPr marL="614888" indent="0">
+            <a:lvl2pPr marL="628741" indent="0">
               <a:buNone/>
-              <a:defRPr sz="2690">
+              <a:defRPr sz="2750">
                 <a:solidFill>
                   <a:schemeClr val="tx1">
                     <a:tint val="75000"/>
@@ -3261,9 +3261,9 @@
                 </a:solidFill>
               </a:defRPr>
             </a:lvl2pPr>
-            <a:lvl3pPr marL="1229777" indent="0">
+            <a:lvl3pPr marL="1257483" indent="0">
               <a:buNone/>
-              <a:defRPr sz="2421">
+              <a:defRPr sz="2475">
                 <a:solidFill>
                   <a:schemeClr val="tx1">
                     <a:tint val="75000"/>
@@ -3271,9 +3271,9 @@
                 </a:solidFill>
               </a:defRPr>
             </a:lvl3pPr>
-            <a:lvl4pPr marL="1844665" indent="0">
+            <a:lvl4pPr marL="1886224" indent="0">
               <a:buNone/>
-              <a:defRPr sz="2152">
+              <a:defRPr sz="2200">
                 <a:solidFill>
                   <a:schemeClr val="tx1">
                     <a:tint val="75000"/>
@@ -3281,9 +3281,9 @@
                 </a:solidFill>
               </a:defRPr>
             </a:lvl4pPr>
-            <a:lvl5pPr marL="2459553" indent="0">
+            <a:lvl5pPr marL="2514966" indent="0">
               <a:buNone/>
-              <a:defRPr sz="2152">
+              <a:defRPr sz="2200">
                 <a:solidFill>
                   <a:schemeClr val="tx1">
                     <a:tint val="75000"/>
@@ -3291,9 +3291,9 @@
                 </a:solidFill>
               </a:defRPr>
             </a:lvl5pPr>
-            <a:lvl6pPr marL="3074441" indent="0">
+            <a:lvl6pPr marL="3143707" indent="0">
               <a:buNone/>
-              <a:defRPr sz="2152">
+              <a:defRPr sz="2200">
                 <a:solidFill>
                   <a:schemeClr val="tx1">
                     <a:tint val="75000"/>
@@ -3301,9 +3301,9 @@
                 </a:solidFill>
               </a:defRPr>
             </a:lvl6pPr>
-            <a:lvl7pPr marL="3689330" indent="0">
+            <a:lvl7pPr marL="3772449" indent="0">
               <a:buNone/>
-              <a:defRPr sz="2152">
+              <a:defRPr sz="2200">
                 <a:solidFill>
                   <a:schemeClr val="tx1">
                     <a:tint val="75000"/>
@@ -3311,9 +3311,9 @@
                 </a:solidFill>
               </a:defRPr>
             </a:lvl7pPr>
-            <a:lvl8pPr marL="4304218" indent="0">
+            <a:lvl8pPr marL="4401190" indent="0">
               <a:buNone/>
-              <a:defRPr sz="2152">
+              <a:defRPr sz="2200">
                 <a:solidFill>
                   <a:schemeClr val="tx1">
                     <a:tint val="75000"/>
@@ -3321,9 +3321,9 @@
                 </a:solidFill>
               </a:defRPr>
             </a:lvl8pPr>
-            <a:lvl9pPr marL="4919106" indent="0">
+            <a:lvl9pPr marL="5029932" indent="0">
               <a:buNone/>
-              <a:defRPr sz="2152">
+              <a:defRPr sz="2200">
                 <a:solidFill>
                   <a:schemeClr val="tx1">
                     <a:tint val="75000"/>
@@ -3409,7 +3409,7 @@
     </p:spTree>
     <p:extLst>
       <p:ext uri="{BB962C8B-B14F-4D97-AF65-F5344CB8AC3E}">
-        <p14:creationId xmlns:p14="http://schemas.microsoft.com/office/powerpoint/2010/main" val="88225397"/>
+        <p14:creationId xmlns:p14="http://schemas.microsoft.com/office/powerpoint/2010/main" val="4101057838"/>
       </p:ext>
     </p:extLst>
   </p:cSld>
@@ -3471,8 +3471,8 @@
         </p:nvSpPr>
         <p:spPr>
           <a:xfrm>
-            <a:off x="920710" y="2455296"/>
-            <a:ext cx="5691664" cy="5852147"/>
+            <a:off x="933043" y="2510657"/>
+            <a:ext cx="5767904" cy="5984097"/>
           </a:xfrm>
         </p:spPr>
         <p:txBody>
@@ -3528,8 +3528,8 @@
         </p:nvSpPr>
         <p:spPr>
           <a:xfrm>
-            <a:off x="6779776" y="2455296"/>
-            <a:ext cx="5691664" cy="5852147"/>
+            <a:off x="6870591" y="2510657"/>
+            <a:ext cx="5767904" cy="5984097"/>
           </a:xfrm>
         </p:spPr>
         <p:txBody>
@@ -3641,7 +3641,7 @@
     </p:spTree>
     <p:extLst>
       <p:ext uri="{BB962C8B-B14F-4D97-AF65-F5344CB8AC3E}">
-        <p14:creationId xmlns:p14="http://schemas.microsoft.com/office/powerpoint/2010/main" val="2754988241"/>
+        <p14:creationId xmlns:p14="http://schemas.microsoft.com/office/powerpoint/2010/main" val="265697556"/>
       </p:ext>
     </p:extLst>
   </p:cSld>
@@ -3680,8 +3680,8 @@
         </p:nvSpPr>
         <p:spPr>
           <a:xfrm>
-            <a:off x="922455" y="491062"/>
-            <a:ext cx="11550729" cy="1782759"/>
+            <a:off x="934811" y="502134"/>
+            <a:ext cx="11705452" cy="1822956"/>
           </a:xfrm>
         </p:spPr>
         <p:txBody>
@@ -3708,8 +3708,8 @@
         </p:nvSpPr>
         <p:spPr>
           <a:xfrm>
-            <a:off x="922456" y="2261009"/>
-            <a:ext cx="5665506" cy="1108085"/>
+            <a:off x="934812" y="2311988"/>
+            <a:ext cx="5741396" cy="1133070"/>
           </a:xfrm>
         </p:spPr>
         <p:txBody>
@@ -3717,39 +3717,39 @@
           <a:lstStyle>
             <a:lvl1pPr marL="0" indent="0">
               <a:buNone/>
-              <a:defRPr sz="3228" b="1"/>
+              <a:defRPr sz="3300" b="1"/>
             </a:lvl1pPr>
-            <a:lvl2pPr marL="614888" indent="0">
+            <a:lvl2pPr marL="628741" indent="0">
               <a:buNone/>
-              <a:defRPr sz="2690" b="1"/>
+              <a:defRPr sz="2750" b="1"/>
             </a:lvl2pPr>
-            <a:lvl3pPr marL="1229777" indent="0">
+            <a:lvl3pPr marL="1257483" indent="0">
               <a:buNone/>
-              <a:defRPr sz="2421" b="1"/>
+              <a:defRPr sz="2475" b="1"/>
             </a:lvl3pPr>
-            <a:lvl4pPr marL="1844665" indent="0">
+            <a:lvl4pPr marL="1886224" indent="0">
               <a:buNone/>
-              <a:defRPr sz="2152" b="1"/>
+              <a:defRPr sz="2200" b="1"/>
             </a:lvl4pPr>
-            <a:lvl5pPr marL="2459553" indent="0">
+            <a:lvl5pPr marL="2514966" indent="0">
               <a:buNone/>
-              <a:defRPr sz="2152" b="1"/>
+              <a:defRPr sz="2200" b="1"/>
             </a:lvl5pPr>
-            <a:lvl6pPr marL="3074441" indent="0">
+            <a:lvl6pPr marL="3143707" indent="0">
               <a:buNone/>
-              <a:defRPr sz="2152" b="1"/>
+              <a:defRPr sz="2200" b="1"/>
             </a:lvl6pPr>
-            <a:lvl7pPr marL="3689330" indent="0">
+            <a:lvl7pPr marL="3772449" indent="0">
               <a:buNone/>
-              <a:defRPr sz="2152" b="1"/>
+              <a:defRPr sz="2200" b="1"/>
             </a:lvl7pPr>
-            <a:lvl8pPr marL="4304218" indent="0">
+            <a:lvl8pPr marL="4401190" indent="0">
               <a:buNone/>
-              <a:defRPr sz="2152" b="1"/>
+              <a:defRPr sz="2200" b="1"/>
             </a:lvl8pPr>
-            <a:lvl9pPr marL="4919106" indent="0">
+            <a:lvl9pPr marL="5029932" indent="0">
               <a:buNone/>
-              <a:defRPr sz="2152" b="1"/>
+              <a:defRPr sz="2200" b="1"/>
             </a:lvl9pPr>
           </a:lstStyle>
           <a:p>
@@ -3773,8 +3773,8 @@
         </p:nvSpPr>
         <p:spPr>
           <a:xfrm>
-            <a:off x="922456" y="3369094"/>
-            <a:ext cx="5665506" cy="4955430"/>
+            <a:off x="934812" y="3445058"/>
+            <a:ext cx="5741396" cy="5067162"/>
           </a:xfrm>
         </p:spPr>
         <p:txBody>
@@ -3830,8 +3830,8 @@
         </p:nvSpPr>
         <p:spPr>
           <a:xfrm>
-            <a:off x="6779777" y="2261009"/>
-            <a:ext cx="5693408" cy="1108085"/>
+            <a:off x="6870592" y="2311988"/>
+            <a:ext cx="5769671" cy="1133070"/>
           </a:xfrm>
         </p:spPr>
         <p:txBody>
@@ -3839,39 +3839,39 @@
           <a:lstStyle>
             <a:lvl1pPr marL="0" indent="0">
               <a:buNone/>
-              <a:defRPr sz="3228" b="1"/>
+              <a:defRPr sz="3300" b="1"/>
             </a:lvl1pPr>
-            <a:lvl2pPr marL="614888" indent="0">
+            <a:lvl2pPr marL="628741" indent="0">
               <a:buNone/>
-              <a:defRPr sz="2690" b="1"/>
+              <a:defRPr sz="2750" b="1"/>
             </a:lvl2pPr>
-            <a:lvl3pPr marL="1229777" indent="0">
+            <a:lvl3pPr marL="1257483" indent="0">
               <a:buNone/>
-              <a:defRPr sz="2421" b="1"/>
+              <a:defRPr sz="2475" b="1"/>
             </a:lvl3pPr>
-            <a:lvl4pPr marL="1844665" indent="0">
+            <a:lvl4pPr marL="1886224" indent="0">
               <a:buNone/>
-              <a:defRPr sz="2152" b="1"/>
+              <a:defRPr sz="2200" b="1"/>
             </a:lvl4pPr>
-            <a:lvl5pPr marL="2459553" indent="0">
+            <a:lvl5pPr marL="2514966" indent="0">
               <a:buNone/>
-              <a:defRPr sz="2152" b="1"/>
+              <a:defRPr sz="2200" b="1"/>
             </a:lvl5pPr>
-            <a:lvl6pPr marL="3074441" indent="0">
+            <a:lvl6pPr marL="3143707" indent="0">
               <a:buNone/>
-              <a:defRPr sz="2152" b="1"/>
+              <a:defRPr sz="2200" b="1"/>
             </a:lvl6pPr>
-            <a:lvl7pPr marL="3689330" indent="0">
+            <a:lvl7pPr marL="3772449" indent="0">
               <a:buNone/>
-              <a:defRPr sz="2152" b="1"/>
+              <a:defRPr sz="2200" b="1"/>
             </a:lvl7pPr>
-            <a:lvl8pPr marL="4304218" indent="0">
+            <a:lvl8pPr marL="4401190" indent="0">
               <a:buNone/>
-              <a:defRPr sz="2152" b="1"/>
+              <a:defRPr sz="2200" b="1"/>
             </a:lvl8pPr>
-            <a:lvl9pPr marL="4919106" indent="0">
+            <a:lvl9pPr marL="5029932" indent="0">
               <a:buNone/>
-              <a:defRPr sz="2152" b="1"/>
+              <a:defRPr sz="2200" b="1"/>
             </a:lvl9pPr>
           </a:lstStyle>
           <a:p>
@@ -3895,8 +3895,8 @@
         </p:nvSpPr>
         <p:spPr>
           <a:xfrm>
-            <a:off x="6779777" y="3369094"/>
-            <a:ext cx="5693408" cy="4955430"/>
+            <a:off x="6870592" y="3445058"/>
+            <a:ext cx="5769671" cy="5067162"/>
           </a:xfrm>
         </p:spPr>
         <p:txBody>
@@ -4008,7 +4008,7 @@
     </p:spTree>
     <p:extLst>
       <p:ext uri="{BB962C8B-B14F-4D97-AF65-F5344CB8AC3E}">
-        <p14:creationId xmlns:p14="http://schemas.microsoft.com/office/powerpoint/2010/main" val="2000531556"/>
+        <p14:creationId xmlns:p14="http://schemas.microsoft.com/office/powerpoint/2010/main" val="3257659836"/>
       </p:ext>
     </p:extLst>
   </p:cSld>
@@ -4126,7 +4126,7 @@
     </p:spTree>
     <p:extLst>
       <p:ext uri="{BB962C8B-B14F-4D97-AF65-F5344CB8AC3E}">
-        <p14:creationId xmlns:p14="http://schemas.microsoft.com/office/powerpoint/2010/main" val="3405158087"/>
+        <p14:creationId xmlns:p14="http://schemas.microsoft.com/office/powerpoint/2010/main" val="2780366770"/>
       </p:ext>
     </p:extLst>
   </p:cSld>
@@ -4221,7 +4221,7 @@
     </p:spTree>
     <p:extLst>
       <p:ext uri="{BB962C8B-B14F-4D97-AF65-F5344CB8AC3E}">
-        <p14:creationId xmlns:p14="http://schemas.microsoft.com/office/powerpoint/2010/main" val="2733276621"/>
+        <p14:creationId xmlns:p14="http://schemas.microsoft.com/office/powerpoint/2010/main" val="3960370079"/>
       </p:ext>
     </p:extLst>
   </p:cSld>
@@ -4260,15 +4260,15 @@
         </p:nvSpPr>
         <p:spPr>
           <a:xfrm>
-            <a:off x="922455" y="614892"/>
-            <a:ext cx="4319317" cy="2152121"/>
+            <a:off x="934811" y="628756"/>
+            <a:ext cx="4377174" cy="2200646"/>
           </a:xfrm>
         </p:spPr>
         <p:txBody>
           <a:bodyPr anchor="b"/>
           <a:lstStyle>
             <a:lvl1pPr>
-              <a:defRPr sz="4304"/>
+              <a:defRPr sz="4401"/>
             </a:lvl1pPr>
           </a:lstStyle>
           <a:p>
@@ -4292,39 +4292,39 @@
         </p:nvSpPr>
         <p:spPr>
           <a:xfrm>
-            <a:off x="5693408" y="1327997"/>
-            <a:ext cx="6779776" cy="6554574"/>
+            <a:off x="5769671" y="1357940"/>
+            <a:ext cx="6870591" cy="6702363"/>
           </a:xfrm>
         </p:spPr>
         <p:txBody>
           <a:bodyPr/>
           <a:lstStyle>
             <a:lvl1pPr>
-              <a:defRPr sz="4304"/>
+              <a:defRPr sz="4401"/>
             </a:lvl1pPr>
             <a:lvl2pPr>
-              <a:defRPr sz="3766"/>
+              <a:defRPr sz="3851"/>
             </a:lvl2pPr>
             <a:lvl3pPr>
-              <a:defRPr sz="3228"/>
+              <a:defRPr sz="3300"/>
             </a:lvl3pPr>
             <a:lvl4pPr>
-              <a:defRPr sz="2690"/>
+              <a:defRPr sz="2750"/>
             </a:lvl4pPr>
             <a:lvl5pPr>
-              <a:defRPr sz="2690"/>
+              <a:defRPr sz="2750"/>
             </a:lvl5pPr>
             <a:lvl6pPr>
-              <a:defRPr sz="2690"/>
+              <a:defRPr sz="2750"/>
             </a:lvl6pPr>
             <a:lvl7pPr>
-              <a:defRPr sz="2690"/>
+              <a:defRPr sz="2750"/>
             </a:lvl7pPr>
             <a:lvl8pPr>
-              <a:defRPr sz="2690"/>
+              <a:defRPr sz="2750"/>
             </a:lvl8pPr>
             <a:lvl9pPr>
-              <a:defRPr sz="2690"/>
+              <a:defRPr sz="2750"/>
             </a:lvl9pPr>
           </a:lstStyle>
           <a:p>
@@ -4377,8 +4377,8 @@
         </p:nvSpPr>
         <p:spPr>
           <a:xfrm>
-            <a:off x="922455" y="2767012"/>
-            <a:ext cx="4319317" cy="5126233"/>
+            <a:off x="934811" y="2829401"/>
+            <a:ext cx="4377174" cy="5241816"/>
           </a:xfrm>
         </p:spPr>
         <p:txBody>
@@ -4386,39 +4386,39 @@
           <a:lstStyle>
             <a:lvl1pPr marL="0" indent="0">
               <a:buNone/>
-              <a:defRPr sz="2152"/>
+              <a:defRPr sz="2200"/>
             </a:lvl1pPr>
-            <a:lvl2pPr marL="614888" indent="0">
+            <a:lvl2pPr marL="628741" indent="0">
               <a:buNone/>
-              <a:defRPr sz="1883"/>
+              <a:defRPr sz="1925"/>
             </a:lvl2pPr>
-            <a:lvl3pPr marL="1229777" indent="0">
+            <a:lvl3pPr marL="1257483" indent="0">
               <a:buNone/>
-              <a:defRPr sz="1614"/>
+              <a:defRPr sz="1650"/>
             </a:lvl3pPr>
-            <a:lvl4pPr marL="1844665" indent="0">
+            <a:lvl4pPr marL="1886224" indent="0">
               <a:buNone/>
-              <a:defRPr sz="1345"/>
+              <a:defRPr sz="1375"/>
             </a:lvl4pPr>
-            <a:lvl5pPr marL="2459553" indent="0">
+            <a:lvl5pPr marL="2514966" indent="0">
               <a:buNone/>
-              <a:defRPr sz="1345"/>
+              <a:defRPr sz="1375"/>
             </a:lvl5pPr>
-            <a:lvl6pPr marL="3074441" indent="0">
+            <a:lvl6pPr marL="3143707" indent="0">
               <a:buNone/>
-              <a:defRPr sz="1345"/>
+              <a:defRPr sz="1375"/>
             </a:lvl6pPr>
-            <a:lvl7pPr marL="3689330" indent="0">
+            <a:lvl7pPr marL="3772449" indent="0">
               <a:buNone/>
-              <a:defRPr sz="1345"/>
+              <a:defRPr sz="1375"/>
             </a:lvl7pPr>
-            <a:lvl8pPr marL="4304218" indent="0">
+            <a:lvl8pPr marL="4401190" indent="0">
               <a:buNone/>
-              <a:defRPr sz="1345"/>
+              <a:defRPr sz="1375"/>
             </a:lvl8pPr>
-            <a:lvl9pPr marL="4919106" indent="0">
+            <a:lvl9pPr marL="5029932" indent="0">
               <a:buNone/>
-              <a:defRPr sz="1345"/>
+              <a:defRPr sz="1375"/>
             </a:lvl9pPr>
           </a:lstStyle>
           <a:p>
@@ -4498,7 +4498,7 @@
     </p:spTree>
     <p:extLst>
       <p:ext uri="{BB962C8B-B14F-4D97-AF65-F5344CB8AC3E}">
-        <p14:creationId xmlns:p14="http://schemas.microsoft.com/office/powerpoint/2010/main" val="3780894912"/>
+        <p14:creationId xmlns:p14="http://schemas.microsoft.com/office/powerpoint/2010/main" val="1306519405"/>
       </p:ext>
     </p:extLst>
   </p:cSld>
@@ -4537,15 +4537,15 @@
         </p:nvSpPr>
         <p:spPr>
           <a:xfrm>
-            <a:off x="922455" y="614892"/>
-            <a:ext cx="4319317" cy="2152121"/>
+            <a:off x="934811" y="628756"/>
+            <a:ext cx="4377174" cy="2200646"/>
           </a:xfrm>
         </p:spPr>
         <p:txBody>
           <a:bodyPr anchor="b"/>
           <a:lstStyle>
             <a:lvl1pPr>
-              <a:defRPr sz="4304"/>
+              <a:defRPr sz="4401"/>
             </a:lvl1pPr>
           </a:lstStyle>
           <a:p>
@@ -4569,8 +4569,8 @@
         </p:nvSpPr>
         <p:spPr>
           <a:xfrm>
-            <a:off x="5693408" y="1327997"/>
-            <a:ext cx="6779776" cy="6554574"/>
+            <a:off x="5769671" y="1357940"/>
+            <a:ext cx="6870591" cy="6702363"/>
           </a:xfrm>
         </p:spPr>
         <p:txBody>
@@ -4578,39 +4578,39 @@
           <a:lstStyle>
             <a:lvl1pPr marL="0" indent="0">
               <a:buNone/>
-              <a:defRPr sz="4304"/>
+              <a:defRPr sz="4401"/>
             </a:lvl1pPr>
-            <a:lvl2pPr marL="614888" indent="0">
+            <a:lvl2pPr marL="628741" indent="0">
               <a:buNone/>
-              <a:defRPr sz="3766"/>
+              <a:defRPr sz="3851"/>
             </a:lvl2pPr>
-            <a:lvl3pPr marL="1229777" indent="0">
+            <a:lvl3pPr marL="1257483" indent="0">
               <a:buNone/>
-              <a:defRPr sz="3228"/>
+              <a:defRPr sz="3300"/>
             </a:lvl3pPr>
-            <a:lvl4pPr marL="1844665" indent="0">
+            <a:lvl4pPr marL="1886224" indent="0">
               <a:buNone/>
-              <a:defRPr sz="2690"/>
+              <a:defRPr sz="2750"/>
             </a:lvl4pPr>
-            <a:lvl5pPr marL="2459553" indent="0">
+            <a:lvl5pPr marL="2514966" indent="0">
               <a:buNone/>
-              <a:defRPr sz="2690"/>
+              <a:defRPr sz="2750"/>
             </a:lvl5pPr>
-            <a:lvl6pPr marL="3074441" indent="0">
+            <a:lvl6pPr marL="3143707" indent="0">
               <a:buNone/>
-              <a:defRPr sz="2690"/>
+              <a:defRPr sz="2750"/>
             </a:lvl6pPr>
-            <a:lvl7pPr marL="3689330" indent="0">
+            <a:lvl7pPr marL="3772449" indent="0">
               <a:buNone/>
-              <a:defRPr sz="2690"/>
+              <a:defRPr sz="2750"/>
             </a:lvl7pPr>
-            <a:lvl8pPr marL="4304218" indent="0">
+            <a:lvl8pPr marL="4401190" indent="0">
               <a:buNone/>
-              <a:defRPr sz="2690"/>
+              <a:defRPr sz="2750"/>
             </a:lvl8pPr>
-            <a:lvl9pPr marL="4919106" indent="0">
+            <a:lvl9pPr marL="5029932" indent="0">
               <a:buNone/>
-              <a:defRPr sz="2690"/>
+              <a:defRPr sz="2750"/>
             </a:lvl9pPr>
           </a:lstStyle>
           <a:p>
@@ -4634,8 +4634,8 @@
         </p:nvSpPr>
         <p:spPr>
           <a:xfrm>
-            <a:off x="922455" y="2767012"/>
-            <a:ext cx="4319317" cy="5126233"/>
+            <a:off x="934811" y="2829401"/>
+            <a:ext cx="4377174" cy="5241816"/>
           </a:xfrm>
         </p:spPr>
         <p:txBody>
@@ -4643,39 +4643,39 @@
           <a:lstStyle>
             <a:lvl1pPr marL="0" indent="0">
               <a:buNone/>
-              <a:defRPr sz="2152"/>
+              <a:defRPr sz="2200"/>
             </a:lvl1pPr>
-            <a:lvl2pPr marL="614888" indent="0">
+            <a:lvl2pPr marL="628741" indent="0">
               <a:buNone/>
-              <a:defRPr sz="1883"/>
+              <a:defRPr sz="1925"/>
             </a:lvl2pPr>
-            <a:lvl3pPr marL="1229777" indent="0">
+            <a:lvl3pPr marL="1257483" indent="0">
               <a:buNone/>
-              <a:defRPr sz="1614"/>
+              <a:defRPr sz="1650"/>
             </a:lvl3pPr>
-            <a:lvl4pPr marL="1844665" indent="0">
+            <a:lvl4pPr marL="1886224" indent="0">
               <a:buNone/>
-              <a:defRPr sz="1345"/>
+              <a:defRPr sz="1375"/>
             </a:lvl4pPr>
-            <a:lvl5pPr marL="2459553" indent="0">
+            <a:lvl5pPr marL="2514966" indent="0">
               <a:buNone/>
-              <a:defRPr sz="1345"/>
+              <a:defRPr sz="1375"/>
             </a:lvl5pPr>
-            <a:lvl6pPr marL="3074441" indent="0">
+            <a:lvl6pPr marL="3143707" indent="0">
               <a:buNone/>
-              <a:defRPr sz="1345"/>
+              <a:defRPr sz="1375"/>
             </a:lvl6pPr>
-            <a:lvl7pPr marL="3689330" indent="0">
+            <a:lvl7pPr marL="3772449" indent="0">
               <a:buNone/>
-              <a:defRPr sz="1345"/>
+              <a:defRPr sz="1375"/>
             </a:lvl7pPr>
-            <a:lvl8pPr marL="4304218" indent="0">
+            <a:lvl8pPr marL="4401190" indent="0">
               <a:buNone/>
-              <a:defRPr sz="1345"/>
+              <a:defRPr sz="1375"/>
             </a:lvl8pPr>
-            <a:lvl9pPr marL="4919106" indent="0">
+            <a:lvl9pPr marL="5029932" indent="0">
               <a:buNone/>
-              <a:defRPr sz="1345"/>
+              <a:defRPr sz="1375"/>
             </a:lvl9pPr>
           </a:lstStyle>
           <a:p>
@@ -4755,7 +4755,7 @@
     </p:spTree>
     <p:extLst>
       <p:ext uri="{BB962C8B-B14F-4D97-AF65-F5344CB8AC3E}">
-        <p14:creationId xmlns:p14="http://schemas.microsoft.com/office/powerpoint/2010/main" val="2448932207"/>
+        <p14:creationId xmlns:p14="http://schemas.microsoft.com/office/powerpoint/2010/main" val="360537940"/>
       </p:ext>
     </p:extLst>
   </p:cSld>
@@ -4799,8 +4799,8 @@
         </p:nvSpPr>
         <p:spPr>
           <a:xfrm>
-            <a:off x="920711" y="491062"/>
-            <a:ext cx="11550729" cy="1782759"/>
+            <a:off x="933043" y="502134"/>
+            <a:ext cx="11705452" cy="1822956"/>
           </a:xfrm>
           <a:prstGeom prst="rect">
             <a:avLst/>
@@ -4832,8 +4832,8 @@
         </p:nvSpPr>
         <p:spPr>
           <a:xfrm>
-            <a:off x="920711" y="2455296"/>
-            <a:ext cx="11550729" cy="5852147"/>
+            <a:off x="933043" y="2510657"/>
+            <a:ext cx="11705452" cy="5984097"/>
           </a:xfrm>
           <a:prstGeom prst="rect">
             <a:avLst/>
@@ -4894,8 +4894,8 @@
         </p:nvSpPr>
         <p:spPr>
           <a:xfrm>
-            <a:off x="920710" y="8548704"/>
-            <a:ext cx="3013234" cy="491059"/>
+            <a:off x="933043" y="8741455"/>
+            <a:ext cx="3053596" cy="502131"/>
           </a:xfrm>
           <a:prstGeom prst="rect">
             <a:avLst/>
@@ -4905,7 +4905,7 @@
           <a:bodyPr vert="horz" lIns="91440" tIns="45720" rIns="91440" bIns="45720" rtlCol="0" anchor="ctr"/>
           <a:lstStyle>
             <a:lvl1pPr algn="l">
-              <a:defRPr sz="1614">
+              <a:defRPr sz="1650">
                 <a:solidFill>
                   <a:schemeClr val="tx1">
                     <a:tint val="75000"/>
@@ -4935,8 +4935,8 @@
         </p:nvSpPr>
         <p:spPr>
           <a:xfrm>
-            <a:off x="4436150" y="8548704"/>
-            <a:ext cx="4519851" cy="491059"/>
+            <a:off x="4495572" y="8741455"/>
+            <a:ext cx="4580394" cy="502131"/>
           </a:xfrm>
           <a:prstGeom prst="rect">
             <a:avLst/>
@@ -4946,7 +4946,7 @@
           <a:bodyPr vert="horz" lIns="91440" tIns="45720" rIns="91440" bIns="45720" rtlCol="0" anchor="ctr"/>
           <a:lstStyle>
             <a:lvl1pPr algn="ctr">
-              <a:defRPr sz="1614">
+              <a:defRPr sz="1650">
                 <a:solidFill>
                   <a:schemeClr val="tx1">
                     <a:tint val="75000"/>
@@ -4972,8 +4972,8 @@
         </p:nvSpPr>
         <p:spPr>
           <a:xfrm>
-            <a:off x="9458206" y="8548704"/>
-            <a:ext cx="3013234" cy="491059"/>
+            <a:off x="9584899" y="8741455"/>
+            <a:ext cx="3053596" cy="502131"/>
           </a:xfrm>
           <a:prstGeom prst="rect">
             <a:avLst/>
@@ -4983,7 +4983,7 @@
           <a:bodyPr vert="horz" lIns="91440" tIns="45720" rIns="91440" bIns="45720" rtlCol="0" anchor="ctr"/>
           <a:lstStyle>
             <a:lvl1pPr algn="r">
-              <a:defRPr sz="1614">
+              <a:defRPr sz="1650">
                 <a:solidFill>
                   <a:schemeClr val="tx1">
                     <a:tint val="75000"/>
@@ -5004,27 +5004,27 @@
     </p:spTree>
     <p:extLst>
       <p:ext uri="{BB962C8B-B14F-4D97-AF65-F5344CB8AC3E}">
-        <p14:creationId xmlns:p14="http://schemas.microsoft.com/office/powerpoint/2010/main" val="3118878246"/>
+        <p14:creationId xmlns:p14="http://schemas.microsoft.com/office/powerpoint/2010/main" val="2947987561"/>
       </p:ext>
     </p:extLst>
   </p:cSld>
   <p:clrMap bg1="lt1" tx1="dk1" bg2="lt2" tx2="dk2" accent1="accent1" accent2="accent2" accent3="accent3" accent4="accent4" accent5="accent5" accent6="accent6" hlink="hlink" folHlink="folHlink"/>
   <p:sldLayoutIdLst>
-    <p:sldLayoutId id="2147483697" r:id="rId1"/>
-    <p:sldLayoutId id="2147483698" r:id="rId2"/>
-    <p:sldLayoutId id="2147483699" r:id="rId3"/>
-    <p:sldLayoutId id="2147483700" r:id="rId4"/>
-    <p:sldLayoutId id="2147483701" r:id="rId5"/>
-    <p:sldLayoutId id="2147483702" r:id="rId6"/>
-    <p:sldLayoutId id="2147483703" r:id="rId7"/>
-    <p:sldLayoutId id="2147483704" r:id="rId8"/>
-    <p:sldLayoutId id="2147483705" r:id="rId9"/>
-    <p:sldLayoutId id="2147483706" r:id="rId10"/>
-    <p:sldLayoutId id="2147483707" r:id="rId11"/>
+    <p:sldLayoutId id="2147483709" r:id="rId1"/>
+    <p:sldLayoutId id="2147483710" r:id="rId2"/>
+    <p:sldLayoutId id="2147483711" r:id="rId3"/>
+    <p:sldLayoutId id="2147483712" r:id="rId4"/>
+    <p:sldLayoutId id="2147483713" r:id="rId5"/>
+    <p:sldLayoutId id="2147483714" r:id="rId6"/>
+    <p:sldLayoutId id="2147483715" r:id="rId7"/>
+    <p:sldLayoutId id="2147483716" r:id="rId8"/>
+    <p:sldLayoutId id="2147483717" r:id="rId9"/>
+    <p:sldLayoutId id="2147483718" r:id="rId10"/>
+    <p:sldLayoutId id="2147483719" r:id="rId11"/>
   </p:sldLayoutIdLst>
   <p:txStyles>
     <p:titleStyle>
-      <a:lvl1pPr algn="l" defTabSz="1229777" rtl="0" eaLnBrk="1" latinLnBrk="1" hangingPunct="1">
+      <a:lvl1pPr algn="l" defTabSz="1257483" rtl="0" eaLnBrk="1" latinLnBrk="1" hangingPunct="1">
         <a:lnSpc>
           <a:spcPct val="90000"/>
         </a:lnSpc>
@@ -5032,7 +5032,7 @@
           <a:spcPct val="0"/>
         </a:spcBef>
         <a:buNone/>
-        <a:defRPr sz="5918" kern="1200">
+        <a:defRPr sz="6051" kern="1200">
           <a:solidFill>
             <a:schemeClr val="tx1"/>
           </a:solidFill>
@@ -5043,16 +5043,16 @@
       </a:lvl1pPr>
     </p:titleStyle>
     <p:bodyStyle>
-      <a:lvl1pPr marL="307444" indent="-307444" algn="l" defTabSz="1229777" rtl="0" eaLnBrk="1" latinLnBrk="1" hangingPunct="1">
+      <a:lvl1pPr marL="314371" indent="-314371" algn="l" defTabSz="1257483" rtl="0" eaLnBrk="1" latinLnBrk="1" hangingPunct="1">
         <a:lnSpc>
           <a:spcPct val="90000"/>
         </a:lnSpc>
         <a:spcBef>
-          <a:spcPts val="1345"/>
+          <a:spcPts val="1375"/>
         </a:spcBef>
         <a:buFont typeface="Arial" panose="020B0604020202020204" pitchFamily="34" charset="0"/>
         <a:buChar char="•"/>
-        <a:defRPr sz="3766" kern="1200">
+        <a:defRPr sz="3851" kern="1200">
           <a:solidFill>
             <a:schemeClr val="tx1"/>
           </a:solidFill>
@@ -5061,16 +5061,16 @@
           <a:cs typeface="+mn-cs"/>
         </a:defRPr>
       </a:lvl1pPr>
-      <a:lvl2pPr marL="922332" indent="-307444" algn="l" defTabSz="1229777" rtl="0" eaLnBrk="1" latinLnBrk="1" hangingPunct="1">
+      <a:lvl2pPr marL="943112" indent="-314371" algn="l" defTabSz="1257483" rtl="0" eaLnBrk="1" latinLnBrk="1" hangingPunct="1">
         <a:lnSpc>
           <a:spcPct val="90000"/>
         </a:lnSpc>
         <a:spcBef>
-          <a:spcPts val="672"/>
+          <a:spcPts val="688"/>
         </a:spcBef>
         <a:buFont typeface="Arial" panose="020B0604020202020204" pitchFamily="34" charset="0"/>
         <a:buChar char="•"/>
-        <a:defRPr sz="3228" kern="1200">
+        <a:defRPr sz="3300" kern="1200">
           <a:solidFill>
             <a:schemeClr val="tx1"/>
           </a:solidFill>
@@ -5079,16 +5079,16 @@
           <a:cs typeface="+mn-cs"/>
         </a:defRPr>
       </a:lvl2pPr>
-      <a:lvl3pPr marL="1537221" indent="-307444" algn="l" defTabSz="1229777" rtl="0" eaLnBrk="1" latinLnBrk="1" hangingPunct="1">
+      <a:lvl3pPr marL="1571854" indent="-314371" algn="l" defTabSz="1257483" rtl="0" eaLnBrk="1" latinLnBrk="1" hangingPunct="1">
         <a:lnSpc>
           <a:spcPct val="90000"/>
         </a:lnSpc>
         <a:spcBef>
-          <a:spcPts val="672"/>
+          <a:spcPts val="688"/>
         </a:spcBef>
         <a:buFont typeface="Arial" panose="020B0604020202020204" pitchFamily="34" charset="0"/>
         <a:buChar char="•"/>
-        <a:defRPr sz="2690" kern="1200">
+        <a:defRPr sz="2750" kern="1200">
           <a:solidFill>
             <a:schemeClr val="tx1"/>
           </a:solidFill>
@@ -5097,16 +5097,16 @@
           <a:cs typeface="+mn-cs"/>
         </a:defRPr>
       </a:lvl3pPr>
-      <a:lvl4pPr marL="2152109" indent="-307444" algn="l" defTabSz="1229777" rtl="0" eaLnBrk="1" latinLnBrk="1" hangingPunct="1">
+      <a:lvl4pPr marL="2200595" indent="-314371" algn="l" defTabSz="1257483" rtl="0" eaLnBrk="1" latinLnBrk="1" hangingPunct="1">
         <a:lnSpc>
           <a:spcPct val="90000"/>
         </a:lnSpc>
         <a:spcBef>
-          <a:spcPts val="672"/>
+          <a:spcPts val="688"/>
         </a:spcBef>
         <a:buFont typeface="Arial" panose="020B0604020202020204" pitchFamily="34" charset="0"/>
         <a:buChar char="•"/>
-        <a:defRPr sz="2421" kern="1200">
+        <a:defRPr sz="2475" kern="1200">
           <a:solidFill>
             <a:schemeClr val="tx1"/>
           </a:solidFill>
@@ -5115,16 +5115,16 @@
           <a:cs typeface="+mn-cs"/>
         </a:defRPr>
       </a:lvl4pPr>
-      <a:lvl5pPr marL="2766997" indent="-307444" algn="l" defTabSz="1229777" rtl="0" eaLnBrk="1" latinLnBrk="1" hangingPunct="1">
+      <a:lvl5pPr marL="2829336" indent="-314371" algn="l" defTabSz="1257483" rtl="0" eaLnBrk="1" latinLnBrk="1" hangingPunct="1">
         <a:lnSpc>
           <a:spcPct val="90000"/>
         </a:lnSpc>
         <a:spcBef>
-          <a:spcPts val="672"/>
+          <a:spcPts val="688"/>
         </a:spcBef>
         <a:buFont typeface="Arial" panose="020B0604020202020204" pitchFamily="34" charset="0"/>
         <a:buChar char="•"/>
-        <a:defRPr sz="2421" kern="1200">
+        <a:defRPr sz="2475" kern="1200">
           <a:solidFill>
             <a:schemeClr val="tx1"/>
           </a:solidFill>
@@ -5133,16 +5133,16 @@
           <a:cs typeface="+mn-cs"/>
         </a:defRPr>
       </a:lvl5pPr>
-      <a:lvl6pPr marL="3381886" indent="-307444" algn="l" defTabSz="1229777" rtl="0" eaLnBrk="1" latinLnBrk="1" hangingPunct="1">
+      <a:lvl6pPr marL="3458078" indent="-314371" algn="l" defTabSz="1257483" rtl="0" eaLnBrk="1" latinLnBrk="1" hangingPunct="1">
         <a:lnSpc>
           <a:spcPct val="90000"/>
         </a:lnSpc>
         <a:spcBef>
-          <a:spcPts val="672"/>
+          <a:spcPts val="688"/>
         </a:spcBef>
         <a:buFont typeface="Arial" panose="020B0604020202020204" pitchFamily="34" charset="0"/>
         <a:buChar char="•"/>
-        <a:defRPr sz="2421" kern="1200">
+        <a:defRPr sz="2475" kern="1200">
           <a:solidFill>
             <a:schemeClr val="tx1"/>
           </a:solidFill>
@@ -5151,16 +5151,16 @@
           <a:cs typeface="+mn-cs"/>
         </a:defRPr>
       </a:lvl6pPr>
-      <a:lvl7pPr marL="3996774" indent="-307444" algn="l" defTabSz="1229777" rtl="0" eaLnBrk="1" latinLnBrk="1" hangingPunct="1">
+      <a:lvl7pPr marL="4086819" indent="-314371" algn="l" defTabSz="1257483" rtl="0" eaLnBrk="1" latinLnBrk="1" hangingPunct="1">
         <a:lnSpc>
           <a:spcPct val="90000"/>
         </a:lnSpc>
         <a:spcBef>
-          <a:spcPts val="672"/>
+          <a:spcPts val="688"/>
         </a:spcBef>
         <a:buFont typeface="Arial" panose="020B0604020202020204" pitchFamily="34" charset="0"/>
         <a:buChar char="•"/>
-        <a:defRPr sz="2421" kern="1200">
+        <a:defRPr sz="2475" kern="1200">
           <a:solidFill>
             <a:schemeClr val="tx1"/>
           </a:solidFill>
@@ -5169,16 +5169,16 @@
           <a:cs typeface="+mn-cs"/>
         </a:defRPr>
       </a:lvl7pPr>
-      <a:lvl8pPr marL="4611662" indent="-307444" algn="l" defTabSz="1229777" rtl="0" eaLnBrk="1" latinLnBrk="1" hangingPunct="1">
+      <a:lvl8pPr marL="4715561" indent="-314371" algn="l" defTabSz="1257483" rtl="0" eaLnBrk="1" latinLnBrk="1" hangingPunct="1">
         <a:lnSpc>
           <a:spcPct val="90000"/>
         </a:lnSpc>
         <a:spcBef>
-          <a:spcPts val="672"/>
+          <a:spcPts val="688"/>
         </a:spcBef>
         <a:buFont typeface="Arial" panose="020B0604020202020204" pitchFamily="34" charset="0"/>
         <a:buChar char="•"/>
-        <a:defRPr sz="2421" kern="1200">
+        <a:defRPr sz="2475" kern="1200">
           <a:solidFill>
             <a:schemeClr val="tx1"/>
           </a:solidFill>
@@ -5187,16 +5187,16 @@
           <a:cs typeface="+mn-cs"/>
         </a:defRPr>
       </a:lvl8pPr>
-      <a:lvl9pPr marL="5226550" indent="-307444" algn="l" defTabSz="1229777" rtl="0" eaLnBrk="1" latinLnBrk="1" hangingPunct="1">
+      <a:lvl9pPr marL="5344302" indent="-314371" algn="l" defTabSz="1257483" rtl="0" eaLnBrk="1" latinLnBrk="1" hangingPunct="1">
         <a:lnSpc>
           <a:spcPct val="90000"/>
         </a:lnSpc>
         <a:spcBef>
-          <a:spcPts val="672"/>
+          <a:spcPts val="688"/>
         </a:spcBef>
         <a:buFont typeface="Arial" panose="020B0604020202020204" pitchFamily="34" charset="0"/>
         <a:buChar char="•"/>
-        <a:defRPr sz="2421" kern="1200">
+        <a:defRPr sz="2475" kern="1200">
           <a:solidFill>
             <a:schemeClr val="tx1"/>
           </a:solidFill>
@@ -5210,8 +5210,8 @@
       <a:defPPr>
         <a:defRPr lang="en-US"/>
       </a:defPPr>
-      <a:lvl1pPr marL="0" algn="l" defTabSz="1229777" rtl="0" eaLnBrk="1" latinLnBrk="1" hangingPunct="1">
-        <a:defRPr sz="2421" kern="1200">
+      <a:lvl1pPr marL="0" algn="l" defTabSz="1257483" rtl="0" eaLnBrk="1" latinLnBrk="1" hangingPunct="1">
+        <a:defRPr sz="2475" kern="1200">
           <a:solidFill>
             <a:schemeClr val="tx1"/>
           </a:solidFill>
@@ -5220,8 +5220,8 @@
           <a:cs typeface="+mn-cs"/>
         </a:defRPr>
       </a:lvl1pPr>
-      <a:lvl2pPr marL="614888" algn="l" defTabSz="1229777" rtl="0" eaLnBrk="1" latinLnBrk="1" hangingPunct="1">
-        <a:defRPr sz="2421" kern="1200">
+      <a:lvl2pPr marL="628741" algn="l" defTabSz="1257483" rtl="0" eaLnBrk="1" latinLnBrk="1" hangingPunct="1">
+        <a:defRPr sz="2475" kern="1200">
           <a:solidFill>
             <a:schemeClr val="tx1"/>
           </a:solidFill>
@@ -5230,8 +5230,8 @@
           <a:cs typeface="+mn-cs"/>
         </a:defRPr>
       </a:lvl2pPr>
-      <a:lvl3pPr marL="1229777" algn="l" defTabSz="1229777" rtl="0" eaLnBrk="1" latinLnBrk="1" hangingPunct="1">
-        <a:defRPr sz="2421" kern="1200">
+      <a:lvl3pPr marL="1257483" algn="l" defTabSz="1257483" rtl="0" eaLnBrk="1" latinLnBrk="1" hangingPunct="1">
+        <a:defRPr sz="2475" kern="1200">
           <a:solidFill>
             <a:schemeClr val="tx1"/>
           </a:solidFill>
@@ -5240,8 +5240,8 @@
           <a:cs typeface="+mn-cs"/>
         </a:defRPr>
       </a:lvl3pPr>
-      <a:lvl4pPr marL="1844665" algn="l" defTabSz="1229777" rtl="0" eaLnBrk="1" latinLnBrk="1" hangingPunct="1">
-        <a:defRPr sz="2421" kern="1200">
+      <a:lvl4pPr marL="1886224" algn="l" defTabSz="1257483" rtl="0" eaLnBrk="1" latinLnBrk="1" hangingPunct="1">
+        <a:defRPr sz="2475" kern="1200">
           <a:solidFill>
             <a:schemeClr val="tx1"/>
           </a:solidFill>
@@ -5250,8 +5250,8 @@
           <a:cs typeface="+mn-cs"/>
         </a:defRPr>
       </a:lvl4pPr>
-      <a:lvl5pPr marL="2459553" algn="l" defTabSz="1229777" rtl="0" eaLnBrk="1" latinLnBrk="1" hangingPunct="1">
-        <a:defRPr sz="2421" kern="1200">
+      <a:lvl5pPr marL="2514966" algn="l" defTabSz="1257483" rtl="0" eaLnBrk="1" latinLnBrk="1" hangingPunct="1">
+        <a:defRPr sz="2475" kern="1200">
           <a:solidFill>
             <a:schemeClr val="tx1"/>
           </a:solidFill>
@@ -5260,8 +5260,8 @@
           <a:cs typeface="+mn-cs"/>
         </a:defRPr>
       </a:lvl5pPr>
-      <a:lvl6pPr marL="3074441" algn="l" defTabSz="1229777" rtl="0" eaLnBrk="1" latinLnBrk="1" hangingPunct="1">
-        <a:defRPr sz="2421" kern="1200">
+      <a:lvl6pPr marL="3143707" algn="l" defTabSz="1257483" rtl="0" eaLnBrk="1" latinLnBrk="1" hangingPunct="1">
+        <a:defRPr sz="2475" kern="1200">
           <a:solidFill>
             <a:schemeClr val="tx1"/>
           </a:solidFill>
@@ -5270,8 +5270,8 @@
           <a:cs typeface="+mn-cs"/>
         </a:defRPr>
       </a:lvl6pPr>
-      <a:lvl7pPr marL="3689330" algn="l" defTabSz="1229777" rtl="0" eaLnBrk="1" latinLnBrk="1" hangingPunct="1">
-        <a:defRPr sz="2421" kern="1200">
+      <a:lvl7pPr marL="3772449" algn="l" defTabSz="1257483" rtl="0" eaLnBrk="1" latinLnBrk="1" hangingPunct="1">
+        <a:defRPr sz="2475" kern="1200">
           <a:solidFill>
             <a:schemeClr val="tx1"/>
           </a:solidFill>
@@ -5280,8 +5280,8 @@
           <a:cs typeface="+mn-cs"/>
         </a:defRPr>
       </a:lvl7pPr>
-      <a:lvl8pPr marL="4304218" algn="l" defTabSz="1229777" rtl="0" eaLnBrk="1" latinLnBrk="1" hangingPunct="1">
-        <a:defRPr sz="2421" kern="1200">
+      <a:lvl8pPr marL="4401190" algn="l" defTabSz="1257483" rtl="0" eaLnBrk="1" latinLnBrk="1" hangingPunct="1">
+        <a:defRPr sz="2475" kern="1200">
           <a:solidFill>
             <a:schemeClr val="tx1"/>
           </a:solidFill>
@@ -5290,8 +5290,8 @@
           <a:cs typeface="+mn-cs"/>
         </a:defRPr>
       </a:lvl8pPr>
-      <a:lvl9pPr marL="4919106" algn="l" defTabSz="1229777" rtl="0" eaLnBrk="1" latinLnBrk="1" hangingPunct="1">
-        <a:defRPr sz="2421" kern="1200">
+      <a:lvl9pPr marL="5029932" algn="l" defTabSz="1257483" rtl="0" eaLnBrk="1" latinLnBrk="1" hangingPunct="1">
+        <a:defRPr sz="2475" kern="1200">
           <a:solidFill>
             <a:schemeClr val="tx1"/>
           </a:solidFill>
@@ -5322,150 +5322,12 @@
           <a:chExt cx="0" cy="0"/>
         </a:xfrm>
       </p:grpSpPr>
-      <p:cxnSp>
-        <p:nvCxnSpPr>
-          <p:cNvPr id="441" name="연결선: 꺾임 440">
+      <p:sp>
+        <p:nvSpPr>
+          <p:cNvPr id="467" name="직사각형 466">
             <a:extLst>
               <a:ext uri="{FF2B5EF4-FFF2-40B4-BE49-F238E27FC236}">
-                <a16:creationId xmlns:a16="http://schemas.microsoft.com/office/drawing/2014/main" id="{25CE861F-40E7-6755-359A-F83139AD96A4}"/>
-              </a:ext>
-            </a:extLst>
-          </p:cNvPr>
-          <p:cNvCxnSpPr>
-            <a:cxnSpLocks/>
-            <a:stCxn id="473" idx="3"/>
-            <a:endCxn id="478" idx="0"/>
-          </p:cNvCxnSpPr>
-          <p:nvPr/>
-        </p:nvCxnSpPr>
-        <p:spPr>
-          <a:xfrm rot="5400000">
-            <a:off x="8898114" y="5478475"/>
-            <a:ext cx="635923" cy="5040000"/>
-          </a:xfrm>
-          <a:prstGeom prst="bentConnector3">
-            <a:avLst>
-              <a:gd name="adj1" fmla="val 32026"/>
-            </a:avLst>
-          </a:prstGeom>
-          <a:ln w="28575">
-            <a:prstDash val="sysDash"/>
-            <a:tailEnd type="stealth" w="lg" len="med"/>
-          </a:ln>
-        </p:spPr>
-        <p:style>
-          <a:lnRef idx="1">
-            <a:schemeClr val="accent3"/>
-          </a:lnRef>
-          <a:fillRef idx="0">
-            <a:schemeClr val="accent3"/>
-          </a:fillRef>
-          <a:effectRef idx="0">
-            <a:schemeClr val="accent3"/>
-          </a:effectRef>
-          <a:fontRef idx="minor">
-            <a:schemeClr val="tx1"/>
-          </a:fontRef>
-        </p:style>
-      </p:cxnSp>
-      <p:cxnSp>
-        <p:nvCxnSpPr>
-          <p:cNvPr id="442" name="연결선: 꺾임 441">
-            <a:extLst>
-              <a:ext uri="{FF2B5EF4-FFF2-40B4-BE49-F238E27FC236}">
-                <a16:creationId xmlns:a16="http://schemas.microsoft.com/office/drawing/2014/main" id="{583EDAB6-C614-F8E8-117E-DBCF8A44D694}"/>
-              </a:ext>
-            </a:extLst>
-          </p:cNvPr>
-          <p:cNvCxnSpPr>
-            <a:cxnSpLocks/>
-            <a:stCxn id="470" idx="3"/>
-            <a:endCxn id="481" idx="0"/>
-          </p:cNvCxnSpPr>
-          <p:nvPr/>
-        </p:nvCxnSpPr>
-        <p:spPr>
-          <a:xfrm rot="5400000">
-            <a:off x="8898114" y="1410706"/>
-            <a:ext cx="635923" cy="5040000"/>
-          </a:xfrm>
-          <a:prstGeom prst="bentConnector3">
-            <a:avLst>
-              <a:gd name="adj1" fmla="val 32026"/>
-            </a:avLst>
-          </a:prstGeom>
-          <a:ln w="28575">
-            <a:prstDash val="sysDash"/>
-            <a:tailEnd type="stealth" w="lg" len="med"/>
-          </a:ln>
-        </p:spPr>
-        <p:style>
-          <a:lnRef idx="1">
-            <a:schemeClr val="accent3"/>
-          </a:lnRef>
-          <a:fillRef idx="0">
-            <a:schemeClr val="accent3"/>
-          </a:fillRef>
-          <a:effectRef idx="0">
-            <a:schemeClr val="accent3"/>
-          </a:effectRef>
-          <a:fontRef idx="minor">
-            <a:schemeClr val="tx1"/>
-          </a:fontRef>
-        </p:style>
-      </p:cxnSp>
-      <p:cxnSp>
-        <p:nvCxnSpPr>
-          <p:cNvPr id="443" name="연결선: 꺾임 442">
-            <a:extLst>
-              <a:ext uri="{FF2B5EF4-FFF2-40B4-BE49-F238E27FC236}">
-                <a16:creationId xmlns:a16="http://schemas.microsoft.com/office/drawing/2014/main" id="{006731BA-04A1-2E9F-C8D8-E4F559EA9448}"/>
-              </a:ext>
-            </a:extLst>
-          </p:cNvPr>
-          <p:cNvCxnSpPr>
-            <a:cxnSpLocks/>
-            <a:stCxn id="469" idx="2"/>
-            <a:endCxn id="480" idx="0"/>
-          </p:cNvCxnSpPr>
-          <p:nvPr/>
-        </p:nvCxnSpPr>
-        <p:spPr>
-          <a:xfrm rot="5400000">
-            <a:off x="8977054" y="2845570"/>
-            <a:ext cx="478042" cy="5040000"/>
-          </a:xfrm>
-          <a:prstGeom prst="bentConnector3">
-            <a:avLst>
-              <a:gd name="adj1" fmla="val 50000"/>
-            </a:avLst>
-          </a:prstGeom>
-          <a:ln w="28575">
-            <a:prstDash val="sysDash"/>
-            <a:tailEnd type="stealth" w="lg" len="med"/>
-          </a:ln>
-        </p:spPr>
-        <p:style>
-          <a:lnRef idx="1">
-            <a:schemeClr val="accent3"/>
-          </a:lnRef>
-          <a:fillRef idx="0">
-            <a:schemeClr val="accent3"/>
-          </a:fillRef>
-          <a:effectRef idx="0">
-            <a:schemeClr val="accent3"/>
-          </a:effectRef>
-          <a:fontRef idx="minor">
-            <a:schemeClr val="tx1"/>
-          </a:fontRef>
-        </p:style>
-      </p:cxnSp>
-      <p:sp>
-        <p:nvSpPr>
-          <p:cNvPr id="444" name="순서도: 다중 문서 443">
-            <a:extLst>
-              <a:ext uri="{FF2B5EF4-FFF2-40B4-BE49-F238E27FC236}">
-                <a16:creationId xmlns:a16="http://schemas.microsoft.com/office/drawing/2014/main" id="{685BE211-24B2-6C48-4E85-AAFACB274F0D}"/>
+                <a16:creationId xmlns:a16="http://schemas.microsoft.com/office/drawing/2014/main" id="{F52BA9B5-422D-858C-8F8C-E57DB4A316F7}"/>
               </a:ext>
             </a:extLst>
           </p:cNvPr>
@@ -5474,1030 +5336,36 @@
         </p:nvSpPr>
         <p:spPr>
           <a:xfrm>
-            <a:off x="4356075" y="36899"/>
-            <a:ext cx="4320000" cy="864000"/>
-          </a:xfrm>
-          <a:prstGeom prst="flowChartMultidocument">
-            <a:avLst/>
-          </a:prstGeom>
-        </p:spPr>
-        <p:style>
-          <a:lnRef idx="2">
-            <a:schemeClr val="accent3"/>
-          </a:lnRef>
-          <a:fillRef idx="1">
-            <a:schemeClr val="lt1"/>
-          </a:fillRef>
-          <a:effectRef idx="0">
-            <a:schemeClr val="accent3"/>
-          </a:effectRef>
-          <a:fontRef idx="minor">
-            <a:schemeClr val="dk1"/>
-          </a:fontRef>
-        </p:style>
-        <p:txBody>
-          <a:bodyPr rtlCol="0" anchor="ctr"/>
-          <a:lstStyle/>
-          <a:p>
-            <a:pPr algn="ctr"/>
-            <a:r>
-              <a:rPr lang="en-US" altLang="ko-KR" sz="1600" dirty="0">
-                <a:latin typeface="Cambria Math" panose="02040503050406030204" pitchFamily="18" charset="0"/>
-                <a:ea typeface="Cambria Math" panose="02040503050406030204" pitchFamily="18" charset="0"/>
-              </a:rPr>
-              <a:t>Morpheme Tagged Corpus</a:t>
-            </a:r>
-            <a:endParaRPr lang="ko-KR" altLang="en-US" sz="1600" dirty="0">
-              <a:latin typeface="Cambria Math" panose="02040503050406030204" pitchFamily="18" charset="0"/>
-              <a:ea typeface="서울남산 장체 M" panose="02020503020101020101" pitchFamily="18" charset="-127"/>
-            </a:endParaRPr>
-          </a:p>
-        </p:txBody>
-      </p:sp>
-      <p:sp>
-        <p:nvSpPr>
-          <p:cNvPr id="445" name="직사각형 444">
-            <a:extLst>
-              <a:ext uri="{FF2B5EF4-FFF2-40B4-BE49-F238E27FC236}">
-                <a16:creationId xmlns:a16="http://schemas.microsoft.com/office/drawing/2014/main" id="{682EAE18-2DB1-8BBE-D7CB-AC9FAF64B24B}"/>
-              </a:ext>
-            </a:extLst>
-          </p:cNvPr>
-          <p:cNvSpPr/>
-          <p:nvPr/>
-        </p:nvSpPr>
-        <p:spPr>
-          <a:xfrm>
-            <a:off x="3636075" y="8316437"/>
-            <a:ext cx="5760000" cy="720000"/>
+            <a:off x="9935769" y="2258780"/>
+            <a:ext cx="3600000" cy="7133701"/>
           </a:xfrm>
           <a:prstGeom prst="rect">
             <a:avLst/>
           </a:prstGeom>
-          <a:ln w="28575"/>
-        </p:spPr>
-        <p:style>
-          <a:lnRef idx="2">
-            <a:schemeClr val="accent3"/>
-          </a:lnRef>
-          <a:fillRef idx="1">
-            <a:schemeClr val="lt1"/>
-          </a:fillRef>
-          <a:effectRef idx="0">
-            <a:schemeClr val="accent3"/>
-          </a:effectRef>
-          <a:fontRef idx="minor">
-            <a:schemeClr val="dk1"/>
-          </a:fontRef>
-        </p:style>
-        <p:txBody>
-          <a:bodyPr rtlCol="0" anchor="ctr"/>
-          <a:lstStyle/>
-          <a:p>
-            <a:pPr algn="ctr"/>
-            <a:r>
-              <a:rPr lang="en-US" altLang="ko-KR" dirty="0">
-                <a:latin typeface="서울남산 장체 M" panose="02020503020101020101" pitchFamily="18" charset="-127"/>
-                <a:ea typeface="서울남산 장체 M" panose="02020503020101020101" pitchFamily="18" charset="-127"/>
-              </a:rPr>
-              <a:t>Training Second-stage Re-ranking Model</a:t>
-            </a:r>
-            <a:endParaRPr lang="ko-KR" altLang="en-US" dirty="0">
-              <a:latin typeface="서울남산 장체 M" panose="02020503020101020101" pitchFamily="18" charset="-127"/>
-              <a:ea typeface="서울남산 장체 M" panose="02020503020101020101" pitchFamily="18" charset="-127"/>
-            </a:endParaRPr>
-          </a:p>
-        </p:txBody>
-      </p:sp>
-      <p:sp>
-        <p:nvSpPr>
-          <p:cNvPr id="446" name="직사각형 445">
-            <a:extLst>
-              <a:ext uri="{FF2B5EF4-FFF2-40B4-BE49-F238E27FC236}">
-                <a16:creationId xmlns:a16="http://schemas.microsoft.com/office/drawing/2014/main" id="{903F4C88-6286-E044-C6A4-326843113D36}"/>
-              </a:ext>
-            </a:extLst>
-          </p:cNvPr>
-          <p:cNvSpPr/>
-          <p:nvPr/>
-        </p:nvSpPr>
-        <p:spPr>
-          <a:xfrm>
-            <a:off x="3636075" y="1536822"/>
-            <a:ext cx="5760000" cy="720000"/>
-          </a:xfrm>
-          <a:prstGeom prst="rect">
-            <a:avLst/>
-          </a:prstGeom>
-          <a:ln w="28575"/>
-        </p:spPr>
-        <p:style>
-          <a:lnRef idx="2">
-            <a:schemeClr val="accent3"/>
-          </a:lnRef>
-          <a:fillRef idx="1">
-            <a:schemeClr val="lt1"/>
-          </a:fillRef>
-          <a:effectRef idx="0">
-            <a:schemeClr val="accent3"/>
-          </a:effectRef>
-          <a:fontRef idx="minor">
-            <a:schemeClr val="dk1"/>
-          </a:fontRef>
-        </p:style>
-        <p:txBody>
-          <a:bodyPr rtlCol="0" anchor="ctr"/>
-          <a:lstStyle/>
-          <a:p>
-            <a:pPr algn="ctr"/>
-            <a:r>
-              <a:rPr lang="en-US" altLang="ko-KR" dirty="0">
-                <a:latin typeface="서울남산 장체 M" panose="02020503020101020101" pitchFamily="18" charset="-127"/>
-                <a:ea typeface="서울남산 장체 M" panose="02020503020101020101" pitchFamily="18" charset="-127"/>
-              </a:rPr>
-              <a:t>Training Example Transformation</a:t>
-            </a:r>
-            <a:endParaRPr lang="ko-KR" altLang="en-US" dirty="0">
-              <a:latin typeface="서울남산 장체 M" panose="02020503020101020101" pitchFamily="18" charset="-127"/>
-              <a:ea typeface="서울남산 장체 M" panose="02020503020101020101" pitchFamily="18" charset="-127"/>
-            </a:endParaRPr>
-          </a:p>
-        </p:txBody>
-      </p:sp>
-      <p:sp>
-        <p:nvSpPr>
-          <p:cNvPr id="447" name="직사각형 446">
-            <a:extLst>
-              <a:ext uri="{FF2B5EF4-FFF2-40B4-BE49-F238E27FC236}">
-                <a16:creationId xmlns:a16="http://schemas.microsoft.com/office/drawing/2014/main" id="{31DB3B8F-6D9D-D672-687C-2A07439CCC2A}"/>
-              </a:ext>
-            </a:extLst>
-          </p:cNvPr>
-          <p:cNvSpPr/>
-          <p:nvPr/>
-        </p:nvSpPr>
-        <p:spPr>
-          <a:xfrm>
-            <a:off x="3636075" y="5604591"/>
-            <a:ext cx="5760000" cy="720000"/>
-          </a:xfrm>
-          <a:prstGeom prst="rect">
-            <a:avLst/>
-          </a:prstGeom>
-          <a:ln w="28575"/>
-        </p:spPr>
-        <p:style>
-          <a:lnRef idx="2">
-            <a:schemeClr val="accent3"/>
-          </a:lnRef>
-          <a:fillRef idx="1">
-            <a:schemeClr val="lt1"/>
-          </a:fillRef>
-          <a:effectRef idx="0">
-            <a:schemeClr val="accent3"/>
-          </a:effectRef>
-          <a:fontRef idx="minor">
-            <a:schemeClr val="dk1"/>
-          </a:fontRef>
-        </p:style>
-        <p:txBody>
-          <a:bodyPr rtlCol="0" anchor="ctr"/>
-          <a:lstStyle/>
-          <a:p>
-            <a:pPr algn="ctr"/>
-            <a:r>
-              <a:rPr lang="en-US" altLang="ko-KR" dirty="0">
-                <a:latin typeface="서울남산 장체 M" panose="02020503020101020101" pitchFamily="18" charset="-127"/>
-                <a:ea typeface="서울남산 장체 M" panose="02020503020101020101" pitchFamily="18" charset="-127"/>
-              </a:rPr>
-              <a:t>Lattice Construction and Secondary Path Generation</a:t>
-            </a:r>
-            <a:endParaRPr lang="ko-KR" altLang="en-US" dirty="0">
-              <a:latin typeface="서울남산 장체 M" panose="02020503020101020101" pitchFamily="18" charset="-127"/>
-              <a:ea typeface="서울남산 장체 M" panose="02020503020101020101" pitchFamily="18" charset="-127"/>
-            </a:endParaRPr>
-          </a:p>
-        </p:txBody>
-      </p:sp>
-      <p:cxnSp>
-        <p:nvCxnSpPr>
-          <p:cNvPr id="448" name="직선 화살표 연결선 447">
-            <a:extLst>
-              <a:ext uri="{FF2B5EF4-FFF2-40B4-BE49-F238E27FC236}">
-                <a16:creationId xmlns:a16="http://schemas.microsoft.com/office/drawing/2014/main" id="{8021E4CA-8394-FF42-FC90-3B4EC7DC92E3}"/>
-              </a:ext>
-            </a:extLst>
-          </p:cNvPr>
-          <p:cNvCxnSpPr>
-            <a:cxnSpLocks/>
-          </p:cNvCxnSpPr>
-          <p:nvPr/>
-        </p:nvCxnSpPr>
-        <p:spPr>
-          <a:xfrm>
-            <a:off x="6516075" y="829855"/>
-            <a:ext cx="0" cy="706967"/>
-          </a:xfrm>
-          <a:prstGeom prst="straightConnector1">
-            <a:avLst/>
-          </a:prstGeom>
-          <a:ln w="28575">
-            <a:prstDash val="sysDash"/>
-            <a:tailEnd type="stealth" w="lg" len="med"/>
-          </a:ln>
-        </p:spPr>
-        <p:style>
-          <a:lnRef idx="1">
-            <a:schemeClr val="accent3"/>
-          </a:lnRef>
-          <a:fillRef idx="0">
-            <a:schemeClr val="accent3"/>
-          </a:fillRef>
-          <a:effectRef idx="0">
-            <a:schemeClr val="accent3"/>
-          </a:effectRef>
-          <a:fontRef idx="minor">
-            <a:schemeClr val="tx1"/>
-          </a:fontRef>
-        </p:style>
-      </p:cxnSp>
-      <p:cxnSp>
-        <p:nvCxnSpPr>
-          <p:cNvPr id="449" name="직선 화살표 연결선 448">
-            <a:extLst>
-              <a:ext uri="{FF2B5EF4-FFF2-40B4-BE49-F238E27FC236}">
-                <a16:creationId xmlns:a16="http://schemas.microsoft.com/office/drawing/2014/main" id="{B5CB9C2C-1E25-F8EE-FF70-FCA251DE245C}"/>
-              </a:ext>
-            </a:extLst>
-          </p:cNvPr>
-          <p:cNvCxnSpPr>
-            <a:cxnSpLocks/>
-            <a:stCxn id="446" idx="2"/>
-            <a:endCxn id="459" idx="0"/>
-          </p:cNvCxnSpPr>
-          <p:nvPr/>
-        </p:nvCxnSpPr>
-        <p:spPr>
-          <a:xfrm>
-            <a:off x="6516075" y="2256822"/>
-            <a:ext cx="0" cy="635923"/>
-          </a:xfrm>
-          <a:prstGeom prst="straightConnector1">
-            <a:avLst/>
-          </a:prstGeom>
-          <a:ln w="28575">
-            <a:tailEnd type="triangle"/>
-          </a:ln>
-        </p:spPr>
-        <p:style>
-          <a:lnRef idx="1">
-            <a:schemeClr val="accent3"/>
-          </a:lnRef>
-          <a:fillRef idx="0">
-            <a:schemeClr val="accent3"/>
-          </a:fillRef>
-          <a:effectRef idx="0">
-            <a:schemeClr val="accent3"/>
-          </a:effectRef>
-          <a:fontRef idx="minor">
-            <a:schemeClr val="tx1"/>
-          </a:fontRef>
-        </p:style>
-      </p:cxnSp>
-      <p:cxnSp>
-        <p:nvCxnSpPr>
-          <p:cNvPr id="450" name="직선 화살표 연결선 449">
-            <a:extLst>
-              <a:ext uri="{FF2B5EF4-FFF2-40B4-BE49-F238E27FC236}">
-                <a16:creationId xmlns:a16="http://schemas.microsoft.com/office/drawing/2014/main" id="{C6724E60-4301-BAC1-E2B6-81D90C9F75FD}"/>
-              </a:ext>
-            </a:extLst>
-          </p:cNvPr>
-          <p:cNvCxnSpPr>
-            <a:cxnSpLocks/>
-            <a:stCxn id="459" idx="2"/>
-            <a:endCxn id="458" idx="0"/>
-          </p:cNvCxnSpPr>
-          <p:nvPr/>
-        </p:nvCxnSpPr>
-        <p:spPr>
-          <a:xfrm>
-            <a:off x="6516075" y="3612745"/>
-            <a:ext cx="0" cy="635923"/>
-          </a:xfrm>
-          <a:prstGeom prst="straightConnector1">
-            <a:avLst/>
-          </a:prstGeom>
-          <a:ln w="28575">
-            <a:tailEnd type="triangle"/>
-          </a:ln>
-        </p:spPr>
-        <p:style>
-          <a:lnRef idx="1">
-            <a:schemeClr val="accent3"/>
-          </a:lnRef>
-          <a:fillRef idx="0">
-            <a:schemeClr val="accent3"/>
-          </a:fillRef>
-          <a:effectRef idx="0">
-            <a:schemeClr val="accent3"/>
-          </a:effectRef>
-          <a:fontRef idx="minor">
-            <a:schemeClr val="tx1"/>
-          </a:fontRef>
-        </p:style>
-      </p:cxnSp>
-      <p:cxnSp>
-        <p:nvCxnSpPr>
-          <p:cNvPr id="451" name="직선 화살표 연결선 450">
-            <a:extLst>
-              <a:ext uri="{FF2B5EF4-FFF2-40B4-BE49-F238E27FC236}">
-                <a16:creationId xmlns:a16="http://schemas.microsoft.com/office/drawing/2014/main" id="{AD8D8131-6A9F-C1B5-CC16-BE01BC69D6D4}"/>
-              </a:ext>
-            </a:extLst>
-          </p:cNvPr>
-          <p:cNvCxnSpPr>
-            <a:cxnSpLocks/>
-            <a:stCxn id="458" idx="2"/>
-            <a:endCxn id="447" idx="0"/>
-          </p:cNvCxnSpPr>
-          <p:nvPr/>
-        </p:nvCxnSpPr>
-        <p:spPr>
-          <a:xfrm>
-            <a:off x="6516075" y="4968668"/>
-            <a:ext cx="0" cy="635923"/>
-          </a:xfrm>
-          <a:prstGeom prst="straightConnector1">
-            <a:avLst/>
-          </a:prstGeom>
-          <a:ln w="28575">
-            <a:tailEnd type="triangle"/>
-          </a:ln>
-        </p:spPr>
-        <p:style>
-          <a:lnRef idx="1">
-            <a:schemeClr val="accent3"/>
-          </a:lnRef>
-          <a:fillRef idx="0">
-            <a:schemeClr val="accent3"/>
-          </a:fillRef>
-          <a:effectRef idx="0">
-            <a:schemeClr val="accent3"/>
-          </a:effectRef>
-          <a:fontRef idx="minor">
-            <a:schemeClr val="tx1"/>
-          </a:fontRef>
-        </p:style>
-      </p:cxnSp>
-      <p:cxnSp>
-        <p:nvCxnSpPr>
-          <p:cNvPr id="452" name="직선 화살표 연결선 451">
-            <a:extLst>
-              <a:ext uri="{FF2B5EF4-FFF2-40B4-BE49-F238E27FC236}">
-                <a16:creationId xmlns:a16="http://schemas.microsoft.com/office/drawing/2014/main" id="{C4332BEA-B2A1-AFD3-FB52-3CF7CE1E0B69}"/>
-              </a:ext>
-            </a:extLst>
-          </p:cNvPr>
-          <p:cNvCxnSpPr>
-            <a:cxnSpLocks/>
-            <a:stCxn id="447" idx="2"/>
-            <a:endCxn id="453" idx="0"/>
-          </p:cNvCxnSpPr>
-          <p:nvPr/>
-        </p:nvCxnSpPr>
-        <p:spPr>
-          <a:xfrm>
-            <a:off x="6516075" y="6324591"/>
-            <a:ext cx="0" cy="635923"/>
-          </a:xfrm>
-          <a:prstGeom prst="straightConnector1">
-            <a:avLst/>
-          </a:prstGeom>
-          <a:ln w="28575">
-            <a:tailEnd type="triangle"/>
-          </a:ln>
-        </p:spPr>
-        <p:style>
-          <a:lnRef idx="1">
-            <a:schemeClr val="accent3"/>
-          </a:lnRef>
-          <a:fillRef idx="0">
-            <a:schemeClr val="accent3"/>
-          </a:fillRef>
-          <a:effectRef idx="0">
-            <a:schemeClr val="accent3"/>
-          </a:effectRef>
-          <a:fontRef idx="minor">
-            <a:schemeClr val="tx1"/>
-          </a:fontRef>
-        </p:style>
-      </p:cxnSp>
-      <p:sp>
-        <p:nvSpPr>
-          <p:cNvPr id="453" name="직사각형 452">
-            <a:extLst>
-              <a:ext uri="{FF2B5EF4-FFF2-40B4-BE49-F238E27FC236}">
-                <a16:creationId xmlns:a16="http://schemas.microsoft.com/office/drawing/2014/main" id="{82A75321-F0DA-19F8-1E52-0D484143568B}"/>
-              </a:ext>
-            </a:extLst>
-          </p:cNvPr>
-          <p:cNvSpPr/>
-          <p:nvPr/>
-        </p:nvSpPr>
-        <p:spPr>
-          <a:xfrm>
-            <a:off x="3636075" y="6960514"/>
-            <a:ext cx="5760000" cy="720000"/>
-          </a:xfrm>
-          <a:prstGeom prst="rect">
-            <a:avLst/>
-          </a:prstGeom>
-          <a:ln w="28575"/>
-        </p:spPr>
-        <p:style>
-          <a:lnRef idx="2">
-            <a:schemeClr val="accent3"/>
-          </a:lnRef>
-          <a:fillRef idx="1">
-            <a:schemeClr val="lt1"/>
-          </a:fillRef>
-          <a:effectRef idx="0">
-            <a:schemeClr val="accent3"/>
-          </a:effectRef>
-          <a:fontRef idx="minor">
-            <a:schemeClr val="dk1"/>
-          </a:fontRef>
-        </p:style>
-        <p:txBody>
-          <a:bodyPr rtlCol="0" anchor="ctr"/>
-          <a:lstStyle/>
-          <a:p>
-            <a:pPr algn="ctr"/>
-            <a:r>
-              <a:rPr lang="en-US" altLang="ko-KR" dirty="0">
-                <a:latin typeface="서울남산 장체 M" panose="02020503020101020101" pitchFamily="18" charset="-127"/>
-                <a:ea typeface="서울남산 장체 M" panose="02020503020101020101" pitchFamily="18" charset="-127"/>
-              </a:rPr>
-              <a:t>Training First-stage Re-ranking Model</a:t>
-            </a:r>
-            <a:endParaRPr lang="ko-KR" altLang="en-US" dirty="0">
-              <a:latin typeface="서울남산 장체 M" panose="02020503020101020101" pitchFamily="18" charset="-127"/>
-              <a:ea typeface="서울남산 장체 M" panose="02020503020101020101" pitchFamily="18" charset="-127"/>
-            </a:endParaRPr>
-          </a:p>
-        </p:txBody>
-      </p:sp>
-      <p:cxnSp>
-        <p:nvCxnSpPr>
-          <p:cNvPr id="454" name="직선 화살표 연결선 453">
-            <a:extLst>
-              <a:ext uri="{FF2B5EF4-FFF2-40B4-BE49-F238E27FC236}">
-                <a16:creationId xmlns:a16="http://schemas.microsoft.com/office/drawing/2014/main" id="{6B167AF8-F85C-0F03-7C15-74D59791711F}"/>
-              </a:ext>
-            </a:extLst>
-          </p:cNvPr>
-          <p:cNvCxnSpPr>
-            <a:cxnSpLocks/>
-            <a:stCxn id="446" idx="1"/>
-            <a:endCxn id="463" idx="4"/>
-          </p:cNvCxnSpPr>
-          <p:nvPr/>
-        </p:nvCxnSpPr>
-        <p:spPr>
-          <a:xfrm flipH="1">
-            <a:off x="2916075" y="1896822"/>
-            <a:ext cx="720000" cy="0"/>
-          </a:xfrm>
-          <a:prstGeom prst="straightConnector1">
-            <a:avLst/>
-          </a:prstGeom>
-          <a:ln w="28575">
-            <a:prstDash val="sysDash"/>
-            <a:tailEnd type="stealth" w="lg" len="med"/>
-          </a:ln>
-        </p:spPr>
-        <p:style>
-          <a:lnRef idx="1">
-            <a:schemeClr val="accent3"/>
-          </a:lnRef>
-          <a:fillRef idx="0">
-            <a:schemeClr val="accent3"/>
-          </a:fillRef>
-          <a:effectRef idx="0">
-            <a:schemeClr val="accent3"/>
-          </a:effectRef>
-          <a:fontRef idx="minor">
-            <a:schemeClr val="tx1"/>
-          </a:fontRef>
-        </p:style>
-      </p:cxnSp>
-      <p:cxnSp>
-        <p:nvCxnSpPr>
-          <p:cNvPr id="455" name="직선 화살표 연결선 454">
-            <a:extLst>
-              <a:ext uri="{FF2B5EF4-FFF2-40B4-BE49-F238E27FC236}">
-                <a16:creationId xmlns:a16="http://schemas.microsoft.com/office/drawing/2014/main" id="{A34F304D-CFB2-5406-B54D-2A6FCADDE77B}"/>
-              </a:ext>
-            </a:extLst>
-          </p:cNvPr>
-          <p:cNvCxnSpPr>
-            <a:cxnSpLocks/>
-            <a:stCxn id="459" idx="3"/>
-            <a:endCxn id="470" idx="2"/>
-          </p:cNvCxnSpPr>
-          <p:nvPr/>
-        </p:nvCxnSpPr>
-        <p:spPr>
-          <a:xfrm>
-            <a:off x="9396075" y="3252745"/>
-            <a:ext cx="900000" cy="0"/>
-          </a:xfrm>
-          <a:prstGeom prst="straightConnector1">
-            <a:avLst/>
-          </a:prstGeom>
-          <a:ln w="28575">
-            <a:prstDash val="sysDash"/>
-            <a:tailEnd type="stealth" w="lg" len="med"/>
-          </a:ln>
-        </p:spPr>
-        <p:style>
-          <a:lnRef idx="1">
-            <a:schemeClr val="accent3"/>
-          </a:lnRef>
-          <a:fillRef idx="0">
-            <a:schemeClr val="accent3"/>
-          </a:fillRef>
-          <a:effectRef idx="0">
-            <a:schemeClr val="accent3"/>
-          </a:effectRef>
-          <a:fontRef idx="minor">
-            <a:schemeClr val="tx1"/>
-          </a:fontRef>
-        </p:style>
-      </p:cxnSp>
-      <p:cxnSp>
-        <p:nvCxnSpPr>
-          <p:cNvPr id="456" name="직선 화살표 연결선 455">
-            <a:extLst>
-              <a:ext uri="{FF2B5EF4-FFF2-40B4-BE49-F238E27FC236}">
-                <a16:creationId xmlns:a16="http://schemas.microsoft.com/office/drawing/2014/main" id="{08C6D6A3-6C44-CEB0-2651-32BEECFC3F8D}"/>
-              </a:ext>
-            </a:extLst>
-          </p:cNvPr>
-          <p:cNvCxnSpPr>
-            <a:cxnSpLocks/>
-            <a:stCxn id="458" idx="3"/>
-            <a:endCxn id="471" idx="2"/>
-          </p:cNvCxnSpPr>
-          <p:nvPr/>
-        </p:nvCxnSpPr>
-        <p:spPr>
-          <a:xfrm>
-            <a:off x="9396075" y="4608668"/>
-            <a:ext cx="900000" cy="0"/>
-          </a:xfrm>
-          <a:prstGeom prst="straightConnector1">
-            <a:avLst/>
-          </a:prstGeom>
-          <a:ln w="28575">
-            <a:prstDash val="sysDash"/>
-            <a:tailEnd type="stealth" w="lg" len="med"/>
-          </a:ln>
-        </p:spPr>
-        <p:style>
-          <a:lnRef idx="1">
-            <a:schemeClr val="accent3"/>
-          </a:lnRef>
-          <a:fillRef idx="0">
-            <a:schemeClr val="accent3"/>
-          </a:fillRef>
-          <a:effectRef idx="0">
-            <a:schemeClr val="accent3"/>
-          </a:effectRef>
-          <a:fontRef idx="minor">
-            <a:schemeClr val="tx1"/>
-          </a:fontRef>
-        </p:style>
-      </p:cxnSp>
-      <p:cxnSp>
-        <p:nvCxnSpPr>
-          <p:cNvPr id="457" name="연결선: 구부러짐 456">
-            <a:extLst>
-              <a:ext uri="{FF2B5EF4-FFF2-40B4-BE49-F238E27FC236}">
-                <a16:creationId xmlns:a16="http://schemas.microsoft.com/office/drawing/2014/main" id="{0AC88F46-D736-2517-DFC3-DAD2DDFCE2A9}"/>
-              </a:ext>
-            </a:extLst>
-          </p:cNvPr>
-          <p:cNvCxnSpPr>
-            <a:cxnSpLocks/>
-            <a:stCxn id="458" idx="3"/>
-            <a:endCxn id="470" idx="2"/>
-          </p:cNvCxnSpPr>
-          <p:nvPr/>
-        </p:nvCxnSpPr>
-        <p:spPr>
-          <a:xfrm flipV="1">
-            <a:off x="9396075" y="3252745"/>
-            <a:ext cx="900000" cy="1355923"/>
-          </a:xfrm>
-          <a:prstGeom prst="curvedConnector3">
-            <a:avLst>
-              <a:gd name="adj1" fmla="val 50000"/>
-            </a:avLst>
-          </a:prstGeom>
-          <a:ln w="28575">
-            <a:prstDash val="sysDash"/>
-            <a:tailEnd type="stealth" w="lg" len="med"/>
-          </a:ln>
-        </p:spPr>
-        <p:style>
-          <a:lnRef idx="1">
-            <a:schemeClr val="accent3"/>
-          </a:lnRef>
-          <a:fillRef idx="0">
-            <a:schemeClr val="accent3"/>
-          </a:fillRef>
-          <a:effectRef idx="0">
-            <a:schemeClr val="accent3"/>
-          </a:effectRef>
-          <a:fontRef idx="minor">
-            <a:schemeClr val="tx1"/>
-          </a:fontRef>
-        </p:style>
-      </p:cxnSp>
-      <p:sp>
-        <p:nvSpPr>
-          <p:cNvPr id="458" name="직사각형 457">
-            <a:extLst>
-              <a:ext uri="{FF2B5EF4-FFF2-40B4-BE49-F238E27FC236}">
-                <a16:creationId xmlns:a16="http://schemas.microsoft.com/office/drawing/2014/main" id="{CA8056CA-8BDC-41FB-9360-724CF58EC123}"/>
-              </a:ext>
-            </a:extLst>
-          </p:cNvPr>
-          <p:cNvSpPr/>
-          <p:nvPr/>
-        </p:nvSpPr>
-        <p:spPr>
-          <a:xfrm>
-            <a:off x="3636075" y="4248668"/>
-            <a:ext cx="5760000" cy="720000"/>
-          </a:xfrm>
-          <a:prstGeom prst="rect">
-            <a:avLst/>
-          </a:prstGeom>
-          <a:ln w="28575"/>
-        </p:spPr>
-        <p:style>
-          <a:lnRef idx="2">
-            <a:schemeClr val="accent3"/>
-          </a:lnRef>
-          <a:fillRef idx="1">
-            <a:schemeClr val="lt1"/>
-          </a:fillRef>
-          <a:effectRef idx="0">
-            <a:schemeClr val="accent3"/>
-          </a:effectRef>
-          <a:fontRef idx="minor">
-            <a:schemeClr val="dk1"/>
-          </a:fontRef>
-        </p:style>
-        <p:txBody>
-          <a:bodyPr rtlCol="0" anchor="ctr"/>
-          <a:lstStyle/>
-          <a:p>
-            <a:pPr algn="ctr"/>
-            <a:r>
-              <a:rPr lang="en-US" altLang="ko-KR" dirty="0">
-                <a:latin typeface="서울남산 장체 M" panose="02020503020101020101" pitchFamily="18" charset="-127"/>
-                <a:ea typeface="서울남산 장체 M" panose="02020503020101020101" pitchFamily="18" charset="-127"/>
-              </a:rPr>
-              <a:t>Training Lexicon Node Value and Connection Cost Matrix</a:t>
-            </a:r>
-            <a:endParaRPr lang="ko-KR" altLang="en-US" dirty="0">
-              <a:latin typeface="서울남산 장체 M" panose="02020503020101020101" pitchFamily="18" charset="-127"/>
-              <a:ea typeface="서울남산 장체 M" panose="02020503020101020101" pitchFamily="18" charset="-127"/>
-            </a:endParaRPr>
-          </a:p>
-        </p:txBody>
-      </p:sp>
-      <p:sp>
-        <p:nvSpPr>
-          <p:cNvPr id="459" name="직사각형 458">
-            <a:extLst>
-              <a:ext uri="{FF2B5EF4-FFF2-40B4-BE49-F238E27FC236}">
-                <a16:creationId xmlns:a16="http://schemas.microsoft.com/office/drawing/2014/main" id="{18932E79-616B-7A8F-40B6-372EB09995C7}"/>
-              </a:ext>
-            </a:extLst>
-          </p:cNvPr>
-          <p:cNvSpPr/>
-          <p:nvPr/>
-        </p:nvSpPr>
-        <p:spPr>
-          <a:xfrm>
-            <a:off x="3636075" y="2892745"/>
-            <a:ext cx="5760000" cy="720000"/>
-          </a:xfrm>
-          <a:prstGeom prst="rect">
-            <a:avLst/>
-          </a:prstGeom>
-          <a:ln w="28575"/>
-        </p:spPr>
-        <p:style>
-          <a:lnRef idx="2">
-            <a:schemeClr val="accent3"/>
-          </a:lnRef>
-          <a:fillRef idx="1">
-            <a:schemeClr val="lt1"/>
-          </a:fillRef>
-          <a:effectRef idx="0">
-            <a:schemeClr val="accent3"/>
-          </a:effectRef>
-          <a:fontRef idx="minor">
-            <a:schemeClr val="dk1"/>
-          </a:fontRef>
-        </p:style>
-        <p:txBody>
-          <a:bodyPr rtlCol="0" anchor="ctr"/>
-          <a:lstStyle/>
-          <a:p>
-            <a:pPr algn="ctr"/>
-            <a:r>
-              <a:rPr lang="en-US" altLang="ko-KR" dirty="0">
-                <a:latin typeface="서울남산 장체 M" panose="02020503020101020101" pitchFamily="18" charset="-127"/>
-                <a:ea typeface="서울남산 장체 M" panose="02020503020101020101" pitchFamily="18" charset="-127"/>
-              </a:rPr>
-              <a:t>Basic Morpheme-based Lexicon Construction</a:t>
-            </a:r>
-            <a:endParaRPr lang="ko-KR" altLang="en-US" dirty="0">
-              <a:latin typeface="서울남산 장체 M" panose="02020503020101020101" pitchFamily="18" charset="-127"/>
-              <a:ea typeface="서울남산 장체 M" panose="02020503020101020101" pitchFamily="18" charset="-127"/>
-            </a:endParaRPr>
-          </a:p>
-        </p:txBody>
-      </p:sp>
-      <p:cxnSp>
-        <p:nvCxnSpPr>
-          <p:cNvPr id="460" name="직선 화살표 연결선 459">
-            <a:extLst>
-              <a:ext uri="{FF2B5EF4-FFF2-40B4-BE49-F238E27FC236}">
-                <a16:creationId xmlns:a16="http://schemas.microsoft.com/office/drawing/2014/main" id="{7919066D-8681-5078-6641-4D21CE94DB72}"/>
-              </a:ext>
-            </a:extLst>
-          </p:cNvPr>
-          <p:cNvCxnSpPr>
-            <a:cxnSpLocks/>
-            <a:stCxn id="453" idx="2"/>
-            <a:endCxn id="445" idx="0"/>
-          </p:cNvCxnSpPr>
-          <p:nvPr/>
-        </p:nvCxnSpPr>
-        <p:spPr>
-          <a:xfrm>
-            <a:off x="6516075" y="7680514"/>
-            <a:ext cx="0" cy="635923"/>
-          </a:xfrm>
-          <a:prstGeom prst="straightConnector1">
-            <a:avLst/>
-          </a:prstGeom>
-          <a:ln w="28575">
-            <a:tailEnd type="triangle"/>
-          </a:ln>
-        </p:spPr>
-        <p:style>
-          <a:lnRef idx="1">
-            <a:schemeClr val="accent3"/>
-          </a:lnRef>
-          <a:fillRef idx="0">
-            <a:schemeClr val="accent3"/>
-          </a:fillRef>
-          <a:effectRef idx="0">
-            <a:schemeClr val="accent3"/>
-          </a:effectRef>
-          <a:fontRef idx="minor">
-            <a:schemeClr val="tx1"/>
-          </a:fontRef>
-        </p:style>
-      </p:cxnSp>
-      <p:cxnSp>
-        <p:nvCxnSpPr>
-          <p:cNvPr id="461" name="직선 화살표 연결선 460">
-            <a:extLst>
-              <a:ext uri="{FF2B5EF4-FFF2-40B4-BE49-F238E27FC236}">
-                <a16:creationId xmlns:a16="http://schemas.microsoft.com/office/drawing/2014/main" id="{CBD00100-6E8B-D94A-3091-C3AE7DDD00C9}"/>
-              </a:ext>
-            </a:extLst>
-          </p:cNvPr>
-          <p:cNvCxnSpPr>
-            <a:cxnSpLocks/>
-            <a:stCxn id="453" idx="3"/>
-            <a:endCxn id="473" idx="2"/>
-          </p:cNvCxnSpPr>
-          <p:nvPr/>
-        </p:nvCxnSpPr>
-        <p:spPr>
-          <a:xfrm>
-            <a:off x="9396075" y="7320514"/>
-            <a:ext cx="900000" cy="0"/>
-          </a:xfrm>
-          <a:prstGeom prst="straightConnector1">
-            <a:avLst/>
-          </a:prstGeom>
-          <a:ln w="28575">
-            <a:prstDash val="sysDash"/>
-            <a:tailEnd type="stealth" w="lg" len="med"/>
-          </a:ln>
-        </p:spPr>
-        <p:style>
-          <a:lnRef idx="1">
-            <a:schemeClr val="accent3"/>
-          </a:lnRef>
-          <a:fillRef idx="0">
-            <a:schemeClr val="accent3"/>
-          </a:fillRef>
-          <a:effectRef idx="0">
-            <a:schemeClr val="accent3"/>
-          </a:effectRef>
-          <a:fontRef idx="minor">
-            <a:schemeClr val="tx1"/>
-          </a:fontRef>
-        </p:style>
-      </p:cxnSp>
-      <p:cxnSp>
-        <p:nvCxnSpPr>
-          <p:cNvPr id="462" name="직선 화살표 연결선 461">
-            <a:extLst>
-              <a:ext uri="{FF2B5EF4-FFF2-40B4-BE49-F238E27FC236}">
-                <a16:creationId xmlns:a16="http://schemas.microsoft.com/office/drawing/2014/main" id="{2F211129-8AD3-1E84-DEC2-50040E75571D}"/>
-              </a:ext>
-            </a:extLst>
-          </p:cNvPr>
-          <p:cNvCxnSpPr>
-            <a:cxnSpLocks/>
-            <a:stCxn id="445" idx="3"/>
-            <a:endCxn id="474" idx="2"/>
-          </p:cNvCxnSpPr>
-          <p:nvPr/>
-        </p:nvCxnSpPr>
-        <p:spPr>
-          <a:xfrm>
-            <a:off x="9396075" y="8676437"/>
-            <a:ext cx="900000" cy="0"/>
-          </a:xfrm>
-          <a:prstGeom prst="straightConnector1">
-            <a:avLst/>
-          </a:prstGeom>
-          <a:ln w="28575">
-            <a:prstDash val="sysDash"/>
-            <a:tailEnd type="stealth" w="lg" len="med"/>
-          </a:ln>
-        </p:spPr>
-        <p:style>
-          <a:lnRef idx="1">
-            <a:schemeClr val="accent3"/>
-          </a:lnRef>
-          <a:fillRef idx="0">
-            <a:schemeClr val="accent3"/>
-          </a:fillRef>
-          <a:effectRef idx="0">
-            <a:schemeClr val="accent3"/>
-          </a:effectRef>
-          <a:fontRef idx="minor">
-            <a:schemeClr val="tx1"/>
-          </a:fontRef>
-        </p:style>
-      </p:cxnSp>
-      <p:sp>
-        <p:nvSpPr>
-          <p:cNvPr id="463" name="순서도: 자기 디스크 462">
-            <a:extLst>
-              <a:ext uri="{FF2B5EF4-FFF2-40B4-BE49-F238E27FC236}">
-                <a16:creationId xmlns:a16="http://schemas.microsoft.com/office/drawing/2014/main" id="{1C351FAF-AC43-3FAA-3790-B80610E2E1FC}"/>
-              </a:ext>
-            </a:extLst>
-          </p:cNvPr>
-          <p:cNvSpPr/>
-          <p:nvPr/>
-        </p:nvSpPr>
-        <p:spPr>
-          <a:xfrm>
-            <a:off x="36075" y="1536822"/>
-            <a:ext cx="2880000" cy="720000"/>
-          </a:xfrm>
-          <a:prstGeom prst="flowChartMagneticDisk">
-            <a:avLst/>
-          </a:prstGeom>
-        </p:spPr>
-        <p:style>
-          <a:lnRef idx="2">
-            <a:schemeClr val="accent3"/>
-          </a:lnRef>
-          <a:fillRef idx="1">
-            <a:schemeClr val="lt1"/>
-          </a:fillRef>
-          <a:effectRef idx="0">
-            <a:schemeClr val="accent3"/>
-          </a:effectRef>
-          <a:fontRef idx="minor">
-            <a:schemeClr val="dk1"/>
-          </a:fontRef>
-        </p:style>
-        <p:txBody>
-          <a:bodyPr rtlCol="0" anchor="ctr"/>
-          <a:lstStyle/>
-          <a:p>
-            <a:pPr algn="ctr"/>
-            <a:r>
-              <a:rPr lang="en-US" altLang="ko-KR" sz="1600" dirty="0">
-                <a:solidFill>
-                  <a:schemeClr val="dk1"/>
-                </a:solidFill>
-                <a:latin typeface="Cambria Math" panose="02040503050406030204" pitchFamily="18" charset="0"/>
-                <a:ea typeface="Cambria Math" panose="02040503050406030204" pitchFamily="18" charset="0"/>
-              </a:rPr>
-              <a:t>Training Sample Set</a:t>
-            </a:r>
-            <a:endParaRPr lang="ko-KR" altLang="en-US" sz="1200" dirty="0">
-              <a:solidFill>
-                <a:schemeClr val="dk1"/>
-              </a:solidFill>
-              <a:latin typeface="Cambria Math" panose="02040503050406030204" pitchFamily="18" charset="0"/>
-              <a:ea typeface="서울남산 장체 M" panose="02020503020101020101" pitchFamily="18" charset="-127"/>
-            </a:endParaRPr>
-          </a:p>
-        </p:txBody>
-      </p:sp>
-      <p:cxnSp>
-        <p:nvCxnSpPr>
-          <p:cNvPr id="468" name="연결선: 꺾임 467">
-            <a:extLst>
-              <a:ext uri="{FF2B5EF4-FFF2-40B4-BE49-F238E27FC236}">
-                <a16:creationId xmlns:a16="http://schemas.microsoft.com/office/drawing/2014/main" id="{6811A729-3A8C-F817-E212-EACCA3D75BE2}"/>
-              </a:ext>
-            </a:extLst>
-          </p:cNvPr>
-          <p:cNvCxnSpPr>
-            <a:cxnSpLocks/>
-            <a:stCxn id="463" idx="3"/>
-            <a:endCxn id="445" idx="1"/>
-          </p:cNvCxnSpPr>
-          <p:nvPr/>
-        </p:nvCxnSpPr>
-        <p:spPr>
-          <a:xfrm rot="16200000" flipH="1">
-            <a:off x="-653732" y="4386629"/>
-            <a:ext cx="6419615" cy="2160000"/>
-          </a:xfrm>
-          <a:prstGeom prst="bentConnector2">
-            <a:avLst/>
-          </a:prstGeom>
-          <a:ln w="28575">
-            <a:prstDash val="sysDash"/>
-            <a:tailEnd type="stealth" w="lg" len="med"/>
-          </a:ln>
-        </p:spPr>
-        <p:style>
-          <a:lnRef idx="1">
-            <a:schemeClr val="accent3"/>
-          </a:lnRef>
-          <a:fillRef idx="0">
-            <a:schemeClr val="accent3"/>
-          </a:fillRef>
-          <a:effectRef idx="0">
-            <a:schemeClr val="accent3"/>
-          </a:effectRef>
-          <a:fontRef idx="minor">
-            <a:schemeClr val="tx1"/>
-          </a:fontRef>
-        </p:style>
-      </p:cxnSp>
-      <p:sp>
-        <p:nvSpPr>
-          <p:cNvPr id="469" name="사각형: 둥근 모서리 468">
-            <a:extLst>
-              <a:ext uri="{FF2B5EF4-FFF2-40B4-BE49-F238E27FC236}">
-                <a16:creationId xmlns:a16="http://schemas.microsoft.com/office/drawing/2014/main" id="{06B359C9-3099-0D6B-D068-44FBB031B174}"/>
-              </a:ext>
-            </a:extLst>
-          </p:cNvPr>
-          <p:cNvSpPr/>
-          <p:nvPr/>
-        </p:nvSpPr>
-        <p:spPr>
-          <a:xfrm>
-            <a:off x="10116075" y="2750549"/>
-            <a:ext cx="3240000" cy="2376000"/>
-          </a:xfrm>
-          <a:prstGeom prst="roundRect">
-            <a:avLst>
-              <a:gd name="adj" fmla="val 6908"/>
-            </a:avLst>
-          </a:prstGeom>
-          <a:solidFill>
-            <a:schemeClr val="accent3">
-              <a:alpha val="50000"/>
-            </a:schemeClr>
-          </a:solidFill>
+          <a:gradFill flip="none" rotWithShape="1">
+            <a:gsLst>
+              <a:gs pos="0">
+                <a:schemeClr val="accent4">
+                  <a:tint val="66000"/>
+                  <a:satMod val="160000"/>
+                </a:schemeClr>
+              </a:gs>
+              <a:gs pos="50000">
+                <a:schemeClr val="accent4">
+                  <a:tint val="44500"/>
+                  <a:satMod val="160000"/>
+                </a:schemeClr>
+              </a:gs>
+              <a:gs pos="100000">
+                <a:schemeClr val="accent4">
+                  <a:tint val="23500"/>
+                  <a:satMod val="160000"/>
+                </a:schemeClr>
+              </a:gs>
+            </a:gsLst>
+            <a:lin ang="2700000" scaled="1"/>
+            <a:tileRect/>
+          </a:gradFill>
           <a:ln>
             <a:noFill/>
           </a:ln>
@@ -6517,19 +5385,19 @@
           </a:fontRef>
         </p:style>
         <p:txBody>
-          <a:bodyPr rtlCol="0" anchor="ctr"/>
+          <a:bodyPr tIns="90000" bIns="90000" rtlCol="0" anchor="t"/>
           <a:lstStyle/>
           <a:p>
             <a:pPr algn="ctr"/>
             <a:r>
-              <a:rPr lang="en-US" altLang="ko-KR" i="1" dirty="0">
+              <a:rPr lang="en-US" altLang="ko-KR" b="1" i="1" dirty="0">
                 <a:solidFill>
                   <a:schemeClr val="accent2"/>
                 </a:solidFill>
               </a:rPr>
-              <a:t>Dictionary-based Model</a:t>
+              <a:t>Lattice + Transformer (Encoder)</a:t>
             </a:r>
-            <a:endParaRPr lang="ko-KR" altLang="en-US" i="1" dirty="0">
+            <a:endParaRPr lang="ko-KR" altLang="en-US" b="1" i="1" dirty="0">
               <a:solidFill>
                 <a:schemeClr val="accent2"/>
               </a:solidFill>
@@ -6537,413 +5405,25 @@
           </a:p>
         </p:txBody>
       </p:sp>
-      <p:sp>
-        <p:nvSpPr>
-          <p:cNvPr id="470" name="순서도: 자기 디스크 469">
+      <p:cxnSp>
+        <p:nvCxnSpPr>
+          <p:cNvPr id="482" name="연결선: 꺾임 481">
             <a:extLst>
               <a:ext uri="{FF2B5EF4-FFF2-40B4-BE49-F238E27FC236}">
-                <a16:creationId xmlns:a16="http://schemas.microsoft.com/office/drawing/2014/main" id="{145B0A9B-E840-F223-364F-93572FCA6D61}"/>
-              </a:ext>
-            </a:extLst>
-          </p:cNvPr>
-          <p:cNvSpPr/>
-          <p:nvPr/>
-        </p:nvSpPr>
-        <p:spPr>
-          <a:xfrm>
-            <a:off x="10296075" y="2892745"/>
-            <a:ext cx="2880000" cy="720000"/>
-          </a:xfrm>
-          <a:prstGeom prst="flowChartMagneticDisk">
-            <a:avLst/>
-          </a:prstGeom>
-        </p:spPr>
-        <p:style>
-          <a:lnRef idx="2">
-            <a:schemeClr val="accent3"/>
-          </a:lnRef>
-          <a:fillRef idx="1">
-            <a:schemeClr val="lt1"/>
-          </a:fillRef>
-          <a:effectRef idx="0">
-            <a:schemeClr val="accent3"/>
-          </a:effectRef>
-          <a:fontRef idx="minor">
-            <a:schemeClr val="dk1"/>
-          </a:fontRef>
-        </p:style>
-        <p:txBody>
-          <a:bodyPr rtlCol="0" anchor="ctr"/>
-          <a:lstStyle/>
-          <a:p>
-            <a:pPr algn="ctr"/>
-            <a:r>
-              <a:rPr lang="en-US" altLang="ko-KR" sz="1600" dirty="0">
-                <a:solidFill>
-                  <a:schemeClr val="dk1"/>
-                </a:solidFill>
-                <a:latin typeface="Cambria Math" panose="02040503050406030204" pitchFamily="18" charset="0"/>
-                <a:ea typeface="Cambria Math" panose="02040503050406030204" pitchFamily="18" charset="0"/>
-              </a:rPr>
-              <a:t>Morpheme-based Lexicon</a:t>
-            </a:r>
-            <a:endParaRPr lang="ko-KR" altLang="en-US" sz="1600" dirty="0">
-              <a:solidFill>
-                <a:schemeClr val="dk1"/>
-              </a:solidFill>
-              <a:latin typeface="Cambria Math" panose="02040503050406030204" pitchFamily="18" charset="0"/>
-              <a:ea typeface="서울남산 장체 M" panose="02020503020101020101" pitchFamily="18" charset="-127"/>
-            </a:endParaRPr>
-          </a:p>
-        </p:txBody>
-      </p:sp>
-      <p:sp>
-        <p:nvSpPr>
-          <p:cNvPr id="471" name="순서도: 자기 디스크 470">
-            <a:extLst>
-              <a:ext uri="{FF2B5EF4-FFF2-40B4-BE49-F238E27FC236}">
-                <a16:creationId xmlns:a16="http://schemas.microsoft.com/office/drawing/2014/main" id="{C2D5514C-D2A6-635E-57A7-11E97829D6DC}"/>
-              </a:ext>
-            </a:extLst>
-          </p:cNvPr>
-          <p:cNvSpPr/>
-          <p:nvPr/>
-        </p:nvSpPr>
-        <p:spPr>
-          <a:xfrm>
-            <a:off x="10296075" y="4248668"/>
-            <a:ext cx="2880000" cy="720000"/>
-          </a:xfrm>
-          <a:prstGeom prst="flowChartMagneticDisk">
-            <a:avLst/>
-          </a:prstGeom>
-        </p:spPr>
-        <p:style>
-          <a:lnRef idx="2">
-            <a:schemeClr val="accent3"/>
-          </a:lnRef>
-          <a:fillRef idx="1">
-            <a:schemeClr val="lt1"/>
-          </a:fillRef>
-          <a:effectRef idx="0">
-            <a:schemeClr val="accent3"/>
-          </a:effectRef>
-          <a:fontRef idx="minor">
-            <a:schemeClr val="dk1"/>
-          </a:fontRef>
-        </p:style>
-        <p:txBody>
-          <a:bodyPr rtlCol="0" anchor="ctr"/>
-          <a:lstStyle/>
-          <a:p>
-            <a:pPr algn="ctr"/>
-            <a:r>
-              <a:rPr lang="en-US" altLang="ko-KR" sz="1600" dirty="0">
-                <a:solidFill>
-                  <a:schemeClr val="dk1"/>
-                </a:solidFill>
-                <a:latin typeface="Cambria Math" panose="02040503050406030204" pitchFamily="18" charset="0"/>
-                <a:ea typeface="Cambria Math" panose="02040503050406030204" pitchFamily="18" charset="0"/>
-              </a:rPr>
-              <a:t>Connection Cost Matrix</a:t>
-            </a:r>
-            <a:endParaRPr lang="ko-KR" altLang="en-US" sz="1600" dirty="0">
-              <a:solidFill>
-                <a:schemeClr val="dk1"/>
-              </a:solidFill>
-              <a:latin typeface="Cambria Math" panose="02040503050406030204" pitchFamily="18" charset="0"/>
-              <a:ea typeface="서울남산 장체 M" panose="02020503020101020101" pitchFamily="18" charset="-127"/>
-            </a:endParaRPr>
-          </a:p>
-        </p:txBody>
-      </p:sp>
-      <p:sp>
-        <p:nvSpPr>
-          <p:cNvPr id="472" name="사각형: 둥근 모서리 471">
-            <a:extLst>
-              <a:ext uri="{FF2B5EF4-FFF2-40B4-BE49-F238E27FC236}">
-                <a16:creationId xmlns:a16="http://schemas.microsoft.com/office/drawing/2014/main" id="{E9278140-CA0A-A090-0942-425E0101289C}"/>
-              </a:ext>
-            </a:extLst>
-          </p:cNvPr>
-          <p:cNvSpPr/>
-          <p:nvPr/>
-        </p:nvSpPr>
-        <p:spPr>
-          <a:xfrm>
-            <a:off x="10116075" y="6810475"/>
-            <a:ext cx="3240000" cy="2376000"/>
-          </a:xfrm>
-          <a:prstGeom prst="roundRect">
-            <a:avLst>
-              <a:gd name="adj" fmla="val 6908"/>
-            </a:avLst>
-          </a:prstGeom>
-          <a:solidFill>
-            <a:schemeClr val="accent3">
-              <a:alpha val="50000"/>
-            </a:schemeClr>
-          </a:solidFill>
-          <a:ln>
-            <a:noFill/>
-          </a:ln>
-        </p:spPr>
-        <p:style>
-          <a:lnRef idx="0">
-            <a:scrgbClr r="0" g="0" b="0"/>
-          </a:lnRef>
-          <a:fillRef idx="0">
-            <a:scrgbClr r="0" g="0" b="0"/>
-          </a:fillRef>
-          <a:effectRef idx="0">
-            <a:scrgbClr r="0" g="0" b="0"/>
-          </a:effectRef>
-          <a:fontRef idx="minor">
-            <a:schemeClr val="lt1"/>
-          </a:fontRef>
-        </p:style>
-        <p:txBody>
-          <a:bodyPr rtlCol="0" anchor="ctr"/>
-          <a:lstStyle/>
-          <a:p>
-            <a:pPr algn="ctr"/>
-            <a:r>
-              <a:rPr lang="en-US" altLang="ko-KR" i="1" dirty="0">
-                <a:solidFill>
-                  <a:schemeClr val="accent2"/>
-                </a:solidFill>
-              </a:rPr>
-              <a:t>Two-stage Re-ranking Model</a:t>
-            </a:r>
-            <a:endParaRPr lang="ko-KR" altLang="en-US" i="1" dirty="0">
-              <a:solidFill>
-                <a:schemeClr val="accent2"/>
-              </a:solidFill>
-            </a:endParaRPr>
-          </a:p>
-        </p:txBody>
-      </p:sp>
-      <p:sp>
-        <p:nvSpPr>
-          <p:cNvPr id="473" name="순서도: 자기 디스크 472">
-            <a:extLst>
-              <a:ext uri="{FF2B5EF4-FFF2-40B4-BE49-F238E27FC236}">
-                <a16:creationId xmlns:a16="http://schemas.microsoft.com/office/drawing/2014/main" id="{2C14D237-2073-6E24-B6B8-8B7348C7EBEB}"/>
-              </a:ext>
-            </a:extLst>
-          </p:cNvPr>
-          <p:cNvSpPr/>
-          <p:nvPr/>
-        </p:nvSpPr>
-        <p:spPr>
-          <a:xfrm>
-            <a:off x="10296075" y="6960514"/>
-            <a:ext cx="2880000" cy="720000"/>
-          </a:xfrm>
-          <a:prstGeom prst="flowChartMagneticDisk">
-            <a:avLst/>
-          </a:prstGeom>
-        </p:spPr>
-        <p:style>
-          <a:lnRef idx="2">
-            <a:schemeClr val="accent3"/>
-          </a:lnRef>
-          <a:fillRef idx="1">
-            <a:schemeClr val="lt1"/>
-          </a:fillRef>
-          <a:effectRef idx="0">
-            <a:schemeClr val="accent3"/>
-          </a:effectRef>
-          <a:fontRef idx="minor">
-            <a:schemeClr val="dk1"/>
-          </a:fontRef>
-        </p:style>
-        <p:txBody>
-          <a:bodyPr rtlCol="0" anchor="ctr"/>
-          <a:lstStyle/>
-          <a:p>
-            <a:pPr algn="ctr"/>
-            <a:r>
-              <a:rPr lang="en-US" altLang="ko-KR" sz="1600" dirty="0">
-                <a:solidFill>
-                  <a:schemeClr val="dk1"/>
-                </a:solidFill>
-                <a:latin typeface="Cambria Math" panose="02040503050406030204" pitchFamily="18" charset="0"/>
-                <a:ea typeface="Cambria Math" panose="02040503050406030204" pitchFamily="18" charset="0"/>
-              </a:rPr>
-              <a:t>First-stage </a:t>
-            </a:r>
-            <a:br>
-              <a:rPr lang="en-US" altLang="ko-KR" sz="1600" dirty="0">
-                <a:solidFill>
-                  <a:schemeClr val="dk1"/>
-                </a:solidFill>
-                <a:latin typeface="Cambria Math" panose="02040503050406030204" pitchFamily="18" charset="0"/>
-                <a:ea typeface="Cambria Math" panose="02040503050406030204" pitchFamily="18" charset="0"/>
-              </a:rPr>
-            </a:br>
-            <a:r>
-              <a:rPr lang="en-US" altLang="ko-KR" sz="1600" dirty="0">
-                <a:solidFill>
-                  <a:schemeClr val="dk1"/>
-                </a:solidFill>
-                <a:latin typeface="Cambria Math" panose="02040503050406030204" pitchFamily="18" charset="0"/>
-                <a:ea typeface="Cambria Math" panose="02040503050406030204" pitchFamily="18" charset="0"/>
-              </a:rPr>
-              <a:t>Re-ranking Model</a:t>
-            </a:r>
-            <a:endParaRPr lang="ko-KR" altLang="en-US" sz="1600" dirty="0">
-              <a:solidFill>
-                <a:schemeClr val="dk1"/>
-              </a:solidFill>
-              <a:latin typeface="Cambria Math" panose="02040503050406030204" pitchFamily="18" charset="0"/>
-              <a:ea typeface="서울남산 장체 M" panose="02020503020101020101" pitchFamily="18" charset="-127"/>
-            </a:endParaRPr>
-          </a:p>
-        </p:txBody>
-      </p:sp>
-      <p:sp>
-        <p:nvSpPr>
-          <p:cNvPr id="474" name="순서도: 자기 디스크 473">
-            <a:extLst>
-              <a:ext uri="{FF2B5EF4-FFF2-40B4-BE49-F238E27FC236}">
-                <a16:creationId xmlns:a16="http://schemas.microsoft.com/office/drawing/2014/main" id="{36B4ED72-B1A0-699E-1354-CC558D676907}"/>
-              </a:ext>
-            </a:extLst>
-          </p:cNvPr>
-          <p:cNvSpPr/>
-          <p:nvPr/>
-        </p:nvSpPr>
-        <p:spPr>
-          <a:xfrm>
-            <a:off x="10296075" y="8316437"/>
-            <a:ext cx="2880000" cy="720000"/>
-          </a:xfrm>
-          <a:prstGeom prst="flowChartMagneticDisk">
-            <a:avLst/>
-          </a:prstGeom>
-        </p:spPr>
-        <p:style>
-          <a:lnRef idx="2">
-            <a:schemeClr val="accent3"/>
-          </a:lnRef>
-          <a:fillRef idx="1">
-            <a:schemeClr val="lt1"/>
-          </a:fillRef>
-          <a:effectRef idx="0">
-            <a:schemeClr val="accent3"/>
-          </a:effectRef>
-          <a:fontRef idx="minor">
-            <a:schemeClr val="dk1"/>
-          </a:fontRef>
-        </p:style>
-        <p:txBody>
-          <a:bodyPr rtlCol="0" anchor="ctr"/>
-          <a:lstStyle/>
-          <a:p>
-            <a:pPr algn="ctr"/>
-            <a:r>
-              <a:rPr lang="en-US" altLang="ko-KR" sz="1600" dirty="0">
-                <a:solidFill>
-                  <a:schemeClr val="dk1"/>
-                </a:solidFill>
-                <a:latin typeface="Cambria Math" panose="02040503050406030204" pitchFamily="18" charset="0"/>
-                <a:ea typeface="Cambria Math" panose="02040503050406030204" pitchFamily="18" charset="0"/>
-              </a:rPr>
-              <a:t>Second-stage </a:t>
-            </a:r>
-            <a:br>
-              <a:rPr lang="en-US" altLang="ko-KR" sz="1600" dirty="0">
-                <a:solidFill>
-                  <a:schemeClr val="dk1"/>
-                </a:solidFill>
-                <a:latin typeface="Cambria Math" panose="02040503050406030204" pitchFamily="18" charset="0"/>
-                <a:ea typeface="Cambria Math" panose="02040503050406030204" pitchFamily="18" charset="0"/>
-              </a:rPr>
-            </a:br>
-            <a:r>
-              <a:rPr lang="en-US" altLang="ko-KR" sz="1600" dirty="0">
-                <a:solidFill>
-                  <a:schemeClr val="dk1"/>
-                </a:solidFill>
-                <a:latin typeface="Cambria Math" panose="02040503050406030204" pitchFamily="18" charset="0"/>
-                <a:ea typeface="Cambria Math" panose="02040503050406030204" pitchFamily="18" charset="0"/>
-              </a:rPr>
-              <a:t>Re-ranking Model</a:t>
-            </a:r>
-            <a:endParaRPr lang="ko-KR" altLang="en-US" sz="1600" dirty="0">
-              <a:solidFill>
-                <a:schemeClr val="dk1"/>
-              </a:solidFill>
-              <a:latin typeface="Cambria Math" panose="02040503050406030204" pitchFamily="18" charset="0"/>
-              <a:ea typeface="서울남산 장체 M" panose="02020503020101020101" pitchFamily="18" charset="-127"/>
-            </a:endParaRPr>
-          </a:p>
-        </p:txBody>
-      </p:sp>
-      <p:cxnSp>
-        <p:nvCxnSpPr>
-          <p:cNvPr id="475" name="직선 화살표 연결선 474">
-            <a:extLst>
-              <a:ext uri="{FF2B5EF4-FFF2-40B4-BE49-F238E27FC236}">
-                <a16:creationId xmlns:a16="http://schemas.microsoft.com/office/drawing/2014/main" id="{666FE266-CFC8-11EA-1932-B0F575D1401B}"/>
+                <a16:creationId xmlns:a16="http://schemas.microsoft.com/office/drawing/2014/main" id="{CACEA1B5-86AD-756E-0C06-55FFC77DC394}"/>
               </a:ext>
             </a:extLst>
           </p:cNvPr>
           <p:cNvCxnSpPr>
             <a:cxnSpLocks/>
-            <a:stCxn id="447" idx="3"/>
-            <a:endCxn id="477" idx="2"/>
-          </p:cNvCxnSpPr>
-          <p:nvPr/>
-        </p:nvCxnSpPr>
-        <p:spPr>
-          <a:xfrm>
-            <a:off x="9396075" y="5964591"/>
-            <a:ext cx="900000" cy="0"/>
-          </a:xfrm>
-          <a:prstGeom prst="straightConnector1">
-            <a:avLst/>
-          </a:prstGeom>
-          <a:ln w="28575">
-            <a:prstDash val="sysDash"/>
-            <a:tailEnd type="stealth" w="lg" len="med"/>
-          </a:ln>
-        </p:spPr>
-        <p:style>
-          <a:lnRef idx="1">
-            <a:schemeClr val="accent3"/>
-          </a:lnRef>
-          <a:fillRef idx="0">
-            <a:schemeClr val="accent3"/>
-          </a:fillRef>
-          <a:effectRef idx="0">
-            <a:schemeClr val="accent3"/>
-          </a:effectRef>
-          <a:fontRef idx="minor">
-            <a:schemeClr val="tx1"/>
-          </a:fontRef>
-        </p:style>
-      </p:cxnSp>
-      <p:cxnSp>
-        <p:nvCxnSpPr>
-          <p:cNvPr id="476" name="연결선: 꺾임 475">
-            <a:extLst>
-              <a:ext uri="{FF2B5EF4-FFF2-40B4-BE49-F238E27FC236}">
-                <a16:creationId xmlns:a16="http://schemas.microsoft.com/office/drawing/2014/main" id="{4690A001-B6EE-9B9B-B150-76D10966FD3A}"/>
-              </a:ext>
-            </a:extLst>
-          </p:cNvPr>
-          <p:cNvCxnSpPr>
-            <a:cxnSpLocks/>
-            <a:stCxn id="477" idx="3"/>
-            <a:endCxn id="479" idx="0"/>
+            <a:stCxn id="397" idx="3"/>
+            <a:endCxn id="509" idx="0"/>
           </p:cNvCxnSpPr>
           <p:nvPr/>
         </p:nvCxnSpPr>
         <p:spPr>
           <a:xfrm rot="5400000">
-            <a:off x="8898114" y="4122552"/>
+            <a:off x="8897808" y="5480434"/>
             <a:ext cx="635923" cy="5040000"/>
           </a:xfrm>
           <a:prstGeom prst="bentConnector3">
@@ -6971,12 +5451,104 @@
           </a:fontRef>
         </p:style>
       </p:cxnSp>
+      <p:cxnSp>
+        <p:nvCxnSpPr>
+          <p:cNvPr id="483" name="연결선: 꺾임 482">
+            <a:extLst>
+              <a:ext uri="{FF2B5EF4-FFF2-40B4-BE49-F238E27FC236}">
+                <a16:creationId xmlns:a16="http://schemas.microsoft.com/office/drawing/2014/main" id="{14239B3F-3EF8-A2EF-F0B0-3EB9B9C5D028}"/>
+              </a:ext>
+            </a:extLst>
+          </p:cNvPr>
+          <p:cNvCxnSpPr>
+            <a:cxnSpLocks/>
+            <a:stCxn id="394" idx="3"/>
+            <a:endCxn id="384" idx="0"/>
+          </p:cNvCxnSpPr>
+          <p:nvPr/>
+        </p:nvCxnSpPr>
+        <p:spPr>
+          <a:xfrm rot="5400000">
+            <a:off x="8897808" y="1412665"/>
+            <a:ext cx="635923" cy="5040000"/>
+          </a:xfrm>
+          <a:prstGeom prst="bentConnector3">
+            <a:avLst>
+              <a:gd name="adj1" fmla="val 50000"/>
+            </a:avLst>
+          </a:prstGeom>
+          <a:ln w="28575">
+            <a:prstDash val="sysDash"/>
+            <a:tailEnd type="stealth" w="lg" len="med"/>
+          </a:ln>
+        </p:spPr>
+        <p:style>
+          <a:lnRef idx="1">
+            <a:schemeClr val="accent3"/>
+          </a:lnRef>
+          <a:fillRef idx="0">
+            <a:schemeClr val="accent3"/>
+          </a:fillRef>
+          <a:effectRef idx="0">
+            <a:schemeClr val="accent3"/>
+          </a:effectRef>
+          <a:fontRef idx="minor">
+            <a:schemeClr val="tx1"/>
+          </a:fontRef>
+        </p:style>
+      </p:cxnSp>
+      <p:cxnSp>
+        <p:nvCxnSpPr>
+          <p:cNvPr id="484" name="연결선: 꺾임 483">
+            <a:extLst>
+              <a:ext uri="{FF2B5EF4-FFF2-40B4-BE49-F238E27FC236}">
+                <a16:creationId xmlns:a16="http://schemas.microsoft.com/office/drawing/2014/main" id="{21C4C226-ECC3-B570-559B-5A38D0B19E88}"/>
+              </a:ext>
+            </a:extLst>
+          </p:cNvPr>
+          <p:cNvCxnSpPr>
+            <a:cxnSpLocks/>
+            <a:stCxn id="393" idx="2"/>
+            <a:endCxn id="511" idx="0"/>
+          </p:cNvCxnSpPr>
+          <p:nvPr/>
+        </p:nvCxnSpPr>
+        <p:spPr>
+          <a:xfrm rot="5400000">
+            <a:off x="8976748" y="2847529"/>
+            <a:ext cx="478042" cy="5040000"/>
+          </a:xfrm>
+          <a:prstGeom prst="bentConnector3">
+            <a:avLst>
+              <a:gd name="adj1" fmla="val 50000"/>
+            </a:avLst>
+          </a:prstGeom>
+          <a:ln w="28575">
+            <a:prstDash val="sysDash"/>
+            <a:tailEnd type="stealth" w="lg" len="med"/>
+          </a:ln>
+        </p:spPr>
+        <p:style>
+          <a:lnRef idx="1">
+            <a:schemeClr val="accent3"/>
+          </a:lnRef>
+          <a:fillRef idx="0">
+            <a:schemeClr val="accent3"/>
+          </a:fillRef>
+          <a:effectRef idx="0">
+            <a:schemeClr val="accent3"/>
+          </a:effectRef>
+          <a:fontRef idx="minor">
+            <a:schemeClr val="tx1"/>
+          </a:fontRef>
+        </p:style>
+      </p:cxnSp>
       <p:sp>
         <p:nvSpPr>
-          <p:cNvPr id="477" name="순서도: 자기 디스크 476">
+          <p:cNvPr id="485" name="순서도: 다중 문서 484">
             <a:extLst>
               <a:ext uri="{FF2B5EF4-FFF2-40B4-BE49-F238E27FC236}">
-                <a16:creationId xmlns:a16="http://schemas.microsoft.com/office/drawing/2014/main" id="{CC467AA8-DF89-DE70-BF7E-3801C1FCD1ED}"/>
+                <a16:creationId xmlns:a16="http://schemas.microsoft.com/office/drawing/2014/main" id="{EA1F963F-E9B0-F58D-CA37-85F9ED1CB9F5}"/>
               </a:ext>
             </a:extLst>
           </p:cNvPr>
@@ -6985,7 +5557,914 @@
         </p:nvSpPr>
         <p:spPr>
           <a:xfrm>
-            <a:off x="10296075" y="5604591"/>
+            <a:off x="4355769" y="38858"/>
+            <a:ext cx="4320000" cy="864000"/>
+          </a:xfrm>
+          <a:prstGeom prst="flowChartMultidocument">
+            <a:avLst/>
+          </a:prstGeom>
+        </p:spPr>
+        <p:style>
+          <a:lnRef idx="2">
+            <a:schemeClr val="accent3"/>
+          </a:lnRef>
+          <a:fillRef idx="1">
+            <a:schemeClr val="lt1"/>
+          </a:fillRef>
+          <a:effectRef idx="0">
+            <a:schemeClr val="accent3"/>
+          </a:effectRef>
+          <a:fontRef idx="minor">
+            <a:schemeClr val="dk1"/>
+          </a:fontRef>
+        </p:style>
+        <p:txBody>
+          <a:bodyPr rtlCol="0" anchor="ctr"/>
+          <a:lstStyle/>
+          <a:p>
+            <a:pPr algn="ctr"/>
+            <a:r>
+              <a:rPr lang="en-US" altLang="ko-KR" sz="1600" dirty="0">
+                <a:latin typeface="Cambria Math" panose="02040503050406030204" pitchFamily="18" charset="0"/>
+                <a:ea typeface="Cambria Math" panose="02040503050406030204" pitchFamily="18" charset="0"/>
+              </a:rPr>
+              <a:t>Morpheme Tagged Corpus</a:t>
+            </a:r>
+            <a:endParaRPr lang="ko-KR" altLang="en-US" sz="1600" dirty="0">
+              <a:latin typeface="Cambria Math" panose="02040503050406030204" pitchFamily="18" charset="0"/>
+              <a:ea typeface="서울남산 장체 M" panose="02020503020101020101" pitchFamily="18" charset="-127"/>
+            </a:endParaRPr>
+          </a:p>
+        </p:txBody>
+      </p:sp>
+      <p:sp>
+        <p:nvSpPr>
+          <p:cNvPr id="486" name="직사각형 485">
+            <a:extLst>
+              <a:ext uri="{FF2B5EF4-FFF2-40B4-BE49-F238E27FC236}">
+                <a16:creationId xmlns:a16="http://schemas.microsoft.com/office/drawing/2014/main" id="{3EBD660E-9CA1-B1FA-9840-75220C5A8FED}"/>
+              </a:ext>
+            </a:extLst>
+          </p:cNvPr>
+          <p:cNvSpPr/>
+          <p:nvPr/>
+        </p:nvSpPr>
+        <p:spPr>
+          <a:xfrm>
+            <a:off x="3635769" y="8318396"/>
+            <a:ext cx="5760000" cy="720000"/>
+          </a:xfrm>
+          <a:prstGeom prst="rect">
+            <a:avLst/>
+          </a:prstGeom>
+          <a:ln w="28575"/>
+        </p:spPr>
+        <p:style>
+          <a:lnRef idx="2">
+            <a:schemeClr val="accent3"/>
+          </a:lnRef>
+          <a:fillRef idx="1">
+            <a:schemeClr val="lt1"/>
+          </a:fillRef>
+          <a:effectRef idx="0">
+            <a:schemeClr val="accent3"/>
+          </a:effectRef>
+          <a:fontRef idx="minor">
+            <a:schemeClr val="dk1"/>
+          </a:fontRef>
+        </p:style>
+        <p:txBody>
+          <a:bodyPr rtlCol="0" anchor="ctr"/>
+          <a:lstStyle/>
+          <a:p>
+            <a:pPr algn="ctr"/>
+            <a:r>
+              <a:rPr lang="en-US" altLang="ko-KR" dirty="0">
+                <a:latin typeface="서울남산 장체 M" panose="02020503020101020101" pitchFamily="18" charset="-127"/>
+                <a:ea typeface="서울남산 장체 M" panose="02020503020101020101" pitchFamily="18" charset="-127"/>
+              </a:rPr>
+              <a:t>Training Second-stage Re-ranking Model</a:t>
+            </a:r>
+            <a:endParaRPr lang="ko-KR" altLang="en-US" dirty="0">
+              <a:latin typeface="서울남산 장체 M" panose="02020503020101020101" pitchFamily="18" charset="-127"/>
+              <a:ea typeface="서울남산 장체 M" panose="02020503020101020101" pitchFamily="18" charset="-127"/>
+            </a:endParaRPr>
+          </a:p>
+        </p:txBody>
+      </p:sp>
+      <p:sp>
+        <p:nvSpPr>
+          <p:cNvPr id="487" name="직사각형 486">
+            <a:extLst>
+              <a:ext uri="{FF2B5EF4-FFF2-40B4-BE49-F238E27FC236}">
+                <a16:creationId xmlns:a16="http://schemas.microsoft.com/office/drawing/2014/main" id="{AF52C17A-0069-4BEC-8BAE-5143D029AB4D}"/>
+              </a:ext>
+            </a:extLst>
+          </p:cNvPr>
+          <p:cNvSpPr/>
+          <p:nvPr/>
+        </p:nvSpPr>
+        <p:spPr>
+          <a:xfrm>
+            <a:off x="3635769" y="1538781"/>
+            <a:ext cx="5760000" cy="720000"/>
+          </a:xfrm>
+          <a:prstGeom prst="rect">
+            <a:avLst/>
+          </a:prstGeom>
+          <a:ln w="28575"/>
+        </p:spPr>
+        <p:style>
+          <a:lnRef idx="2">
+            <a:schemeClr val="accent3"/>
+          </a:lnRef>
+          <a:fillRef idx="1">
+            <a:schemeClr val="lt1"/>
+          </a:fillRef>
+          <a:effectRef idx="0">
+            <a:schemeClr val="accent3"/>
+          </a:effectRef>
+          <a:fontRef idx="minor">
+            <a:schemeClr val="dk1"/>
+          </a:fontRef>
+        </p:style>
+        <p:txBody>
+          <a:bodyPr rtlCol="0" anchor="ctr"/>
+          <a:lstStyle/>
+          <a:p>
+            <a:pPr algn="ctr"/>
+            <a:r>
+              <a:rPr lang="en-US" altLang="ko-KR" dirty="0">
+                <a:latin typeface="서울남산 장체 M" panose="02020503020101020101" pitchFamily="18" charset="-127"/>
+                <a:ea typeface="서울남산 장체 M" panose="02020503020101020101" pitchFamily="18" charset="-127"/>
+              </a:rPr>
+              <a:t>Training Example Transformation</a:t>
+            </a:r>
+            <a:endParaRPr lang="ko-KR" altLang="en-US" dirty="0">
+              <a:latin typeface="서울남산 장체 M" panose="02020503020101020101" pitchFamily="18" charset="-127"/>
+              <a:ea typeface="서울남산 장체 M" panose="02020503020101020101" pitchFamily="18" charset="-127"/>
+            </a:endParaRPr>
+          </a:p>
+        </p:txBody>
+      </p:sp>
+      <p:sp>
+        <p:nvSpPr>
+          <p:cNvPr id="488" name="직사각형 487">
+            <a:extLst>
+              <a:ext uri="{FF2B5EF4-FFF2-40B4-BE49-F238E27FC236}">
+                <a16:creationId xmlns:a16="http://schemas.microsoft.com/office/drawing/2014/main" id="{C7E1BBC2-6A3B-8583-8C20-07B18D7C7376}"/>
+              </a:ext>
+            </a:extLst>
+          </p:cNvPr>
+          <p:cNvSpPr/>
+          <p:nvPr/>
+        </p:nvSpPr>
+        <p:spPr>
+          <a:xfrm>
+            <a:off x="3635769" y="5606550"/>
+            <a:ext cx="5760000" cy="720000"/>
+          </a:xfrm>
+          <a:prstGeom prst="rect">
+            <a:avLst/>
+          </a:prstGeom>
+          <a:ln w="28575"/>
+        </p:spPr>
+        <p:style>
+          <a:lnRef idx="2">
+            <a:schemeClr val="accent3"/>
+          </a:lnRef>
+          <a:fillRef idx="1">
+            <a:schemeClr val="lt1"/>
+          </a:fillRef>
+          <a:effectRef idx="0">
+            <a:schemeClr val="accent3"/>
+          </a:effectRef>
+          <a:fontRef idx="minor">
+            <a:schemeClr val="dk1"/>
+          </a:fontRef>
+        </p:style>
+        <p:txBody>
+          <a:bodyPr rtlCol="0" anchor="ctr"/>
+          <a:lstStyle/>
+          <a:p>
+            <a:pPr algn="ctr"/>
+            <a:r>
+              <a:rPr lang="en-US" altLang="ko-KR" dirty="0">
+                <a:latin typeface="서울남산 장체 M" panose="02020503020101020101" pitchFamily="18" charset="-127"/>
+                <a:ea typeface="서울남산 장체 M" panose="02020503020101020101" pitchFamily="18" charset="-127"/>
+              </a:rPr>
+              <a:t>Lattice Construction and Secondary Path Generation</a:t>
+            </a:r>
+            <a:endParaRPr lang="ko-KR" altLang="en-US" dirty="0">
+              <a:latin typeface="서울남산 장체 M" panose="02020503020101020101" pitchFamily="18" charset="-127"/>
+              <a:ea typeface="서울남산 장체 M" panose="02020503020101020101" pitchFamily="18" charset="-127"/>
+            </a:endParaRPr>
+          </a:p>
+        </p:txBody>
+      </p:sp>
+      <p:cxnSp>
+        <p:nvCxnSpPr>
+          <p:cNvPr id="489" name="직선 화살표 연결선 488">
+            <a:extLst>
+              <a:ext uri="{FF2B5EF4-FFF2-40B4-BE49-F238E27FC236}">
+                <a16:creationId xmlns:a16="http://schemas.microsoft.com/office/drawing/2014/main" id="{325252F0-1CC9-CC40-EB0B-82AF56C3DBFB}"/>
+              </a:ext>
+            </a:extLst>
+          </p:cNvPr>
+          <p:cNvCxnSpPr>
+            <a:cxnSpLocks/>
+          </p:cNvCxnSpPr>
+          <p:nvPr/>
+        </p:nvCxnSpPr>
+        <p:spPr>
+          <a:xfrm>
+            <a:off x="6515769" y="831814"/>
+            <a:ext cx="0" cy="706967"/>
+          </a:xfrm>
+          <a:prstGeom prst="straightConnector1">
+            <a:avLst/>
+          </a:prstGeom>
+          <a:ln w="28575">
+            <a:prstDash val="sysDash"/>
+            <a:tailEnd type="stealth" w="lg" len="med"/>
+          </a:ln>
+        </p:spPr>
+        <p:style>
+          <a:lnRef idx="1">
+            <a:schemeClr val="accent3"/>
+          </a:lnRef>
+          <a:fillRef idx="0">
+            <a:schemeClr val="accent3"/>
+          </a:fillRef>
+          <a:effectRef idx="0">
+            <a:schemeClr val="accent3"/>
+          </a:effectRef>
+          <a:fontRef idx="minor">
+            <a:schemeClr val="tx1"/>
+          </a:fontRef>
+        </p:style>
+      </p:cxnSp>
+      <p:cxnSp>
+        <p:nvCxnSpPr>
+          <p:cNvPr id="490" name="직선 화살표 연결선 489">
+            <a:extLst>
+              <a:ext uri="{FF2B5EF4-FFF2-40B4-BE49-F238E27FC236}">
+                <a16:creationId xmlns:a16="http://schemas.microsoft.com/office/drawing/2014/main" id="{FF0CE364-38A6-732D-7490-6CD602D52C6B}"/>
+              </a:ext>
+            </a:extLst>
+          </p:cNvPr>
+          <p:cNvCxnSpPr>
+            <a:cxnSpLocks/>
+            <a:stCxn id="487" idx="2"/>
+            <a:endCxn id="500" idx="0"/>
+          </p:cNvCxnSpPr>
+          <p:nvPr/>
+        </p:nvCxnSpPr>
+        <p:spPr>
+          <a:xfrm>
+            <a:off x="6515769" y="2258781"/>
+            <a:ext cx="0" cy="635923"/>
+          </a:xfrm>
+          <a:prstGeom prst="straightConnector1">
+            <a:avLst/>
+          </a:prstGeom>
+          <a:ln w="28575">
+            <a:tailEnd type="triangle"/>
+          </a:ln>
+        </p:spPr>
+        <p:style>
+          <a:lnRef idx="1">
+            <a:schemeClr val="accent3"/>
+          </a:lnRef>
+          <a:fillRef idx="0">
+            <a:schemeClr val="accent3"/>
+          </a:fillRef>
+          <a:effectRef idx="0">
+            <a:schemeClr val="accent3"/>
+          </a:effectRef>
+          <a:fontRef idx="minor">
+            <a:schemeClr val="tx1"/>
+          </a:fontRef>
+        </p:style>
+      </p:cxnSp>
+      <p:cxnSp>
+        <p:nvCxnSpPr>
+          <p:cNvPr id="491" name="직선 화살표 연결선 490">
+            <a:extLst>
+              <a:ext uri="{FF2B5EF4-FFF2-40B4-BE49-F238E27FC236}">
+                <a16:creationId xmlns:a16="http://schemas.microsoft.com/office/drawing/2014/main" id="{57E13D06-6049-53B7-F201-A954CB1D9FC7}"/>
+              </a:ext>
+            </a:extLst>
+          </p:cNvPr>
+          <p:cNvCxnSpPr>
+            <a:cxnSpLocks/>
+            <a:stCxn id="500" idx="2"/>
+            <a:endCxn id="499" idx="0"/>
+          </p:cNvCxnSpPr>
+          <p:nvPr/>
+        </p:nvCxnSpPr>
+        <p:spPr>
+          <a:xfrm>
+            <a:off x="6515769" y="3614704"/>
+            <a:ext cx="0" cy="635923"/>
+          </a:xfrm>
+          <a:prstGeom prst="straightConnector1">
+            <a:avLst/>
+          </a:prstGeom>
+          <a:ln w="28575">
+            <a:tailEnd type="triangle"/>
+          </a:ln>
+        </p:spPr>
+        <p:style>
+          <a:lnRef idx="1">
+            <a:schemeClr val="accent3"/>
+          </a:lnRef>
+          <a:fillRef idx="0">
+            <a:schemeClr val="accent3"/>
+          </a:fillRef>
+          <a:effectRef idx="0">
+            <a:schemeClr val="accent3"/>
+          </a:effectRef>
+          <a:fontRef idx="minor">
+            <a:schemeClr val="tx1"/>
+          </a:fontRef>
+        </p:style>
+      </p:cxnSp>
+      <p:cxnSp>
+        <p:nvCxnSpPr>
+          <p:cNvPr id="492" name="직선 화살표 연결선 491">
+            <a:extLst>
+              <a:ext uri="{FF2B5EF4-FFF2-40B4-BE49-F238E27FC236}">
+                <a16:creationId xmlns:a16="http://schemas.microsoft.com/office/drawing/2014/main" id="{F76CF750-8B94-D410-F4BB-3166EC248B0E}"/>
+              </a:ext>
+            </a:extLst>
+          </p:cNvPr>
+          <p:cNvCxnSpPr>
+            <a:cxnSpLocks/>
+            <a:stCxn id="499" idx="2"/>
+            <a:endCxn id="488" idx="0"/>
+          </p:cNvCxnSpPr>
+          <p:nvPr/>
+        </p:nvCxnSpPr>
+        <p:spPr>
+          <a:xfrm>
+            <a:off x="6515769" y="4970627"/>
+            <a:ext cx="0" cy="635923"/>
+          </a:xfrm>
+          <a:prstGeom prst="straightConnector1">
+            <a:avLst/>
+          </a:prstGeom>
+          <a:ln w="28575">
+            <a:tailEnd type="triangle"/>
+          </a:ln>
+        </p:spPr>
+        <p:style>
+          <a:lnRef idx="1">
+            <a:schemeClr val="accent3"/>
+          </a:lnRef>
+          <a:fillRef idx="0">
+            <a:schemeClr val="accent3"/>
+          </a:fillRef>
+          <a:effectRef idx="0">
+            <a:schemeClr val="accent3"/>
+          </a:effectRef>
+          <a:fontRef idx="minor">
+            <a:schemeClr val="tx1"/>
+          </a:fontRef>
+        </p:style>
+      </p:cxnSp>
+      <p:cxnSp>
+        <p:nvCxnSpPr>
+          <p:cNvPr id="493" name="직선 화살표 연결선 492">
+            <a:extLst>
+              <a:ext uri="{FF2B5EF4-FFF2-40B4-BE49-F238E27FC236}">
+                <a16:creationId xmlns:a16="http://schemas.microsoft.com/office/drawing/2014/main" id="{1049B2CD-9CD8-6B7B-E1D2-CFAA50C09211}"/>
+              </a:ext>
+            </a:extLst>
+          </p:cNvPr>
+          <p:cNvCxnSpPr>
+            <a:cxnSpLocks/>
+            <a:stCxn id="488" idx="2"/>
+            <a:endCxn id="494" idx="0"/>
+          </p:cNvCxnSpPr>
+          <p:nvPr/>
+        </p:nvCxnSpPr>
+        <p:spPr>
+          <a:xfrm>
+            <a:off x="6515769" y="6326550"/>
+            <a:ext cx="0" cy="635923"/>
+          </a:xfrm>
+          <a:prstGeom prst="straightConnector1">
+            <a:avLst/>
+          </a:prstGeom>
+          <a:ln w="28575">
+            <a:tailEnd type="triangle"/>
+          </a:ln>
+        </p:spPr>
+        <p:style>
+          <a:lnRef idx="1">
+            <a:schemeClr val="accent3"/>
+          </a:lnRef>
+          <a:fillRef idx="0">
+            <a:schemeClr val="accent3"/>
+          </a:fillRef>
+          <a:effectRef idx="0">
+            <a:schemeClr val="accent3"/>
+          </a:effectRef>
+          <a:fontRef idx="minor">
+            <a:schemeClr val="tx1"/>
+          </a:fontRef>
+        </p:style>
+      </p:cxnSp>
+      <p:sp>
+        <p:nvSpPr>
+          <p:cNvPr id="494" name="직사각형 493">
+            <a:extLst>
+              <a:ext uri="{FF2B5EF4-FFF2-40B4-BE49-F238E27FC236}">
+                <a16:creationId xmlns:a16="http://schemas.microsoft.com/office/drawing/2014/main" id="{40D6422F-E60F-BAE1-A158-42B0380910C1}"/>
+              </a:ext>
+            </a:extLst>
+          </p:cNvPr>
+          <p:cNvSpPr/>
+          <p:nvPr/>
+        </p:nvSpPr>
+        <p:spPr>
+          <a:xfrm>
+            <a:off x="3635769" y="6962473"/>
+            <a:ext cx="5760000" cy="720000"/>
+          </a:xfrm>
+          <a:prstGeom prst="rect">
+            <a:avLst/>
+          </a:prstGeom>
+          <a:ln w="28575"/>
+        </p:spPr>
+        <p:style>
+          <a:lnRef idx="2">
+            <a:schemeClr val="accent3"/>
+          </a:lnRef>
+          <a:fillRef idx="1">
+            <a:schemeClr val="lt1"/>
+          </a:fillRef>
+          <a:effectRef idx="0">
+            <a:schemeClr val="accent3"/>
+          </a:effectRef>
+          <a:fontRef idx="minor">
+            <a:schemeClr val="dk1"/>
+          </a:fontRef>
+        </p:style>
+        <p:txBody>
+          <a:bodyPr rtlCol="0" anchor="ctr"/>
+          <a:lstStyle/>
+          <a:p>
+            <a:pPr algn="ctr"/>
+            <a:r>
+              <a:rPr lang="en-US" altLang="ko-KR" dirty="0">
+                <a:latin typeface="서울남산 장체 M" panose="02020503020101020101" pitchFamily="18" charset="-127"/>
+                <a:ea typeface="서울남산 장체 M" panose="02020503020101020101" pitchFamily="18" charset="-127"/>
+              </a:rPr>
+              <a:t>Training First-stage Re-ranking Model</a:t>
+            </a:r>
+            <a:endParaRPr lang="ko-KR" altLang="en-US" dirty="0">
+              <a:latin typeface="서울남산 장체 M" panose="02020503020101020101" pitchFamily="18" charset="-127"/>
+              <a:ea typeface="서울남산 장체 M" panose="02020503020101020101" pitchFamily="18" charset="-127"/>
+            </a:endParaRPr>
+          </a:p>
+        </p:txBody>
+      </p:sp>
+      <p:cxnSp>
+        <p:nvCxnSpPr>
+          <p:cNvPr id="495" name="직선 화살표 연결선 494">
+            <a:extLst>
+              <a:ext uri="{FF2B5EF4-FFF2-40B4-BE49-F238E27FC236}">
+                <a16:creationId xmlns:a16="http://schemas.microsoft.com/office/drawing/2014/main" id="{EACC0B52-A310-DE87-0E61-B7DADE1AEC2B}"/>
+              </a:ext>
+            </a:extLst>
+          </p:cNvPr>
+          <p:cNvCxnSpPr>
+            <a:cxnSpLocks/>
+            <a:stCxn id="487" idx="1"/>
+            <a:endCxn id="504" idx="4"/>
+          </p:cNvCxnSpPr>
+          <p:nvPr/>
+        </p:nvCxnSpPr>
+        <p:spPr>
+          <a:xfrm flipH="1">
+            <a:off x="2915769" y="1898781"/>
+            <a:ext cx="720000" cy="0"/>
+          </a:xfrm>
+          <a:prstGeom prst="straightConnector1">
+            <a:avLst/>
+          </a:prstGeom>
+          <a:ln w="28575">
+            <a:prstDash val="sysDash"/>
+            <a:tailEnd type="stealth" w="lg" len="med"/>
+          </a:ln>
+        </p:spPr>
+        <p:style>
+          <a:lnRef idx="1">
+            <a:schemeClr val="accent3"/>
+          </a:lnRef>
+          <a:fillRef idx="0">
+            <a:schemeClr val="accent3"/>
+          </a:fillRef>
+          <a:effectRef idx="0">
+            <a:schemeClr val="accent3"/>
+          </a:effectRef>
+          <a:fontRef idx="minor">
+            <a:schemeClr val="tx1"/>
+          </a:fontRef>
+        </p:style>
+      </p:cxnSp>
+      <p:cxnSp>
+        <p:nvCxnSpPr>
+          <p:cNvPr id="496" name="직선 화살표 연결선 495">
+            <a:extLst>
+              <a:ext uri="{FF2B5EF4-FFF2-40B4-BE49-F238E27FC236}">
+                <a16:creationId xmlns:a16="http://schemas.microsoft.com/office/drawing/2014/main" id="{8485B590-44B8-FA75-50F7-286304F630E8}"/>
+              </a:ext>
+            </a:extLst>
+          </p:cNvPr>
+          <p:cNvCxnSpPr>
+            <a:cxnSpLocks/>
+            <a:stCxn id="500" idx="3"/>
+            <a:endCxn id="394" idx="2"/>
+          </p:cNvCxnSpPr>
+          <p:nvPr/>
+        </p:nvCxnSpPr>
+        <p:spPr>
+          <a:xfrm>
+            <a:off x="9395769" y="3254704"/>
+            <a:ext cx="900000" cy="0"/>
+          </a:xfrm>
+          <a:prstGeom prst="straightConnector1">
+            <a:avLst/>
+          </a:prstGeom>
+          <a:ln w="28575">
+            <a:prstDash val="sysDash"/>
+            <a:tailEnd type="stealth" w="lg" len="med"/>
+          </a:ln>
+        </p:spPr>
+        <p:style>
+          <a:lnRef idx="1">
+            <a:schemeClr val="accent3"/>
+          </a:lnRef>
+          <a:fillRef idx="0">
+            <a:schemeClr val="accent3"/>
+          </a:fillRef>
+          <a:effectRef idx="0">
+            <a:schemeClr val="accent3"/>
+          </a:effectRef>
+          <a:fontRef idx="minor">
+            <a:schemeClr val="tx1"/>
+          </a:fontRef>
+        </p:style>
+      </p:cxnSp>
+      <p:cxnSp>
+        <p:nvCxnSpPr>
+          <p:cNvPr id="497" name="직선 화살표 연결선 496">
+            <a:extLst>
+              <a:ext uri="{FF2B5EF4-FFF2-40B4-BE49-F238E27FC236}">
+                <a16:creationId xmlns:a16="http://schemas.microsoft.com/office/drawing/2014/main" id="{F8B87A7F-1D92-0570-00A8-97B544CDD491}"/>
+              </a:ext>
+            </a:extLst>
+          </p:cNvPr>
+          <p:cNvCxnSpPr>
+            <a:cxnSpLocks/>
+            <a:stCxn id="499" idx="3"/>
+            <a:endCxn id="395" idx="2"/>
+          </p:cNvCxnSpPr>
+          <p:nvPr/>
+        </p:nvCxnSpPr>
+        <p:spPr>
+          <a:xfrm>
+            <a:off x="9395769" y="4610627"/>
+            <a:ext cx="900000" cy="0"/>
+          </a:xfrm>
+          <a:prstGeom prst="straightConnector1">
+            <a:avLst/>
+          </a:prstGeom>
+          <a:ln w="28575">
+            <a:prstDash val="sysDash"/>
+            <a:tailEnd type="stealth" w="lg" len="med"/>
+          </a:ln>
+        </p:spPr>
+        <p:style>
+          <a:lnRef idx="1">
+            <a:schemeClr val="accent3"/>
+          </a:lnRef>
+          <a:fillRef idx="0">
+            <a:schemeClr val="accent3"/>
+          </a:fillRef>
+          <a:effectRef idx="0">
+            <a:schemeClr val="accent3"/>
+          </a:effectRef>
+          <a:fontRef idx="minor">
+            <a:schemeClr val="tx1"/>
+          </a:fontRef>
+        </p:style>
+      </p:cxnSp>
+      <p:cxnSp>
+        <p:nvCxnSpPr>
+          <p:cNvPr id="498" name="연결선: 구부러짐 497">
+            <a:extLst>
+              <a:ext uri="{FF2B5EF4-FFF2-40B4-BE49-F238E27FC236}">
+                <a16:creationId xmlns:a16="http://schemas.microsoft.com/office/drawing/2014/main" id="{2169835F-7121-365C-74EF-5C632B0DA901}"/>
+              </a:ext>
+            </a:extLst>
+          </p:cNvPr>
+          <p:cNvCxnSpPr>
+            <a:cxnSpLocks/>
+            <a:stCxn id="499" idx="3"/>
+            <a:endCxn id="394" idx="2"/>
+          </p:cNvCxnSpPr>
+          <p:nvPr/>
+        </p:nvCxnSpPr>
+        <p:spPr>
+          <a:xfrm flipV="1">
+            <a:off x="9395769" y="3254704"/>
+            <a:ext cx="900000" cy="1355923"/>
+          </a:xfrm>
+          <a:prstGeom prst="curvedConnector3">
+            <a:avLst>
+              <a:gd name="adj1" fmla="val 50000"/>
+            </a:avLst>
+          </a:prstGeom>
+          <a:ln w="28575">
+            <a:prstDash val="sysDash"/>
+            <a:tailEnd type="stealth" w="lg" len="med"/>
+          </a:ln>
+        </p:spPr>
+        <p:style>
+          <a:lnRef idx="1">
+            <a:schemeClr val="accent3"/>
+          </a:lnRef>
+          <a:fillRef idx="0">
+            <a:schemeClr val="accent3"/>
+          </a:fillRef>
+          <a:effectRef idx="0">
+            <a:schemeClr val="accent3"/>
+          </a:effectRef>
+          <a:fontRef idx="minor">
+            <a:schemeClr val="tx1"/>
+          </a:fontRef>
+        </p:style>
+      </p:cxnSp>
+      <p:sp>
+        <p:nvSpPr>
+          <p:cNvPr id="499" name="직사각형 498">
+            <a:extLst>
+              <a:ext uri="{FF2B5EF4-FFF2-40B4-BE49-F238E27FC236}">
+                <a16:creationId xmlns:a16="http://schemas.microsoft.com/office/drawing/2014/main" id="{C00EC993-D920-A457-DAF7-31C42756BE7C}"/>
+              </a:ext>
+            </a:extLst>
+          </p:cNvPr>
+          <p:cNvSpPr/>
+          <p:nvPr/>
+        </p:nvSpPr>
+        <p:spPr>
+          <a:xfrm>
+            <a:off x="3635769" y="4250627"/>
+            <a:ext cx="5760000" cy="720000"/>
+          </a:xfrm>
+          <a:prstGeom prst="rect">
+            <a:avLst/>
+          </a:prstGeom>
+          <a:ln w="28575"/>
+        </p:spPr>
+        <p:style>
+          <a:lnRef idx="2">
+            <a:schemeClr val="accent3"/>
+          </a:lnRef>
+          <a:fillRef idx="1">
+            <a:schemeClr val="lt1"/>
+          </a:fillRef>
+          <a:effectRef idx="0">
+            <a:schemeClr val="accent3"/>
+          </a:effectRef>
+          <a:fontRef idx="minor">
+            <a:schemeClr val="dk1"/>
+          </a:fontRef>
+        </p:style>
+        <p:txBody>
+          <a:bodyPr rtlCol="0" anchor="ctr"/>
+          <a:lstStyle/>
+          <a:p>
+            <a:pPr algn="ctr"/>
+            <a:r>
+              <a:rPr lang="en-US" altLang="ko-KR" dirty="0">
+                <a:latin typeface="서울남산 장체 M" panose="02020503020101020101" pitchFamily="18" charset="-127"/>
+                <a:ea typeface="서울남산 장체 M" panose="02020503020101020101" pitchFamily="18" charset="-127"/>
+              </a:rPr>
+              <a:t>Training Lexicon Node Value and Connection Cost Matrix</a:t>
+            </a:r>
+            <a:endParaRPr lang="ko-KR" altLang="en-US" dirty="0">
+              <a:latin typeface="서울남산 장체 M" panose="02020503020101020101" pitchFamily="18" charset="-127"/>
+              <a:ea typeface="서울남산 장체 M" panose="02020503020101020101" pitchFamily="18" charset="-127"/>
+            </a:endParaRPr>
+          </a:p>
+        </p:txBody>
+      </p:sp>
+      <p:sp>
+        <p:nvSpPr>
+          <p:cNvPr id="500" name="직사각형 499">
+            <a:extLst>
+              <a:ext uri="{FF2B5EF4-FFF2-40B4-BE49-F238E27FC236}">
+                <a16:creationId xmlns:a16="http://schemas.microsoft.com/office/drawing/2014/main" id="{C1DB0E53-A011-BE27-7279-402C30253140}"/>
+              </a:ext>
+            </a:extLst>
+          </p:cNvPr>
+          <p:cNvSpPr/>
+          <p:nvPr/>
+        </p:nvSpPr>
+        <p:spPr>
+          <a:xfrm>
+            <a:off x="3635769" y="2894704"/>
+            <a:ext cx="5760000" cy="720000"/>
+          </a:xfrm>
+          <a:prstGeom prst="rect">
+            <a:avLst/>
+          </a:prstGeom>
+          <a:ln w="28575"/>
+        </p:spPr>
+        <p:style>
+          <a:lnRef idx="2">
+            <a:schemeClr val="accent3"/>
+          </a:lnRef>
+          <a:fillRef idx="1">
+            <a:schemeClr val="lt1"/>
+          </a:fillRef>
+          <a:effectRef idx="0">
+            <a:schemeClr val="accent3"/>
+          </a:effectRef>
+          <a:fontRef idx="minor">
+            <a:schemeClr val="dk1"/>
+          </a:fontRef>
+        </p:style>
+        <p:txBody>
+          <a:bodyPr rtlCol="0" anchor="ctr"/>
+          <a:lstStyle/>
+          <a:p>
+            <a:pPr algn="ctr"/>
+            <a:r>
+              <a:rPr lang="en-US" altLang="ko-KR" dirty="0">
+                <a:latin typeface="서울남산 장체 M" panose="02020503020101020101" pitchFamily="18" charset="-127"/>
+                <a:ea typeface="서울남산 장체 M" panose="02020503020101020101" pitchFamily="18" charset="-127"/>
+              </a:rPr>
+              <a:t>Basic Morpheme-based Lexicon Construction</a:t>
+            </a:r>
+            <a:endParaRPr lang="ko-KR" altLang="en-US" dirty="0">
+              <a:latin typeface="서울남산 장체 M" panose="02020503020101020101" pitchFamily="18" charset="-127"/>
+              <a:ea typeface="서울남산 장체 M" panose="02020503020101020101" pitchFamily="18" charset="-127"/>
+            </a:endParaRPr>
+          </a:p>
+        </p:txBody>
+      </p:sp>
+      <p:cxnSp>
+        <p:nvCxnSpPr>
+          <p:cNvPr id="501" name="직선 화살표 연결선 500">
+            <a:extLst>
+              <a:ext uri="{FF2B5EF4-FFF2-40B4-BE49-F238E27FC236}">
+                <a16:creationId xmlns:a16="http://schemas.microsoft.com/office/drawing/2014/main" id="{0B699B35-7B54-E597-F5F1-77353A79BED4}"/>
+              </a:ext>
+            </a:extLst>
+          </p:cNvPr>
+          <p:cNvCxnSpPr>
+            <a:cxnSpLocks/>
+            <a:stCxn id="494" idx="2"/>
+            <a:endCxn id="486" idx="0"/>
+          </p:cNvCxnSpPr>
+          <p:nvPr/>
+        </p:nvCxnSpPr>
+        <p:spPr>
+          <a:xfrm>
+            <a:off x="6515769" y="7682473"/>
+            <a:ext cx="0" cy="635923"/>
+          </a:xfrm>
+          <a:prstGeom prst="straightConnector1">
+            <a:avLst/>
+          </a:prstGeom>
+          <a:ln w="28575">
+            <a:tailEnd type="triangle"/>
+          </a:ln>
+        </p:spPr>
+        <p:style>
+          <a:lnRef idx="1">
+            <a:schemeClr val="accent3"/>
+          </a:lnRef>
+          <a:fillRef idx="0">
+            <a:schemeClr val="accent3"/>
+          </a:fillRef>
+          <a:effectRef idx="0">
+            <a:schemeClr val="accent3"/>
+          </a:effectRef>
+          <a:fontRef idx="minor">
+            <a:schemeClr val="tx1"/>
+          </a:fontRef>
+        </p:style>
+      </p:cxnSp>
+      <p:cxnSp>
+        <p:nvCxnSpPr>
+          <p:cNvPr id="502" name="직선 화살표 연결선 501">
+            <a:extLst>
+              <a:ext uri="{FF2B5EF4-FFF2-40B4-BE49-F238E27FC236}">
+                <a16:creationId xmlns:a16="http://schemas.microsoft.com/office/drawing/2014/main" id="{663FE60D-C4BE-1B80-F95C-2E46B899DC2D}"/>
+              </a:ext>
+            </a:extLst>
+          </p:cNvPr>
+          <p:cNvCxnSpPr>
+            <a:cxnSpLocks/>
+            <a:stCxn id="494" idx="3"/>
+            <a:endCxn id="397" idx="2"/>
+          </p:cNvCxnSpPr>
+          <p:nvPr/>
+        </p:nvCxnSpPr>
+        <p:spPr>
+          <a:xfrm>
+            <a:off x="9395769" y="7322473"/>
+            <a:ext cx="900000" cy="0"/>
+          </a:xfrm>
+          <a:prstGeom prst="straightConnector1">
+            <a:avLst/>
+          </a:prstGeom>
+          <a:ln w="28575">
+            <a:prstDash val="sysDash"/>
+            <a:tailEnd type="stealth" w="lg" len="med"/>
+          </a:ln>
+        </p:spPr>
+        <p:style>
+          <a:lnRef idx="1">
+            <a:schemeClr val="accent3"/>
+          </a:lnRef>
+          <a:fillRef idx="0">
+            <a:schemeClr val="accent3"/>
+          </a:fillRef>
+          <a:effectRef idx="0">
+            <a:schemeClr val="accent3"/>
+          </a:effectRef>
+          <a:fontRef idx="minor">
+            <a:schemeClr val="tx1"/>
+          </a:fontRef>
+        </p:style>
+      </p:cxnSp>
+      <p:cxnSp>
+        <p:nvCxnSpPr>
+          <p:cNvPr id="503" name="직선 화살표 연결선 502">
+            <a:extLst>
+              <a:ext uri="{FF2B5EF4-FFF2-40B4-BE49-F238E27FC236}">
+                <a16:creationId xmlns:a16="http://schemas.microsoft.com/office/drawing/2014/main" id="{E3E82FC6-4891-DBFC-DDBC-1F4407176F8A}"/>
+              </a:ext>
+            </a:extLst>
+          </p:cNvPr>
+          <p:cNvCxnSpPr>
+            <a:cxnSpLocks/>
+            <a:stCxn id="486" idx="3"/>
+            <a:endCxn id="398" idx="2"/>
+          </p:cNvCxnSpPr>
+          <p:nvPr/>
+        </p:nvCxnSpPr>
+        <p:spPr>
+          <a:xfrm>
+            <a:off x="9395769" y="8678396"/>
+            <a:ext cx="900000" cy="0"/>
+          </a:xfrm>
+          <a:prstGeom prst="straightConnector1">
+            <a:avLst/>
+          </a:prstGeom>
+          <a:ln w="28575">
+            <a:prstDash val="sysDash"/>
+            <a:tailEnd type="stealth" w="lg" len="med"/>
+          </a:ln>
+        </p:spPr>
+        <p:style>
+          <a:lnRef idx="1">
+            <a:schemeClr val="accent3"/>
+          </a:lnRef>
+          <a:fillRef idx="0">
+            <a:schemeClr val="accent3"/>
+          </a:fillRef>
+          <a:effectRef idx="0">
+            <a:schemeClr val="accent3"/>
+          </a:effectRef>
+          <a:fontRef idx="minor">
+            <a:schemeClr val="tx1"/>
+          </a:fontRef>
+        </p:style>
+      </p:cxnSp>
+      <p:sp>
+        <p:nvSpPr>
+          <p:cNvPr id="504" name="순서도: 자기 디스크 503">
+            <a:extLst>
+              <a:ext uri="{FF2B5EF4-FFF2-40B4-BE49-F238E27FC236}">
+                <a16:creationId xmlns:a16="http://schemas.microsoft.com/office/drawing/2014/main" id="{60A5E88D-C85D-FEFD-2BDD-CCD3BB6CA1A2}"/>
+              </a:ext>
+            </a:extLst>
+          </p:cNvPr>
+          <p:cNvSpPr/>
+          <p:nvPr/>
+        </p:nvSpPr>
+        <p:spPr>
+          <a:xfrm>
+            <a:off x="35769" y="1538781"/>
             <a:ext cx="2880000" cy="720000"/>
           </a:xfrm>
           <a:prstGeom prst="flowChartMagneticDisk">
@@ -7019,28 +6498,9 @@
                 <a:latin typeface="Cambria Math" panose="02040503050406030204" pitchFamily="18" charset="0"/>
                 <a:ea typeface="Cambria Math" panose="02040503050406030204" pitchFamily="18" charset="0"/>
               </a:rPr>
-              <a:t>Secondary Paths </a:t>
+              <a:t>Training Sample Set</a:t>
             </a:r>
-            <a:br>
-              <a:rPr lang="en-US" altLang="ko-KR" sz="1600" dirty="0">
-                <a:solidFill>
-                  <a:schemeClr val="dk1"/>
-                </a:solidFill>
-                <a:latin typeface="Cambria Math" panose="02040503050406030204" pitchFamily="18" charset="0"/>
-                <a:ea typeface="Cambria Math" panose="02040503050406030204" pitchFamily="18" charset="0"/>
-              </a:rPr>
-            </a:br>
-            <a:r>
-              <a:rPr lang="en-US" altLang="ko-KR" sz="1600" dirty="0">
-                <a:solidFill>
-                  <a:schemeClr val="dk1"/>
-                </a:solidFill>
-                <a:latin typeface="Cambria Math" panose="02040503050406030204" pitchFamily="18" charset="0"/>
-                <a:ea typeface="Cambria Math" panose="02040503050406030204" pitchFamily="18" charset="0"/>
-              </a:rPr>
-              <a:t>per Training Sample</a:t>
-            </a:r>
-            <a:endParaRPr lang="ko-KR" altLang="en-US" sz="1600" dirty="0">
+            <a:endParaRPr lang="ko-KR" altLang="en-US" sz="1200" dirty="0">
               <a:solidFill>
                 <a:schemeClr val="dk1"/>
               </a:solidFill>
@@ -7050,12 +6510,683 @@
           </a:p>
         </p:txBody>
       </p:sp>
+      <p:cxnSp>
+        <p:nvCxnSpPr>
+          <p:cNvPr id="505" name="연결선: 꺾임 504">
+            <a:extLst>
+              <a:ext uri="{FF2B5EF4-FFF2-40B4-BE49-F238E27FC236}">
+                <a16:creationId xmlns:a16="http://schemas.microsoft.com/office/drawing/2014/main" id="{F2C1D6FC-D837-2F11-0C36-AE2E073EFCBB}"/>
+              </a:ext>
+            </a:extLst>
+          </p:cNvPr>
+          <p:cNvCxnSpPr>
+            <a:cxnSpLocks/>
+            <a:stCxn id="504" idx="3"/>
+            <a:endCxn id="486" idx="1"/>
+          </p:cNvCxnSpPr>
+          <p:nvPr/>
+        </p:nvCxnSpPr>
+        <p:spPr>
+          <a:xfrm rot="16200000" flipH="1">
+            <a:off x="-654038" y="4388588"/>
+            <a:ext cx="6419615" cy="2160000"/>
+          </a:xfrm>
+          <a:prstGeom prst="bentConnector2">
+            <a:avLst/>
+          </a:prstGeom>
+          <a:ln w="28575">
+            <a:prstDash val="sysDash"/>
+            <a:tailEnd type="stealth" w="lg" len="med"/>
+          </a:ln>
+        </p:spPr>
+        <p:style>
+          <a:lnRef idx="1">
+            <a:schemeClr val="accent3"/>
+          </a:lnRef>
+          <a:fillRef idx="0">
+            <a:schemeClr val="accent3"/>
+          </a:fillRef>
+          <a:effectRef idx="0">
+            <a:schemeClr val="accent3"/>
+          </a:effectRef>
+          <a:fontRef idx="minor">
+            <a:schemeClr val="tx1"/>
+          </a:fontRef>
+        </p:style>
+      </p:cxnSp>
+      <p:cxnSp>
+        <p:nvCxnSpPr>
+          <p:cNvPr id="506" name="직선 화살표 연결선 505">
+            <a:extLst>
+              <a:ext uri="{FF2B5EF4-FFF2-40B4-BE49-F238E27FC236}">
+                <a16:creationId xmlns:a16="http://schemas.microsoft.com/office/drawing/2014/main" id="{18592F13-C805-6F9D-0B5C-48356418BA6B}"/>
+              </a:ext>
+            </a:extLst>
+          </p:cNvPr>
+          <p:cNvCxnSpPr>
+            <a:cxnSpLocks/>
+            <a:stCxn id="488" idx="3"/>
+            <a:endCxn id="399" idx="2"/>
+          </p:cNvCxnSpPr>
+          <p:nvPr/>
+        </p:nvCxnSpPr>
+        <p:spPr>
+          <a:xfrm>
+            <a:off x="9395769" y="5966550"/>
+            <a:ext cx="900000" cy="0"/>
+          </a:xfrm>
+          <a:prstGeom prst="straightConnector1">
+            <a:avLst/>
+          </a:prstGeom>
+          <a:ln w="28575">
+            <a:prstDash val="sysDash"/>
+            <a:tailEnd type="stealth" w="lg" len="med"/>
+          </a:ln>
+        </p:spPr>
+        <p:style>
+          <a:lnRef idx="1">
+            <a:schemeClr val="accent3"/>
+          </a:lnRef>
+          <a:fillRef idx="0">
+            <a:schemeClr val="accent3"/>
+          </a:fillRef>
+          <a:effectRef idx="0">
+            <a:schemeClr val="accent3"/>
+          </a:effectRef>
+          <a:fontRef idx="minor">
+            <a:schemeClr val="tx1"/>
+          </a:fontRef>
+        </p:style>
+      </p:cxnSp>
+      <p:cxnSp>
+        <p:nvCxnSpPr>
+          <p:cNvPr id="507" name="연결선: 꺾임 506">
+            <a:extLst>
+              <a:ext uri="{FF2B5EF4-FFF2-40B4-BE49-F238E27FC236}">
+                <a16:creationId xmlns:a16="http://schemas.microsoft.com/office/drawing/2014/main" id="{D7BDE35C-8463-1E31-2ED8-2D12C7AB2BDD}"/>
+              </a:ext>
+            </a:extLst>
+          </p:cNvPr>
+          <p:cNvCxnSpPr>
+            <a:cxnSpLocks/>
+            <a:stCxn id="399" idx="3"/>
+            <a:endCxn id="510" idx="0"/>
+          </p:cNvCxnSpPr>
+          <p:nvPr/>
+        </p:nvCxnSpPr>
+        <p:spPr>
+          <a:xfrm rot="5400000">
+            <a:off x="8897808" y="4124511"/>
+            <a:ext cx="635923" cy="5040000"/>
+          </a:xfrm>
+          <a:prstGeom prst="bentConnector3">
+            <a:avLst>
+              <a:gd name="adj1" fmla="val 50000"/>
+            </a:avLst>
+          </a:prstGeom>
+          <a:ln w="28575">
+            <a:prstDash val="sysDash"/>
+            <a:tailEnd type="stealth" w="lg" len="med"/>
+          </a:ln>
+        </p:spPr>
+        <p:style>
+          <a:lnRef idx="1">
+            <a:schemeClr val="accent3"/>
+          </a:lnRef>
+          <a:fillRef idx="0">
+            <a:schemeClr val="accent3"/>
+          </a:fillRef>
+          <a:effectRef idx="0">
+            <a:schemeClr val="accent3"/>
+          </a:effectRef>
+          <a:fontRef idx="minor">
+            <a:schemeClr val="tx1"/>
+          </a:fontRef>
+        </p:style>
+      </p:cxnSp>
+      <p:grpSp>
+        <p:nvGrpSpPr>
+          <p:cNvPr id="508" name="그룹 507">
+            <a:extLst>
+              <a:ext uri="{FF2B5EF4-FFF2-40B4-BE49-F238E27FC236}">
+                <a16:creationId xmlns:a16="http://schemas.microsoft.com/office/drawing/2014/main" id="{45225743-6A0E-73BD-2973-A5E7E7A0D23F}"/>
+              </a:ext>
+            </a:extLst>
+          </p:cNvPr>
+          <p:cNvGrpSpPr/>
+          <p:nvPr/>
+        </p:nvGrpSpPr>
+        <p:grpSpPr>
+          <a:xfrm>
+            <a:off x="10115769" y="2752508"/>
+            <a:ext cx="3240000" cy="6435926"/>
+            <a:chOff x="10116075" y="2750549"/>
+            <a:chExt cx="3240000" cy="6435926"/>
+          </a:xfrm>
+        </p:grpSpPr>
+        <p:sp>
+          <p:nvSpPr>
+            <p:cNvPr id="393" name="사각형: 둥근 모서리 392">
+              <a:extLst>
+                <a:ext uri="{FF2B5EF4-FFF2-40B4-BE49-F238E27FC236}">
+                  <a16:creationId xmlns:a16="http://schemas.microsoft.com/office/drawing/2014/main" id="{9D3CC6C5-8F5D-D113-E6B2-D38CC467971E}"/>
+                </a:ext>
+              </a:extLst>
+            </p:cNvPr>
+            <p:cNvSpPr/>
+            <p:nvPr/>
+          </p:nvSpPr>
+          <p:spPr>
+            <a:xfrm>
+              <a:off x="10116075" y="2750549"/>
+              <a:ext cx="3240000" cy="2376000"/>
+            </a:xfrm>
+            <a:prstGeom prst="roundRect">
+              <a:avLst>
+                <a:gd name="adj" fmla="val 6908"/>
+              </a:avLst>
+            </a:prstGeom>
+            <a:solidFill>
+              <a:schemeClr val="accent3">
+                <a:alpha val="50000"/>
+              </a:schemeClr>
+            </a:solidFill>
+            <a:ln>
+              <a:noFill/>
+            </a:ln>
+          </p:spPr>
+          <p:style>
+            <a:lnRef idx="0">
+              <a:scrgbClr r="0" g="0" b="0"/>
+            </a:lnRef>
+            <a:fillRef idx="0">
+              <a:scrgbClr r="0" g="0" b="0"/>
+            </a:fillRef>
+            <a:effectRef idx="0">
+              <a:scrgbClr r="0" g="0" b="0"/>
+            </a:effectRef>
+            <a:fontRef idx="minor">
+              <a:schemeClr val="lt1"/>
+            </a:fontRef>
+          </p:style>
+          <p:txBody>
+            <a:bodyPr rtlCol="0" anchor="ctr"/>
+            <a:lstStyle/>
+            <a:p>
+              <a:pPr algn="ctr"/>
+              <a:r>
+                <a:rPr lang="en-US" altLang="ko-KR" b="1" i="1" dirty="0">
+                  <a:solidFill>
+                    <a:srgbClr val="C00000"/>
+                  </a:solidFill>
+                </a:rPr>
+                <a:t>Lattice</a:t>
+              </a:r>
+            </a:p>
+            <a:p>
+              <a:pPr algn="ctr"/>
+              <a:r>
+                <a:rPr lang="en-US" altLang="ko-KR" i="1" dirty="0">
+                  <a:solidFill>
+                    <a:schemeClr val="accent2"/>
+                  </a:solidFill>
+                </a:rPr>
+                <a:t>(Dictionary-based Model)</a:t>
+              </a:r>
+              <a:endParaRPr lang="ko-KR" altLang="en-US" i="1" dirty="0">
+                <a:solidFill>
+                  <a:srgbClr val="C00000"/>
+                </a:solidFill>
+              </a:endParaRPr>
+            </a:p>
+          </p:txBody>
+        </p:sp>
+        <p:sp>
+          <p:nvSpPr>
+            <p:cNvPr id="394" name="순서도: 자기 디스크 393">
+              <a:extLst>
+                <a:ext uri="{FF2B5EF4-FFF2-40B4-BE49-F238E27FC236}">
+                  <a16:creationId xmlns:a16="http://schemas.microsoft.com/office/drawing/2014/main" id="{76FC8565-7760-EF78-26C7-D29FB2299A5C}"/>
+                </a:ext>
+              </a:extLst>
+            </p:cNvPr>
+            <p:cNvSpPr/>
+            <p:nvPr/>
+          </p:nvSpPr>
+          <p:spPr>
+            <a:xfrm>
+              <a:off x="10296075" y="2892745"/>
+              <a:ext cx="2880000" cy="720000"/>
+            </a:xfrm>
+            <a:prstGeom prst="flowChartMagneticDisk">
+              <a:avLst/>
+            </a:prstGeom>
+          </p:spPr>
+          <p:style>
+            <a:lnRef idx="2">
+              <a:schemeClr val="accent3"/>
+            </a:lnRef>
+            <a:fillRef idx="1">
+              <a:schemeClr val="lt1"/>
+            </a:fillRef>
+            <a:effectRef idx="0">
+              <a:schemeClr val="accent3"/>
+            </a:effectRef>
+            <a:fontRef idx="minor">
+              <a:schemeClr val="dk1"/>
+            </a:fontRef>
+          </p:style>
+          <p:txBody>
+            <a:bodyPr rtlCol="0" anchor="ctr"/>
+            <a:lstStyle/>
+            <a:p>
+              <a:pPr algn="ctr"/>
+              <a:r>
+                <a:rPr lang="en-US" altLang="ko-KR" sz="1600" dirty="0">
+                  <a:solidFill>
+                    <a:schemeClr val="dk1"/>
+                  </a:solidFill>
+                  <a:latin typeface="Cambria Math" panose="02040503050406030204" pitchFamily="18" charset="0"/>
+                  <a:ea typeface="Cambria Math" panose="02040503050406030204" pitchFamily="18" charset="0"/>
+                </a:rPr>
+                <a:t>Morpheme-based Lexicon</a:t>
+              </a:r>
+              <a:endParaRPr lang="ko-KR" altLang="en-US" sz="1600" dirty="0">
+                <a:solidFill>
+                  <a:schemeClr val="dk1"/>
+                </a:solidFill>
+                <a:latin typeface="Cambria Math" panose="02040503050406030204" pitchFamily="18" charset="0"/>
+                <a:ea typeface="서울남산 장체 M" panose="02020503020101020101" pitchFamily="18" charset="-127"/>
+              </a:endParaRPr>
+            </a:p>
+          </p:txBody>
+        </p:sp>
+        <p:sp>
+          <p:nvSpPr>
+            <p:cNvPr id="395" name="순서도: 자기 디스크 394">
+              <a:extLst>
+                <a:ext uri="{FF2B5EF4-FFF2-40B4-BE49-F238E27FC236}">
+                  <a16:creationId xmlns:a16="http://schemas.microsoft.com/office/drawing/2014/main" id="{42380ECB-F0D3-C572-56A1-FB847E4D303C}"/>
+                </a:ext>
+              </a:extLst>
+            </p:cNvPr>
+            <p:cNvSpPr/>
+            <p:nvPr/>
+          </p:nvSpPr>
+          <p:spPr>
+            <a:xfrm>
+              <a:off x="10296075" y="4248668"/>
+              <a:ext cx="2880000" cy="720000"/>
+            </a:xfrm>
+            <a:prstGeom prst="flowChartMagneticDisk">
+              <a:avLst/>
+            </a:prstGeom>
+          </p:spPr>
+          <p:style>
+            <a:lnRef idx="2">
+              <a:schemeClr val="accent3"/>
+            </a:lnRef>
+            <a:fillRef idx="1">
+              <a:schemeClr val="lt1"/>
+            </a:fillRef>
+            <a:effectRef idx="0">
+              <a:schemeClr val="accent3"/>
+            </a:effectRef>
+            <a:fontRef idx="minor">
+              <a:schemeClr val="dk1"/>
+            </a:fontRef>
+          </p:style>
+          <p:txBody>
+            <a:bodyPr rtlCol="0" anchor="ctr"/>
+            <a:lstStyle/>
+            <a:p>
+              <a:pPr algn="ctr"/>
+              <a:r>
+                <a:rPr lang="en-US" altLang="ko-KR" sz="1600" dirty="0">
+                  <a:solidFill>
+                    <a:schemeClr val="dk1"/>
+                  </a:solidFill>
+                  <a:latin typeface="Cambria Math" panose="02040503050406030204" pitchFamily="18" charset="0"/>
+                  <a:ea typeface="Cambria Math" panose="02040503050406030204" pitchFamily="18" charset="0"/>
+                </a:rPr>
+                <a:t>Connection Cost Matrix</a:t>
+              </a:r>
+              <a:endParaRPr lang="ko-KR" altLang="en-US" sz="1600" dirty="0">
+                <a:solidFill>
+                  <a:schemeClr val="dk1"/>
+                </a:solidFill>
+                <a:latin typeface="Cambria Math" panose="02040503050406030204" pitchFamily="18" charset="0"/>
+                <a:ea typeface="서울남산 장체 M" panose="02020503020101020101" pitchFamily="18" charset="-127"/>
+              </a:endParaRPr>
+            </a:p>
+          </p:txBody>
+        </p:sp>
+        <p:sp>
+          <p:nvSpPr>
+            <p:cNvPr id="396" name="사각형: 둥근 모서리 395">
+              <a:extLst>
+                <a:ext uri="{FF2B5EF4-FFF2-40B4-BE49-F238E27FC236}">
+                  <a16:creationId xmlns:a16="http://schemas.microsoft.com/office/drawing/2014/main" id="{AC3741BC-A134-AC54-0FF8-D0406F137F50}"/>
+                </a:ext>
+              </a:extLst>
+            </p:cNvPr>
+            <p:cNvSpPr/>
+            <p:nvPr/>
+          </p:nvSpPr>
+          <p:spPr>
+            <a:xfrm>
+              <a:off x="10116075" y="6810475"/>
+              <a:ext cx="3240000" cy="2376000"/>
+            </a:xfrm>
+            <a:prstGeom prst="roundRect">
+              <a:avLst>
+                <a:gd name="adj" fmla="val 6908"/>
+              </a:avLst>
+            </a:prstGeom>
+            <a:solidFill>
+              <a:schemeClr val="accent3">
+                <a:alpha val="50000"/>
+              </a:schemeClr>
+            </a:solidFill>
+            <a:ln>
+              <a:noFill/>
+            </a:ln>
+          </p:spPr>
+          <p:style>
+            <a:lnRef idx="0">
+              <a:scrgbClr r="0" g="0" b="0"/>
+            </a:lnRef>
+            <a:fillRef idx="0">
+              <a:scrgbClr r="0" g="0" b="0"/>
+            </a:fillRef>
+            <a:effectRef idx="0">
+              <a:scrgbClr r="0" g="0" b="0"/>
+            </a:effectRef>
+            <a:fontRef idx="minor">
+              <a:schemeClr val="lt1"/>
+            </a:fontRef>
+          </p:style>
+          <p:txBody>
+            <a:bodyPr rtlCol="0" anchor="ctr"/>
+            <a:lstStyle/>
+            <a:p>
+              <a:pPr algn="ctr"/>
+              <a:r>
+                <a:rPr lang="en-US" altLang="ko-KR" b="1" i="1" dirty="0">
+                  <a:solidFill>
+                    <a:srgbClr val="C00000"/>
+                  </a:solidFill>
+                </a:rPr>
+                <a:t>Transformer [Encoder]</a:t>
+              </a:r>
+              <a:endParaRPr lang="en-US" altLang="ko-KR" b="1" i="1" dirty="0">
+                <a:solidFill>
+                  <a:schemeClr val="accent2"/>
+                </a:solidFill>
+              </a:endParaRPr>
+            </a:p>
+            <a:p>
+              <a:pPr algn="ctr"/>
+              <a:r>
+                <a:rPr lang="en-US" altLang="ko-KR" i="1" dirty="0">
+                  <a:solidFill>
+                    <a:schemeClr val="accent2"/>
+                  </a:solidFill>
+                </a:rPr>
+                <a:t>(Two-stage Re-ranking Model)</a:t>
+              </a:r>
+              <a:endParaRPr lang="ko-KR" altLang="en-US" i="1" dirty="0">
+                <a:solidFill>
+                  <a:srgbClr val="C00000"/>
+                </a:solidFill>
+              </a:endParaRPr>
+            </a:p>
+          </p:txBody>
+        </p:sp>
+        <p:sp>
+          <p:nvSpPr>
+            <p:cNvPr id="397" name="순서도: 자기 디스크 396">
+              <a:extLst>
+                <a:ext uri="{FF2B5EF4-FFF2-40B4-BE49-F238E27FC236}">
+                  <a16:creationId xmlns:a16="http://schemas.microsoft.com/office/drawing/2014/main" id="{37F48388-83FA-E7AA-E328-17EE361B3EEF}"/>
+                </a:ext>
+              </a:extLst>
+            </p:cNvPr>
+            <p:cNvSpPr/>
+            <p:nvPr/>
+          </p:nvSpPr>
+          <p:spPr>
+            <a:xfrm>
+              <a:off x="10296075" y="6960514"/>
+              <a:ext cx="2880000" cy="720000"/>
+            </a:xfrm>
+            <a:prstGeom prst="flowChartMagneticDisk">
+              <a:avLst/>
+            </a:prstGeom>
+          </p:spPr>
+          <p:style>
+            <a:lnRef idx="2">
+              <a:schemeClr val="accent3"/>
+            </a:lnRef>
+            <a:fillRef idx="1">
+              <a:schemeClr val="lt1"/>
+            </a:fillRef>
+            <a:effectRef idx="0">
+              <a:schemeClr val="accent3"/>
+            </a:effectRef>
+            <a:fontRef idx="minor">
+              <a:schemeClr val="dk1"/>
+            </a:fontRef>
+          </p:style>
+          <p:txBody>
+            <a:bodyPr rtlCol="0" anchor="ctr"/>
+            <a:lstStyle/>
+            <a:p>
+              <a:pPr algn="ctr"/>
+              <a:r>
+                <a:rPr lang="en-US" altLang="ko-KR" sz="1600" dirty="0">
+                  <a:solidFill>
+                    <a:schemeClr val="dk1"/>
+                  </a:solidFill>
+                  <a:latin typeface="Cambria Math" panose="02040503050406030204" pitchFamily="18" charset="0"/>
+                  <a:ea typeface="Cambria Math" panose="02040503050406030204" pitchFamily="18" charset="0"/>
+                </a:rPr>
+                <a:t>First-stage </a:t>
+              </a:r>
+              <a:br>
+                <a:rPr lang="en-US" altLang="ko-KR" sz="1600" dirty="0">
+                  <a:solidFill>
+                    <a:schemeClr val="dk1"/>
+                  </a:solidFill>
+                  <a:latin typeface="Cambria Math" panose="02040503050406030204" pitchFamily="18" charset="0"/>
+                  <a:ea typeface="Cambria Math" panose="02040503050406030204" pitchFamily="18" charset="0"/>
+                </a:rPr>
+              </a:br>
+              <a:r>
+                <a:rPr lang="en-US" altLang="ko-KR" sz="1600" dirty="0">
+                  <a:solidFill>
+                    <a:schemeClr val="dk1"/>
+                  </a:solidFill>
+                  <a:latin typeface="Cambria Math" panose="02040503050406030204" pitchFamily="18" charset="0"/>
+                  <a:ea typeface="Cambria Math" panose="02040503050406030204" pitchFamily="18" charset="0"/>
+                </a:rPr>
+                <a:t>Re-ranking Model</a:t>
+              </a:r>
+              <a:endParaRPr lang="ko-KR" altLang="en-US" sz="1600" dirty="0">
+                <a:solidFill>
+                  <a:schemeClr val="dk1"/>
+                </a:solidFill>
+                <a:latin typeface="Cambria Math" panose="02040503050406030204" pitchFamily="18" charset="0"/>
+                <a:ea typeface="서울남산 장체 M" panose="02020503020101020101" pitchFamily="18" charset="-127"/>
+              </a:endParaRPr>
+            </a:p>
+          </p:txBody>
+        </p:sp>
+        <p:sp>
+          <p:nvSpPr>
+            <p:cNvPr id="398" name="순서도: 자기 디스크 397">
+              <a:extLst>
+                <a:ext uri="{FF2B5EF4-FFF2-40B4-BE49-F238E27FC236}">
+                  <a16:creationId xmlns:a16="http://schemas.microsoft.com/office/drawing/2014/main" id="{0D2EF51D-49E5-E1E1-8DC9-0697D961C0FE}"/>
+                </a:ext>
+              </a:extLst>
+            </p:cNvPr>
+            <p:cNvSpPr/>
+            <p:nvPr/>
+          </p:nvSpPr>
+          <p:spPr>
+            <a:xfrm>
+              <a:off x="10296075" y="8316437"/>
+              <a:ext cx="2880000" cy="720000"/>
+            </a:xfrm>
+            <a:prstGeom prst="flowChartMagneticDisk">
+              <a:avLst/>
+            </a:prstGeom>
+          </p:spPr>
+          <p:style>
+            <a:lnRef idx="2">
+              <a:schemeClr val="accent3"/>
+            </a:lnRef>
+            <a:fillRef idx="1">
+              <a:schemeClr val="lt1"/>
+            </a:fillRef>
+            <a:effectRef idx="0">
+              <a:schemeClr val="accent3"/>
+            </a:effectRef>
+            <a:fontRef idx="minor">
+              <a:schemeClr val="dk1"/>
+            </a:fontRef>
+          </p:style>
+          <p:txBody>
+            <a:bodyPr rtlCol="0" anchor="ctr"/>
+            <a:lstStyle/>
+            <a:p>
+              <a:pPr algn="ctr"/>
+              <a:r>
+                <a:rPr lang="en-US" altLang="ko-KR" sz="1600" dirty="0">
+                  <a:solidFill>
+                    <a:schemeClr val="dk1"/>
+                  </a:solidFill>
+                  <a:latin typeface="Cambria Math" panose="02040503050406030204" pitchFamily="18" charset="0"/>
+                  <a:ea typeface="Cambria Math" panose="02040503050406030204" pitchFamily="18" charset="0"/>
+                </a:rPr>
+                <a:t>Second-stage </a:t>
+              </a:r>
+              <a:br>
+                <a:rPr lang="en-US" altLang="ko-KR" sz="1600" dirty="0">
+                  <a:solidFill>
+                    <a:schemeClr val="dk1"/>
+                  </a:solidFill>
+                  <a:latin typeface="Cambria Math" panose="02040503050406030204" pitchFamily="18" charset="0"/>
+                  <a:ea typeface="Cambria Math" panose="02040503050406030204" pitchFamily="18" charset="0"/>
+                </a:rPr>
+              </a:br>
+              <a:r>
+                <a:rPr lang="en-US" altLang="ko-KR" sz="1600" dirty="0">
+                  <a:solidFill>
+                    <a:schemeClr val="dk1"/>
+                  </a:solidFill>
+                  <a:latin typeface="Cambria Math" panose="02040503050406030204" pitchFamily="18" charset="0"/>
+                  <a:ea typeface="Cambria Math" panose="02040503050406030204" pitchFamily="18" charset="0"/>
+                </a:rPr>
+                <a:t>Re-ranking Model</a:t>
+              </a:r>
+              <a:endParaRPr lang="ko-KR" altLang="en-US" sz="1600" dirty="0">
+                <a:solidFill>
+                  <a:schemeClr val="dk1"/>
+                </a:solidFill>
+                <a:latin typeface="Cambria Math" panose="02040503050406030204" pitchFamily="18" charset="0"/>
+                <a:ea typeface="서울남산 장체 M" panose="02020503020101020101" pitchFamily="18" charset="-127"/>
+              </a:endParaRPr>
+            </a:p>
+          </p:txBody>
+        </p:sp>
+        <p:sp>
+          <p:nvSpPr>
+            <p:cNvPr id="399" name="순서도: 자기 디스크 398">
+              <a:extLst>
+                <a:ext uri="{FF2B5EF4-FFF2-40B4-BE49-F238E27FC236}">
+                  <a16:creationId xmlns:a16="http://schemas.microsoft.com/office/drawing/2014/main" id="{E371BF3B-DD3C-91A9-63B5-407206B52569}"/>
+                </a:ext>
+              </a:extLst>
+            </p:cNvPr>
+            <p:cNvSpPr/>
+            <p:nvPr/>
+          </p:nvSpPr>
+          <p:spPr>
+            <a:xfrm>
+              <a:off x="10296075" y="5604591"/>
+              <a:ext cx="2880000" cy="720000"/>
+            </a:xfrm>
+            <a:prstGeom prst="flowChartMagneticDisk">
+              <a:avLst/>
+            </a:prstGeom>
+          </p:spPr>
+          <p:style>
+            <a:lnRef idx="2">
+              <a:schemeClr val="accent3"/>
+            </a:lnRef>
+            <a:fillRef idx="1">
+              <a:schemeClr val="lt1"/>
+            </a:fillRef>
+            <a:effectRef idx="0">
+              <a:schemeClr val="accent3"/>
+            </a:effectRef>
+            <a:fontRef idx="minor">
+              <a:schemeClr val="dk1"/>
+            </a:fontRef>
+          </p:style>
+          <p:txBody>
+            <a:bodyPr rtlCol="0" anchor="ctr"/>
+            <a:lstStyle/>
+            <a:p>
+              <a:pPr algn="ctr"/>
+              <a:r>
+                <a:rPr lang="en-US" altLang="ko-KR" sz="1600" dirty="0">
+                  <a:solidFill>
+                    <a:schemeClr val="dk1"/>
+                  </a:solidFill>
+                  <a:latin typeface="Cambria Math" panose="02040503050406030204" pitchFamily="18" charset="0"/>
+                  <a:ea typeface="Cambria Math" panose="02040503050406030204" pitchFamily="18" charset="0"/>
+                </a:rPr>
+                <a:t>Secondary Paths </a:t>
+              </a:r>
+              <a:br>
+                <a:rPr lang="en-US" altLang="ko-KR" sz="1600" dirty="0">
+                  <a:solidFill>
+                    <a:schemeClr val="dk1"/>
+                  </a:solidFill>
+                  <a:latin typeface="Cambria Math" panose="02040503050406030204" pitchFamily="18" charset="0"/>
+                  <a:ea typeface="Cambria Math" panose="02040503050406030204" pitchFamily="18" charset="0"/>
+                </a:rPr>
+              </a:br>
+              <a:r>
+                <a:rPr lang="en-US" altLang="ko-KR" sz="1600" dirty="0">
+                  <a:solidFill>
+                    <a:schemeClr val="dk1"/>
+                  </a:solidFill>
+                  <a:latin typeface="Cambria Math" panose="02040503050406030204" pitchFamily="18" charset="0"/>
+                  <a:ea typeface="Cambria Math" panose="02040503050406030204" pitchFamily="18" charset="0"/>
+                </a:rPr>
+                <a:t>per Training Sample</a:t>
+              </a:r>
+              <a:endParaRPr lang="ko-KR" altLang="en-US" sz="1600" dirty="0">
+                <a:solidFill>
+                  <a:schemeClr val="dk1"/>
+                </a:solidFill>
+                <a:latin typeface="Cambria Math" panose="02040503050406030204" pitchFamily="18" charset="0"/>
+                <a:ea typeface="서울남산 장체 M" panose="02020503020101020101" pitchFamily="18" charset="-127"/>
+              </a:endParaRPr>
+            </a:p>
+          </p:txBody>
+        </p:sp>
+      </p:grpSp>
       <p:sp>
         <p:nvSpPr>
-          <p:cNvPr id="478" name="직사각형 477">
+          <p:cNvPr id="509" name="직사각형 508">
             <a:extLst>
               <a:ext uri="{FF2B5EF4-FFF2-40B4-BE49-F238E27FC236}">
-                <a16:creationId xmlns:a16="http://schemas.microsoft.com/office/drawing/2014/main" id="{DA6BFD8F-DC52-1ED6-6CCD-5D99F9F6D6CD}"/>
+                <a16:creationId xmlns:a16="http://schemas.microsoft.com/office/drawing/2014/main" id="{5767BA91-D065-34D6-B56E-24C66FBAF506}"/>
               </a:ext>
             </a:extLst>
           </p:cNvPr>
@@ -7064,7 +7195,7 @@
         </p:nvSpPr>
         <p:spPr>
           <a:xfrm>
-            <a:off x="6516075" y="8316437"/>
+            <a:off x="6515769" y="8318396"/>
             <a:ext cx="360000" cy="360000"/>
           </a:xfrm>
           <a:prstGeom prst="rect">
@@ -7104,10 +7235,10 @@
       </p:sp>
       <p:sp>
         <p:nvSpPr>
-          <p:cNvPr id="479" name="직사각형 478">
+          <p:cNvPr id="510" name="직사각형 509">
             <a:extLst>
               <a:ext uri="{FF2B5EF4-FFF2-40B4-BE49-F238E27FC236}">
-                <a16:creationId xmlns:a16="http://schemas.microsoft.com/office/drawing/2014/main" id="{7F40968C-1527-E36C-8870-599C46133157}"/>
+                <a16:creationId xmlns:a16="http://schemas.microsoft.com/office/drawing/2014/main" id="{6FBE5025-F48D-313E-4951-652BF468397C}"/>
               </a:ext>
             </a:extLst>
           </p:cNvPr>
@@ -7116,7 +7247,7 @@
         </p:nvSpPr>
         <p:spPr>
           <a:xfrm>
-            <a:off x="6516075" y="6960514"/>
+            <a:off x="6515769" y="6962473"/>
             <a:ext cx="360000" cy="360000"/>
           </a:xfrm>
           <a:prstGeom prst="rect">
@@ -7156,10 +7287,10 @@
       </p:sp>
       <p:sp>
         <p:nvSpPr>
-          <p:cNvPr id="480" name="직사각형 479">
+          <p:cNvPr id="511" name="직사각형 510">
             <a:extLst>
               <a:ext uri="{FF2B5EF4-FFF2-40B4-BE49-F238E27FC236}">
-                <a16:creationId xmlns:a16="http://schemas.microsoft.com/office/drawing/2014/main" id="{67CD6B79-84A5-5599-2E73-8DFAA62CFCAD}"/>
+                <a16:creationId xmlns:a16="http://schemas.microsoft.com/office/drawing/2014/main" id="{517A6C12-B1EA-2D18-80F5-ADC8379B9720}"/>
               </a:ext>
             </a:extLst>
           </p:cNvPr>
@@ -7168,7 +7299,7 @@
         </p:nvSpPr>
         <p:spPr>
           <a:xfrm>
-            <a:off x="6516075" y="5604591"/>
+            <a:off x="6515769" y="5606550"/>
             <a:ext cx="360000" cy="360000"/>
           </a:xfrm>
           <a:prstGeom prst="rect">
@@ -7208,10 +7339,10 @@
       </p:sp>
       <p:sp>
         <p:nvSpPr>
-          <p:cNvPr id="481" name="직사각형 480">
+          <p:cNvPr id="384" name="직사각형 383">
             <a:extLst>
               <a:ext uri="{FF2B5EF4-FFF2-40B4-BE49-F238E27FC236}">
-                <a16:creationId xmlns:a16="http://schemas.microsoft.com/office/drawing/2014/main" id="{E918102C-7320-14C2-6FB2-1A7A86A11E61}"/>
+                <a16:creationId xmlns:a16="http://schemas.microsoft.com/office/drawing/2014/main" id="{2337C5EE-65F2-6FDB-556E-482560D06968}"/>
               </a:ext>
             </a:extLst>
           </p:cNvPr>
@@ -7220,7 +7351,7 @@
         </p:nvSpPr>
         <p:spPr>
           <a:xfrm>
-            <a:off x="6516075" y="4248668"/>
+            <a:off x="6515769" y="4250627"/>
             <a:ext cx="360000" cy="360000"/>
           </a:xfrm>
           <a:prstGeom prst="rect">
@@ -7260,10 +7391,10 @@
       </p:sp>
       <p:sp>
         <p:nvSpPr>
-          <p:cNvPr id="2" name="직사각형 1">
+          <p:cNvPr id="385" name="직사각형 384">
             <a:extLst>
               <a:ext uri="{FF2B5EF4-FFF2-40B4-BE49-F238E27FC236}">
-                <a16:creationId xmlns:a16="http://schemas.microsoft.com/office/drawing/2014/main" id="{3BA1B44A-796A-5373-470A-20B21AB1D707}"/>
+                <a16:creationId xmlns:a16="http://schemas.microsoft.com/office/drawing/2014/main" id="{D0422068-193E-1926-F953-816880AFC15C}"/>
               </a:ext>
             </a:extLst>
           </p:cNvPr>
@@ -7272,7 +7403,7 @@
         </p:nvSpPr>
         <p:spPr>
           <a:xfrm>
-            <a:off x="1116074" y="3072745"/>
+            <a:off x="1115768" y="3074704"/>
             <a:ext cx="360000" cy="360000"/>
           </a:xfrm>
           <a:prstGeom prst="rect">
@@ -7312,10 +7443,10 @@
       </p:sp>
       <p:sp>
         <p:nvSpPr>
-          <p:cNvPr id="3" name="직사각형 2">
+          <p:cNvPr id="386" name="직사각형 385">
             <a:extLst>
               <a:ext uri="{FF2B5EF4-FFF2-40B4-BE49-F238E27FC236}">
-                <a16:creationId xmlns:a16="http://schemas.microsoft.com/office/drawing/2014/main" id="{7D2D4219-33FD-02FC-0199-FF071DC5EEC5}"/>
+                <a16:creationId xmlns:a16="http://schemas.microsoft.com/office/drawing/2014/main" id="{3D0D2E8D-4F87-02AE-AAF2-E4C1195204C4}"/>
               </a:ext>
             </a:extLst>
           </p:cNvPr>
@@ -7324,7 +7455,7 @@
         </p:nvSpPr>
         <p:spPr>
           <a:xfrm>
-            <a:off x="1116074" y="4428668"/>
+            <a:off x="1115768" y="4430627"/>
             <a:ext cx="360000" cy="360000"/>
           </a:xfrm>
           <a:prstGeom prst="rect">
@@ -7364,10 +7495,10 @@
       </p:sp>
       <p:sp>
         <p:nvSpPr>
-          <p:cNvPr id="4" name="직사각형 3">
+          <p:cNvPr id="387" name="직사각형 386">
             <a:extLst>
               <a:ext uri="{FF2B5EF4-FFF2-40B4-BE49-F238E27FC236}">
-                <a16:creationId xmlns:a16="http://schemas.microsoft.com/office/drawing/2014/main" id="{D8A5C7DD-95D0-A5C0-C08B-EEE1BC058691}"/>
+                <a16:creationId xmlns:a16="http://schemas.microsoft.com/office/drawing/2014/main" id="{63B8B1D5-F217-3A9E-A848-ADEE286D0706}"/>
               </a:ext>
             </a:extLst>
           </p:cNvPr>
@@ -7376,7 +7507,7 @@
         </p:nvSpPr>
         <p:spPr>
           <a:xfrm>
-            <a:off x="1116074" y="5784591"/>
+            <a:off x="1115768" y="5786550"/>
             <a:ext cx="360000" cy="360000"/>
           </a:xfrm>
           <a:prstGeom prst="rect">
@@ -7416,10 +7547,10 @@
       </p:sp>
       <p:sp>
         <p:nvSpPr>
-          <p:cNvPr id="5" name="직사각형 4">
+          <p:cNvPr id="388" name="직사각형 387">
             <a:extLst>
               <a:ext uri="{FF2B5EF4-FFF2-40B4-BE49-F238E27FC236}">
-                <a16:creationId xmlns:a16="http://schemas.microsoft.com/office/drawing/2014/main" id="{27A79FFB-6BBB-8047-8339-C614D557E2A8}"/>
+                <a16:creationId xmlns:a16="http://schemas.microsoft.com/office/drawing/2014/main" id="{12787FA6-7070-7609-403F-0EF6E2C7905A}"/>
               </a:ext>
             </a:extLst>
           </p:cNvPr>
@@ -7428,7 +7559,7 @@
         </p:nvSpPr>
         <p:spPr>
           <a:xfrm>
-            <a:off x="1116074" y="7140514"/>
+            <a:off x="1115768" y="7142473"/>
             <a:ext cx="360000" cy="360000"/>
           </a:xfrm>
           <a:prstGeom prst="rect">
@@ -7468,23 +7599,23 @@
       </p:sp>
       <p:cxnSp>
         <p:nvCxnSpPr>
-          <p:cNvPr id="6" name="직선 화살표 연결선 5">
+          <p:cNvPr id="389" name="직선 화살표 연결선 388">
             <a:extLst>
               <a:ext uri="{FF2B5EF4-FFF2-40B4-BE49-F238E27FC236}">
-                <a16:creationId xmlns:a16="http://schemas.microsoft.com/office/drawing/2014/main" id="{A9A0719B-AACC-EAD4-BD45-939748D3325B}"/>
+                <a16:creationId xmlns:a16="http://schemas.microsoft.com/office/drawing/2014/main" id="{9FA6D4FE-BE90-3161-15C9-7047C60D19AC}"/>
               </a:ext>
             </a:extLst>
           </p:cNvPr>
           <p:cNvCxnSpPr>
             <a:cxnSpLocks/>
-            <a:stCxn id="2" idx="3"/>
-            <a:endCxn id="459" idx="1"/>
+            <a:stCxn id="385" idx="3"/>
+            <a:endCxn id="500" idx="1"/>
           </p:cNvCxnSpPr>
           <p:nvPr/>
         </p:nvCxnSpPr>
         <p:spPr>
           <a:xfrm>
-            <a:off x="1476074" y="3252745"/>
+            <a:off x="1475768" y="3254704"/>
             <a:ext cx="2160001" cy="0"/>
           </a:xfrm>
           <a:prstGeom prst="straightConnector1">
@@ -7512,23 +7643,23 @@
       </p:cxnSp>
       <p:cxnSp>
         <p:nvCxnSpPr>
-          <p:cNvPr id="9" name="직선 화살표 연결선 8">
+          <p:cNvPr id="390" name="직선 화살표 연결선 389">
             <a:extLst>
               <a:ext uri="{FF2B5EF4-FFF2-40B4-BE49-F238E27FC236}">
-                <a16:creationId xmlns:a16="http://schemas.microsoft.com/office/drawing/2014/main" id="{76B68A5A-AF3C-51B1-F109-EE43E3EADCD6}"/>
+                <a16:creationId xmlns:a16="http://schemas.microsoft.com/office/drawing/2014/main" id="{B4359160-51F4-7974-1DB5-62E974746559}"/>
               </a:ext>
             </a:extLst>
           </p:cNvPr>
           <p:cNvCxnSpPr>
             <a:cxnSpLocks/>
-            <a:stCxn id="3" idx="3"/>
-            <a:endCxn id="458" idx="1"/>
+            <a:stCxn id="386" idx="3"/>
+            <a:endCxn id="499" idx="1"/>
           </p:cNvCxnSpPr>
           <p:nvPr/>
         </p:nvCxnSpPr>
         <p:spPr>
           <a:xfrm>
-            <a:off x="1476074" y="4608668"/>
+            <a:off x="1475768" y="4610627"/>
             <a:ext cx="2160001" cy="0"/>
           </a:xfrm>
           <a:prstGeom prst="straightConnector1">
@@ -7556,23 +7687,23 @@
       </p:cxnSp>
       <p:cxnSp>
         <p:nvCxnSpPr>
-          <p:cNvPr id="13" name="직선 화살표 연결선 12">
+          <p:cNvPr id="391" name="직선 화살표 연결선 390">
             <a:extLst>
               <a:ext uri="{FF2B5EF4-FFF2-40B4-BE49-F238E27FC236}">
-                <a16:creationId xmlns:a16="http://schemas.microsoft.com/office/drawing/2014/main" id="{0F3E0DF3-06C8-9455-04D6-314DA359827A}"/>
+                <a16:creationId xmlns:a16="http://schemas.microsoft.com/office/drawing/2014/main" id="{E557ED06-0B69-BFC1-D0B5-DD27291BBC64}"/>
               </a:ext>
             </a:extLst>
           </p:cNvPr>
           <p:cNvCxnSpPr>
             <a:cxnSpLocks/>
-            <a:stCxn id="4" idx="3"/>
-            <a:endCxn id="447" idx="1"/>
+            <a:stCxn id="387" idx="3"/>
+            <a:endCxn id="488" idx="1"/>
           </p:cNvCxnSpPr>
           <p:nvPr/>
         </p:nvCxnSpPr>
         <p:spPr>
           <a:xfrm>
-            <a:off x="1476074" y="5964591"/>
+            <a:off x="1475768" y="5966550"/>
             <a:ext cx="2160001" cy="0"/>
           </a:xfrm>
           <a:prstGeom prst="straightConnector1">
@@ -7600,23 +7731,23 @@
       </p:cxnSp>
       <p:cxnSp>
         <p:nvCxnSpPr>
-          <p:cNvPr id="16" name="직선 화살표 연결선 15">
+          <p:cNvPr id="392" name="직선 화살표 연결선 391">
             <a:extLst>
               <a:ext uri="{FF2B5EF4-FFF2-40B4-BE49-F238E27FC236}">
-                <a16:creationId xmlns:a16="http://schemas.microsoft.com/office/drawing/2014/main" id="{F5CCE932-A7F8-7A72-EC6D-5C6A671C8C4B}"/>
+                <a16:creationId xmlns:a16="http://schemas.microsoft.com/office/drawing/2014/main" id="{B857144C-37B6-227E-1CF5-389E04190F35}"/>
               </a:ext>
             </a:extLst>
           </p:cNvPr>
           <p:cNvCxnSpPr>
             <a:cxnSpLocks/>
-            <a:stCxn id="5" idx="3"/>
-            <a:endCxn id="453" idx="1"/>
+            <a:stCxn id="388" idx="3"/>
+            <a:endCxn id="494" idx="1"/>
           </p:cNvCxnSpPr>
           <p:nvPr/>
         </p:nvCxnSpPr>
         <p:spPr>
           <a:xfrm>
-            <a:off x="1476074" y="7320514"/>
+            <a:off x="1475768" y="7322473"/>
             <a:ext cx="2160001" cy="0"/>
           </a:xfrm>
           <a:prstGeom prst="straightConnector1">
